--- a/Gabriela_Rodriguez_Ruiz.pptx
+++ b/Gabriela_Rodriguez_Ruiz.pptx
@@ -5,55 +5,54 @@
     <p:sldMasterId id="2147483659" r:id="rId1"/>
   </p:sldMasterIdLst>
   <p:notesMasterIdLst>
-    <p:notesMasterId r:id="rId17"/>
+    <p:notesMasterId r:id="rId16"/>
   </p:notesMasterIdLst>
   <p:sldIdLst>
-    <p:sldId id="259" r:id="rId2"/>
-    <p:sldId id="257" r:id="rId3"/>
-    <p:sldId id="269" r:id="rId4"/>
-    <p:sldId id="270" r:id="rId5"/>
-    <p:sldId id="261" r:id="rId6"/>
-    <p:sldId id="263" r:id="rId7"/>
-    <p:sldId id="287" r:id="rId8"/>
-    <p:sldId id="264" r:id="rId9"/>
-    <p:sldId id="285" r:id="rId10"/>
-    <p:sldId id="286" r:id="rId11"/>
-    <p:sldId id="288" r:id="rId12"/>
-    <p:sldId id="289" r:id="rId13"/>
-    <p:sldId id="290" r:id="rId14"/>
-    <p:sldId id="291" r:id="rId15"/>
-    <p:sldId id="268" r:id="rId16"/>
+    <p:sldId id="257" r:id="rId2"/>
+    <p:sldId id="269" r:id="rId3"/>
+    <p:sldId id="270" r:id="rId4"/>
+    <p:sldId id="261" r:id="rId5"/>
+    <p:sldId id="263" r:id="rId6"/>
+    <p:sldId id="287" r:id="rId7"/>
+    <p:sldId id="264" r:id="rId8"/>
+    <p:sldId id="285" r:id="rId9"/>
+    <p:sldId id="286" r:id="rId10"/>
+    <p:sldId id="288" r:id="rId11"/>
+    <p:sldId id="289" r:id="rId12"/>
+    <p:sldId id="290" r:id="rId13"/>
+    <p:sldId id="291" r:id="rId14"/>
+    <p:sldId id="268" r:id="rId15"/>
   </p:sldIdLst>
   <p:sldSz cx="15122525" cy="7921625"/>
   <p:notesSz cx="6858000" cy="9144000"/>
   <p:embeddedFontLst>
     <p:embeddedFont>
       <p:font typeface="Calibri" panose="020F0502020204030204" pitchFamily="34" charset="0"/>
-      <p:regular r:id="rId18"/>
-      <p:bold r:id="rId19"/>
-      <p:italic r:id="rId20"/>
-      <p:boldItalic r:id="rId21"/>
+      <p:regular r:id="rId17"/>
+      <p:bold r:id="rId18"/>
+      <p:italic r:id="rId19"/>
+      <p:boldItalic r:id="rId20"/>
     </p:embeddedFont>
     <p:embeddedFont>
       <p:font typeface="Montserrat" panose="020B0604020202020204" charset="0"/>
-      <p:regular r:id="rId22"/>
-      <p:bold r:id="rId23"/>
-      <p:italic r:id="rId24"/>
-      <p:boldItalic r:id="rId25"/>
+      <p:regular r:id="rId21"/>
+      <p:bold r:id="rId22"/>
+      <p:italic r:id="rId23"/>
+      <p:boldItalic r:id="rId24"/>
     </p:embeddedFont>
     <p:embeddedFont>
       <p:font typeface="Montserrat Medium" panose="020B0604020202020204" charset="0"/>
-      <p:regular r:id="rId26"/>
-      <p:bold r:id="rId27"/>
-      <p:italic r:id="rId28"/>
-      <p:boldItalic r:id="rId29"/>
+      <p:regular r:id="rId25"/>
+      <p:bold r:id="rId26"/>
+      <p:italic r:id="rId27"/>
+      <p:boldItalic r:id="rId28"/>
     </p:embeddedFont>
     <p:embeddedFont>
       <p:font typeface="Montserrat SemiBold" panose="020B0604020202020204" charset="0"/>
-      <p:regular r:id="rId30"/>
-      <p:bold r:id="rId31"/>
-      <p:italic r:id="rId32"/>
-      <p:boldItalic r:id="rId33"/>
+      <p:regular r:id="rId29"/>
+      <p:bold r:id="rId30"/>
+      <p:italic r:id="rId31"/>
+      <p:boldItalic r:id="rId32"/>
     </p:embeddedFont>
   </p:embeddedFontLst>
   <p:defaultTextStyle>
@@ -1762,7 +1761,7 @@
   <p:cSld>
     <p:spTree>
       <p:nvGrpSpPr>
-        <p:cNvPr id="1" name="Shape 87"/>
+        <p:cNvPr id="1" name="Shape 64"/>
         <p:cNvGrpSpPr/>
         <p:nvPr/>
       </p:nvGrpSpPr>
@@ -1776,7 +1775,7 @@
       </p:grpSpPr>
       <p:sp>
         <p:nvSpPr>
-          <p:cNvPr id="88" name="Google Shape;88;g53526b9688_0_0:notes"/>
+          <p:cNvPr id="65" name="Google Shape;65;g7ed7eb645d_0_548:notes"/>
           <p:cNvSpPr>
             <a:spLocks noGrp="1" noRot="1" noChangeAspect="1"/>
           </p:cNvSpPr>
@@ -1827,7 +1826,7 @@
       </p:sp>
       <p:sp>
         <p:nvSpPr>
-          <p:cNvPr id="89" name="Google Shape;89;g53526b9688_0_0:notes"/>
+          <p:cNvPr id="66" name="Google Shape;66;g7ed7eb645d_0_548:notes"/>
           <p:cNvSpPr txBox="1">
             <a:spLocks noGrp="1"/>
           </p:cNvSpPr>
@@ -1864,48 +1863,9 @@
               <a:spcAft>
                 <a:spcPts val="0"/>
               </a:spcAft>
-              <a:buClr>
-                <a:schemeClr val="dk1"/>
-              </a:buClr>
-              <a:buSzPts val="1100"/>
-              <a:buFont typeface="Arial"/>
+              <a:buSzPts val="1400"/>
               <a:buNone/>
             </a:pPr>
-            <a:r>
-              <a:rPr lang="es-MX" b="1">
-                <a:solidFill>
-                  <a:schemeClr val="dk1"/>
-                </a:solidFill>
-              </a:rPr>
-              <a:t>Bullet points</a:t>
-            </a:r>
-            <a:br>
-              <a:rPr lang="es-MX" b="1">
-                <a:solidFill>
-                  <a:schemeClr val="dk1"/>
-                </a:solidFill>
-              </a:rPr>
-            </a:br>
-            <a:r>
-              <a:rPr lang="es-MX" b="1">
-                <a:solidFill>
-                  <a:schemeClr val="dk1"/>
-                </a:solidFill>
-              </a:rPr>
-              <a:t>colocar </a:t>
-            </a:r>
-            <a:r>
-              <a:rPr lang="es-MX" b="1"/>
-              <a:t>icono</a:t>
-            </a:r>
-            <a:r>
-              <a:rPr lang="es-MX" b="1">
-                <a:solidFill>
-                  <a:schemeClr val="dk1"/>
-                </a:solidFill>
-              </a:rPr>
-              <a:t> acorde al tema al lado</a:t>
-            </a:r>
             <a:endParaRPr/>
           </a:p>
         </p:txBody>
@@ -2028,14 +1988,14 @@
               <a:buSzPts val="1400"/>
               <a:buNone/>
             </a:pPr>
-            <a:endParaRPr/>
+            <a:endParaRPr dirty="0"/>
           </a:p>
         </p:txBody>
       </p:sp>
     </p:spTree>
     <p:extLst>
       <p:ext uri="{BB962C8B-B14F-4D97-AF65-F5344CB8AC3E}">
-        <p14:creationId xmlns:p14="http://schemas.microsoft.com/office/powerpoint/2010/main" val="3295133733"/>
+        <p14:creationId xmlns:p14="http://schemas.microsoft.com/office/powerpoint/2010/main" val="588241939"/>
       </p:ext>
     </p:extLst>
   </p:cSld>
@@ -2162,7 +2122,7 @@
     </p:spTree>
     <p:extLst>
       <p:ext uri="{BB962C8B-B14F-4D97-AF65-F5344CB8AC3E}">
-        <p14:creationId xmlns:p14="http://schemas.microsoft.com/office/powerpoint/2010/main" val="588241939"/>
+        <p14:creationId xmlns:p14="http://schemas.microsoft.com/office/powerpoint/2010/main" val="1434966837"/>
       </p:ext>
     </p:extLst>
   </p:cSld>
@@ -2289,7 +2249,7 @@
     </p:spTree>
     <p:extLst>
       <p:ext uri="{BB962C8B-B14F-4D97-AF65-F5344CB8AC3E}">
-        <p14:creationId xmlns:p14="http://schemas.microsoft.com/office/powerpoint/2010/main" val="1434966837"/>
+        <p14:creationId xmlns:p14="http://schemas.microsoft.com/office/powerpoint/2010/main" val="1788139130"/>
       </p:ext>
     </p:extLst>
   </p:cSld>
@@ -2416,7 +2376,7 @@
     </p:spTree>
     <p:extLst>
       <p:ext uri="{BB962C8B-B14F-4D97-AF65-F5344CB8AC3E}">
-        <p14:creationId xmlns:p14="http://schemas.microsoft.com/office/powerpoint/2010/main" val="1788139130"/>
+        <p14:creationId xmlns:p14="http://schemas.microsoft.com/office/powerpoint/2010/main" val="4040199331"/>
       </p:ext>
     </p:extLst>
   </p:cSld>
@@ -2427,6 +2387,944 @@
 </file>
 
 <file path=ppt/notesSlides/notesSlide14.xml><?xml version="1.0" encoding="utf-8"?>
+<p:notes xmlns:a="http://schemas.openxmlformats.org/drawingml/2006/main" xmlns:r="http://schemas.openxmlformats.org/officeDocument/2006/relationships" xmlns:p="http://schemas.openxmlformats.org/presentationml/2006/main" showMasterSp="0" showMasterPhAnim="0">
+  <p:cSld>
+    <p:spTree>
+      <p:nvGrpSpPr>
+        <p:cNvPr id="1" name="Shape 197"/>
+        <p:cNvGrpSpPr/>
+        <p:nvPr/>
+      </p:nvGrpSpPr>
+      <p:grpSpPr>
+        <a:xfrm>
+          <a:off x="0" y="0"/>
+          <a:ext cx="0" cy="0"/>
+          <a:chOff x="0" y="0"/>
+          <a:chExt cx="0" cy="0"/>
+        </a:xfrm>
+      </p:grpSpPr>
+      <p:sp>
+        <p:nvSpPr>
+          <p:cNvPr id="198" name="Google Shape;198;g7ed7eb645d_0_749:notes"/>
+          <p:cNvSpPr>
+            <a:spLocks noGrp="1" noRot="1" noChangeAspect="1"/>
+          </p:cNvSpPr>
+          <p:nvPr>
+            <p:ph type="sldImg" idx="2"/>
+          </p:nvPr>
+        </p:nvSpPr>
+        <p:spPr>
+          <a:xfrm>
+            <a:off x="155575" y="685800"/>
+            <a:ext cx="6546850" cy="3429000"/>
+          </a:xfrm>
+          <a:custGeom>
+            <a:avLst/>
+            <a:gdLst/>
+            <a:ahLst/>
+            <a:cxnLst/>
+            <a:rect l="l" t="t" r="r" b="b"/>
+            <a:pathLst>
+              <a:path w="120000" h="120000" extrusionOk="0">
+                <a:moveTo>
+                  <a:pt x="0" y="0"/>
+                </a:moveTo>
+                <a:lnTo>
+                  <a:pt x="120000" y="0"/>
+                </a:lnTo>
+                <a:lnTo>
+                  <a:pt x="120000" y="120000"/>
+                </a:lnTo>
+                <a:lnTo>
+                  <a:pt x="0" y="120000"/>
+                </a:lnTo>
+                <a:close/>
+              </a:path>
+            </a:pathLst>
+          </a:custGeom>
+          <a:noFill/>
+          <a:ln w="12700" cap="flat" cmpd="sng">
+            <a:solidFill>
+              <a:srgbClr val="000000"/>
+            </a:solidFill>
+            <a:prstDash val="solid"/>
+            <a:round/>
+            <a:headEnd type="none" w="sm" len="sm"/>
+            <a:tailEnd type="none" w="sm" len="sm"/>
+          </a:ln>
+        </p:spPr>
+      </p:sp>
+      <p:sp>
+        <p:nvSpPr>
+          <p:cNvPr id="199" name="Google Shape;199;g7ed7eb645d_0_749:notes"/>
+          <p:cNvSpPr txBox="1">
+            <a:spLocks noGrp="1"/>
+          </p:cNvSpPr>
+          <p:nvPr>
+            <p:ph type="body" idx="1"/>
+          </p:nvPr>
+        </p:nvSpPr>
+        <p:spPr>
+          <a:xfrm>
+            <a:off x="685800" y="4343400"/>
+            <a:ext cx="5486400" cy="4114800"/>
+          </a:xfrm>
+          <a:prstGeom prst="rect">
+            <a:avLst/>
+          </a:prstGeom>
+          <a:noFill/>
+          <a:ln>
+            <a:noFill/>
+          </a:ln>
+        </p:spPr>
+        <p:txBody>
+          <a:bodyPr spcFirstLastPara="1" wrap="square" lIns="91425" tIns="45700" rIns="91425" bIns="45700" anchor="t" anchorCtr="0">
+            <a:noAutofit/>
+          </a:bodyPr>
+          <a:lstStyle/>
+          <a:p>
+            <a:pPr marL="0" lvl="0" indent="0" algn="l" rtl="0">
+              <a:lnSpc>
+                <a:spcPct val="100000"/>
+              </a:lnSpc>
+              <a:spcBef>
+                <a:spcPts val="0"/>
+              </a:spcBef>
+              <a:spcAft>
+                <a:spcPts val="0"/>
+              </a:spcAft>
+              <a:buSzPts val="1400"/>
+              <a:buNone/>
+            </a:pPr>
+            <a:r>
+              <a:rPr lang="es-MX"/>
+              <a:t>Frase</a:t>
+            </a:r>
+            <a:endParaRPr/>
+          </a:p>
+          <a:p>
+            <a:pPr marL="0" lvl="0" indent="0" algn="l" rtl="0">
+              <a:lnSpc>
+                <a:spcPct val="100000"/>
+              </a:lnSpc>
+              <a:spcBef>
+                <a:spcPts val="0"/>
+              </a:spcBef>
+              <a:spcAft>
+                <a:spcPts val="0"/>
+              </a:spcAft>
+              <a:buSzPts val="1400"/>
+              <a:buNone/>
+            </a:pPr>
+            <a:endParaRPr/>
+          </a:p>
+        </p:txBody>
+      </p:sp>
+    </p:spTree>
+  </p:cSld>
+  <p:clrMapOvr>
+    <a:masterClrMapping/>
+  </p:clrMapOvr>
+</p:notes>
+</file>
+
+<file path=ppt/notesSlides/notesSlide2.xml><?xml version="1.0" encoding="utf-8"?>
+<p:notes xmlns:a="http://schemas.openxmlformats.org/drawingml/2006/main" xmlns:r="http://schemas.openxmlformats.org/officeDocument/2006/relationships" xmlns:p="http://schemas.openxmlformats.org/presentationml/2006/main" showMasterSp="0" showMasterPhAnim="0">
+  <p:cSld>
+    <p:spTree>
+      <p:nvGrpSpPr>
+        <p:cNvPr id="1" name="Shape 206"/>
+        <p:cNvGrpSpPr/>
+        <p:nvPr/>
+      </p:nvGrpSpPr>
+      <p:grpSpPr>
+        <a:xfrm>
+          <a:off x="0" y="0"/>
+          <a:ext cx="0" cy="0"/>
+          <a:chOff x="0" y="0"/>
+          <a:chExt cx="0" cy="0"/>
+        </a:xfrm>
+      </p:grpSpPr>
+      <p:sp>
+        <p:nvSpPr>
+          <p:cNvPr id="207" name="Google Shape;207;g7ed7eb645d_0_566:notes"/>
+          <p:cNvSpPr>
+            <a:spLocks noGrp="1" noRot="1" noChangeAspect="1"/>
+          </p:cNvSpPr>
+          <p:nvPr>
+            <p:ph type="sldImg" idx="2"/>
+          </p:nvPr>
+        </p:nvSpPr>
+        <p:spPr>
+          <a:xfrm>
+            <a:off x="155575" y="685800"/>
+            <a:ext cx="6546850" cy="3429000"/>
+          </a:xfrm>
+          <a:custGeom>
+            <a:avLst/>
+            <a:gdLst/>
+            <a:ahLst/>
+            <a:cxnLst/>
+            <a:rect l="l" t="t" r="r" b="b"/>
+            <a:pathLst>
+              <a:path w="120000" h="120000" extrusionOk="0">
+                <a:moveTo>
+                  <a:pt x="0" y="0"/>
+                </a:moveTo>
+                <a:lnTo>
+                  <a:pt x="120000" y="0"/>
+                </a:lnTo>
+                <a:lnTo>
+                  <a:pt x="120000" y="120000"/>
+                </a:lnTo>
+                <a:lnTo>
+                  <a:pt x="0" y="120000"/>
+                </a:lnTo>
+                <a:close/>
+              </a:path>
+            </a:pathLst>
+          </a:custGeom>
+          <a:noFill/>
+          <a:ln w="12700" cap="flat" cmpd="sng">
+            <a:solidFill>
+              <a:srgbClr val="000000"/>
+            </a:solidFill>
+            <a:prstDash val="solid"/>
+            <a:round/>
+            <a:headEnd type="none" w="sm" len="sm"/>
+            <a:tailEnd type="none" w="sm" len="sm"/>
+          </a:ln>
+        </p:spPr>
+      </p:sp>
+      <p:sp>
+        <p:nvSpPr>
+          <p:cNvPr id="208" name="Google Shape;208;g7ed7eb645d_0_566:notes"/>
+          <p:cNvSpPr txBox="1">
+            <a:spLocks noGrp="1"/>
+          </p:cNvSpPr>
+          <p:nvPr>
+            <p:ph type="body" idx="1"/>
+          </p:nvPr>
+        </p:nvSpPr>
+        <p:spPr>
+          <a:xfrm>
+            <a:off x="685800" y="4343400"/>
+            <a:ext cx="5486400" cy="4114800"/>
+          </a:xfrm>
+          <a:prstGeom prst="rect">
+            <a:avLst/>
+          </a:prstGeom>
+          <a:noFill/>
+          <a:ln>
+            <a:noFill/>
+          </a:ln>
+        </p:spPr>
+        <p:txBody>
+          <a:bodyPr spcFirstLastPara="1" wrap="square" lIns="91425" tIns="45700" rIns="91425" bIns="45700" anchor="t" anchorCtr="0">
+            <a:noAutofit/>
+          </a:bodyPr>
+          <a:lstStyle/>
+          <a:p>
+            <a:pPr marL="0" lvl="0" indent="0" algn="l" rtl="0">
+              <a:lnSpc>
+                <a:spcPct val="100000"/>
+              </a:lnSpc>
+              <a:spcBef>
+                <a:spcPts val="0"/>
+              </a:spcBef>
+              <a:spcAft>
+                <a:spcPts val="0"/>
+              </a:spcAft>
+              <a:buClr>
+                <a:schemeClr val="dk1"/>
+              </a:buClr>
+              <a:buSzPts val="1100"/>
+              <a:buFont typeface="Arial"/>
+              <a:buNone/>
+            </a:pPr>
+            <a:r>
+              <a:rPr lang="es-MX" b="1">
+                <a:solidFill>
+                  <a:schemeClr val="dk1"/>
+                </a:solidFill>
+              </a:rPr>
+              <a:t>Bullet points</a:t>
+            </a:r>
+            <a:br>
+              <a:rPr lang="es-MX" b="1">
+                <a:solidFill>
+                  <a:schemeClr val="dk1"/>
+                </a:solidFill>
+              </a:rPr>
+            </a:br>
+            <a:r>
+              <a:rPr lang="es-MX" b="1">
+                <a:solidFill>
+                  <a:schemeClr val="dk1"/>
+                </a:solidFill>
+              </a:rPr>
+              <a:t>colocar </a:t>
+            </a:r>
+            <a:r>
+              <a:rPr lang="es-MX" b="1"/>
+              <a:t>icono</a:t>
+            </a:r>
+            <a:r>
+              <a:rPr lang="es-MX" b="1">
+                <a:solidFill>
+                  <a:schemeClr val="dk1"/>
+                </a:solidFill>
+              </a:rPr>
+              <a:t> acorde al tema al lado</a:t>
+            </a:r>
+            <a:endParaRPr/>
+          </a:p>
+        </p:txBody>
+      </p:sp>
+    </p:spTree>
+  </p:cSld>
+  <p:clrMapOvr>
+    <a:masterClrMapping/>
+  </p:clrMapOvr>
+</p:notes>
+</file>
+
+<file path=ppt/notesSlides/notesSlide3.xml><?xml version="1.0" encoding="utf-8"?>
+<p:notes xmlns:a="http://schemas.openxmlformats.org/drawingml/2006/main" xmlns:r="http://schemas.openxmlformats.org/officeDocument/2006/relationships" xmlns:p="http://schemas.openxmlformats.org/presentationml/2006/main" showMasterSp="0" showMasterPhAnim="0">
+  <p:cSld>
+    <p:spTree>
+      <p:nvGrpSpPr>
+        <p:cNvPr id="1" name="Shape 218"/>
+        <p:cNvGrpSpPr/>
+        <p:nvPr/>
+      </p:nvGrpSpPr>
+      <p:grpSpPr>
+        <a:xfrm>
+          <a:off x="0" y="0"/>
+          <a:ext cx="0" cy="0"/>
+          <a:chOff x="0" y="0"/>
+          <a:chExt cx="0" cy="0"/>
+        </a:xfrm>
+      </p:grpSpPr>
+      <p:sp>
+        <p:nvSpPr>
+          <p:cNvPr id="219" name="Google Shape;219;g7ed7eb645d_0_695:notes"/>
+          <p:cNvSpPr>
+            <a:spLocks noGrp="1" noRot="1" noChangeAspect="1"/>
+          </p:cNvSpPr>
+          <p:nvPr>
+            <p:ph type="sldImg" idx="2"/>
+          </p:nvPr>
+        </p:nvSpPr>
+        <p:spPr>
+          <a:xfrm>
+            <a:off x="155575" y="685800"/>
+            <a:ext cx="6546850" cy="3429000"/>
+          </a:xfrm>
+          <a:custGeom>
+            <a:avLst/>
+            <a:gdLst/>
+            <a:ahLst/>
+            <a:cxnLst/>
+            <a:rect l="l" t="t" r="r" b="b"/>
+            <a:pathLst>
+              <a:path w="120000" h="120000" extrusionOk="0">
+                <a:moveTo>
+                  <a:pt x="0" y="0"/>
+                </a:moveTo>
+                <a:lnTo>
+                  <a:pt x="120000" y="0"/>
+                </a:lnTo>
+                <a:lnTo>
+                  <a:pt x="120000" y="120000"/>
+                </a:lnTo>
+                <a:lnTo>
+                  <a:pt x="0" y="120000"/>
+                </a:lnTo>
+                <a:close/>
+              </a:path>
+            </a:pathLst>
+          </a:custGeom>
+          <a:noFill/>
+          <a:ln w="12700" cap="flat" cmpd="sng">
+            <a:solidFill>
+              <a:srgbClr val="000000"/>
+            </a:solidFill>
+            <a:prstDash val="solid"/>
+            <a:round/>
+            <a:headEnd type="none" w="sm" len="sm"/>
+            <a:tailEnd type="none" w="sm" len="sm"/>
+          </a:ln>
+        </p:spPr>
+      </p:sp>
+      <p:sp>
+        <p:nvSpPr>
+          <p:cNvPr id="220" name="Google Shape;220;g7ed7eb645d_0_695:notes"/>
+          <p:cNvSpPr txBox="1">
+            <a:spLocks noGrp="1"/>
+          </p:cNvSpPr>
+          <p:nvPr>
+            <p:ph type="body" idx="1"/>
+          </p:nvPr>
+        </p:nvSpPr>
+        <p:spPr>
+          <a:xfrm>
+            <a:off x="685800" y="4343400"/>
+            <a:ext cx="5486400" cy="4114800"/>
+          </a:xfrm>
+          <a:prstGeom prst="rect">
+            <a:avLst/>
+          </a:prstGeom>
+          <a:noFill/>
+          <a:ln>
+            <a:noFill/>
+          </a:ln>
+        </p:spPr>
+        <p:txBody>
+          <a:bodyPr spcFirstLastPara="1" wrap="square" lIns="91425" tIns="45700" rIns="91425" bIns="45700" anchor="t" anchorCtr="0">
+            <a:noAutofit/>
+          </a:bodyPr>
+          <a:lstStyle/>
+          <a:p>
+            <a:pPr marL="0" lvl="0" indent="0" algn="l" rtl="0">
+              <a:lnSpc>
+                <a:spcPct val="100000"/>
+              </a:lnSpc>
+              <a:spcBef>
+                <a:spcPts val="0"/>
+              </a:spcBef>
+              <a:spcAft>
+                <a:spcPts val="0"/>
+              </a:spcAft>
+              <a:buSzPts val="1400"/>
+              <a:buNone/>
+            </a:pPr>
+            <a:r>
+              <a:rPr lang="es-MX" sz="1200" b="1">
+                <a:solidFill>
+                  <a:schemeClr val="dk1"/>
+                </a:solidFill>
+                <a:latin typeface="Montserrat"/>
+                <a:ea typeface="Montserrat"/>
+                <a:cs typeface="Montserrat"/>
+                <a:sym typeface="Montserrat"/>
+              </a:rPr>
+              <a:t>Separador #1 con ícono</a:t>
+            </a:r>
+            <a:br>
+              <a:rPr lang="es-MX" sz="1200" b="1">
+                <a:solidFill>
+                  <a:schemeClr val="dk1"/>
+                </a:solidFill>
+                <a:latin typeface="Montserrat"/>
+                <a:ea typeface="Montserrat"/>
+                <a:cs typeface="Montserrat"/>
+                <a:sym typeface="Montserrat"/>
+              </a:rPr>
+            </a:br>
+            <a:r>
+              <a:rPr lang="es-MX" sz="1200" b="1">
+                <a:solidFill>
+                  <a:schemeClr val="dk1"/>
+                </a:solidFill>
+                <a:latin typeface="Montserrat"/>
+                <a:ea typeface="Montserrat"/>
+                <a:cs typeface="Montserrat"/>
+                <a:sym typeface="Montserrat"/>
+              </a:rPr>
+              <a:t>(colocar ícono a la altura de la separación de las líneas)</a:t>
+            </a:r>
+            <a:endParaRPr sz="1200">
+              <a:solidFill>
+                <a:schemeClr val="dk1"/>
+              </a:solidFill>
+              <a:latin typeface="Montserrat"/>
+              <a:ea typeface="Montserrat"/>
+              <a:cs typeface="Montserrat"/>
+              <a:sym typeface="Montserrat"/>
+            </a:endParaRPr>
+          </a:p>
+          <a:p>
+            <a:pPr marL="0" lvl="0" indent="0" algn="l" rtl="0">
+              <a:lnSpc>
+                <a:spcPct val="100000"/>
+              </a:lnSpc>
+              <a:spcBef>
+                <a:spcPts val="0"/>
+              </a:spcBef>
+              <a:spcAft>
+                <a:spcPts val="0"/>
+              </a:spcAft>
+              <a:buClr>
+                <a:schemeClr val="dk1"/>
+              </a:buClr>
+              <a:buSzPts val="1100"/>
+              <a:buFont typeface="Arial"/>
+              <a:buNone/>
+            </a:pPr>
+            <a:endParaRPr sz="1200" b="1">
+              <a:solidFill>
+                <a:schemeClr val="dk1"/>
+              </a:solidFill>
+              <a:latin typeface="Montserrat"/>
+              <a:ea typeface="Montserrat"/>
+              <a:cs typeface="Montserrat"/>
+              <a:sym typeface="Montserrat"/>
+            </a:endParaRPr>
+          </a:p>
+        </p:txBody>
+      </p:sp>
+    </p:spTree>
+  </p:cSld>
+  <p:clrMapOvr>
+    <a:masterClrMapping/>
+  </p:clrMapOvr>
+</p:notes>
+</file>
+
+<file path=ppt/notesSlides/notesSlide4.xml><?xml version="1.0" encoding="utf-8"?>
+<p:notes xmlns:a="http://schemas.openxmlformats.org/drawingml/2006/main" xmlns:r="http://schemas.openxmlformats.org/officeDocument/2006/relationships" xmlns:p="http://schemas.openxmlformats.org/presentationml/2006/main" showMasterSp="0" showMasterPhAnim="0">
+  <p:cSld>
+    <p:spTree>
+      <p:nvGrpSpPr>
+        <p:cNvPr id="1" name="Shape 111"/>
+        <p:cNvGrpSpPr/>
+        <p:nvPr/>
+      </p:nvGrpSpPr>
+      <p:grpSpPr>
+        <a:xfrm>
+          <a:off x="0" y="0"/>
+          <a:ext cx="0" cy="0"/>
+          <a:chOff x="0" y="0"/>
+          <a:chExt cx="0" cy="0"/>
+        </a:xfrm>
+      </p:grpSpPr>
+      <p:sp>
+        <p:nvSpPr>
+          <p:cNvPr id="112" name="Google Shape;112;g98072d2428_1_10:notes"/>
+          <p:cNvSpPr>
+            <a:spLocks noGrp="1" noRot="1" noChangeAspect="1"/>
+          </p:cNvSpPr>
+          <p:nvPr>
+            <p:ph type="sldImg" idx="2"/>
+          </p:nvPr>
+        </p:nvSpPr>
+        <p:spPr>
+          <a:xfrm>
+            <a:off x="155575" y="685800"/>
+            <a:ext cx="6546850" cy="3429000"/>
+          </a:xfrm>
+          <a:custGeom>
+            <a:avLst/>
+            <a:gdLst/>
+            <a:ahLst/>
+            <a:cxnLst/>
+            <a:rect l="l" t="t" r="r" b="b"/>
+            <a:pathLst>
+              <a:path w="120000" h="120000" extrusionOk="0">
+                <a:moveTo>
+                  <a:pt x="0" y="0"/>
+                </a:moveTo>
+                <a:lnTo>
+                  <a:pt x="120000" y="0"/>
+                </a:lnTo>
+                <a:lnTo>
+                  <a:pt x="120000" y="120000"/>
+                </a:lnTo>
+                <a:lnTo>
+                  <a:pt x="0" y="120000"/>
+                </a:lnTo>
+                <a:close/>
+              </a:path>
+            </a:pathLst>
+          </a:custGeom>
+          <a:noFill/>
+          <a:ln w="12700" cap="flat" cmpd="sng">
+            <a:solidFill>
+              <a:srgbClr val="000000"/>
+            </a:solidFill>
+            <a:prstDash val="solid"/>
+            <a:round/>
+            <a:headEnd type="none" w="sm" len="sm"/>
+            <a:tailEnd type="none" w="sm" len="sm"/>
+          </a:ln>
+        </p:spPr>
+      </p:sp>
+      <p:sp>
+        <p:nvSpPr>
+          <p:cNvPr id="113" name="Google Shape;113;g98072d2428_1_10:notes"/>
+          <p:cNvSpPr txBox="1">
+            <a:spLocks noGrp="1"/>
+          </p:cNvSpPr>
+          <p:nvPr>
+            <p:ph type="body" idx="1"/>
+          </p:nvPr>
+        </p:nvSpPr>
+        <p:spPr>
+          <a:xfrm>
+            <a:off x="685800" y="4343400"/>
+            <a:ext cx="5486400" cy="4114800"/>
+          </a:xfrm>
+          <a:prstGeom prst="rect">
+            <a:avLst/>
+          </a:prstGeom>
+          <a:noFill/>
+          <a:ln>
+            <a:noFill/>
+          </a:ln>
+        </p:spPr>
+        <p:txBody>
+          <a:bodyPr spcFirstLastPara="1" wrap="square" lIns="91425" tIns="45700" rIns="91425" bIns="45700" anchor="t" anchorCtr="0">
+            <a:noAutofit/>
+          </a:bodyPr>
+          <a:lstStyle/>
+          <a:p>
+            <a:pPr marL="0" lvl="0" indent="0" algn="l" rtl="0">
+              <a:lnSpc>
+                <a:spcPct val="100000"/>
+              </a:lnSpc>
+              <a:spcBef>
+                <a:spcPts val="0"/>
+              </a:spcBef>
+              <a:spcAft>
+                <a:spcPts val="0"/>
+              </a:spcAft>
+              <a:buSzPts val="1400"/>
+              <a:buNone/>
+            </a:pPr>
+            <a:endParaRPr/>
+          </a:p>
+        </p:txBody>
+      </p:sp>
+    </p:spTree>
+  </p:cSld>
+  <p:clrMapOvr>
+    <a:masterClrMapping/>
+  </p:clrMapOvr>
+</p:notes>
+</file>
+
+<file path=ppt/notesSlides/notesSlide5.xml><?xml version="1.0" encoding="utf-8"?>
+<p:notes xmlns:a="http://schemas.openxmlformats.org/drawingml/2006/main" xmlns:r="http://schemas.openxmlformats.org/officeDocument/2006/relationships" xmlns:p="http://schemas.openxmlformats.org/presentationml/2006/main" showMasterSp="0" showMasterPhAnim="0">
+  <p:cSld>
+    <p:spTree>
+      <p:nvGrpSpPr>
+        <p:cNvPr id="1" name="Shape 137"/>
+        <p:cNvGrpSpPr/>
+        <p:nvPr/>
+      </p:nvGrpSpPr>
+      <p:grpSpPr>
+        <a:xfrm>
+          <a:off x="0" y="0"/>
+          <a:ext cx="0" cy="0"/>
+          <a:chOff x="0" y="0"/>
+          <a:chExt cx="0" cy="0"/>
+        </a:xfrm>
+      </p:grpSpPr>
+      <p:sp>
+        <p:nvSpPr>
+          <p:cNvPr id="138" name="Google Shape;138;g98072d2428_1_34:notes"/>
+          <p:cNvSpPr>
+            <a:spLocks noGrp="1" noRot="1" noChangeAspect="1"/>
+          </p:cNvSpPr>
+          <p:nvPr>
+            <p:ph type="sldImg" idx="2"/>
+          </p:nvPr>
+        </p:nvSpPr>
+        <p:spPr>
+          <a:xfrm>
+            <a:off x="155575" y="685800"/>
+            <a:ext cx="6546850" cy="3429000"/>
+          </a:xfrm>
+          <a:custGeom>
+            <a:avLst/>
+            <a:gdLst/>
+            <a:ahLst/>
+            <a:cxnLst/>
+            <a:rect l="l" t="t" r="r" b="b"/>
+            <a:pathLst>
+              <a:path w="120000" h="120000" extrusionOk="0">
+                <a:moveTo>
+                  <a:pt x="0" y="0"/>
+                </a:moveTo>
+                <a:lnTo>
+                  <a:pt x="120000" y="0"/>
+                </a:lnTo>
+                <a:lnTo>
+                  <a:pt x="120000" y="120000"/>
+                </a:lnTo>
+                <a:lnTo>
+                  <a:pt x="0" y="120000"/>
+                </a:lnTo>
+                <a:close/>
+              </a:path>
+            </a:pathLst>
+          </a:custGeom>
+          <a:noFill/>
+          <a:ln w="12700" cap="flat" cmpd="sng">
+            <a:solidFill>
+              <a:srgbClr val="000000"/>
+            </a:solidFill>
+            <a:prstDash val="solid"/>
+            <a:round/>
+            <a:headEnd type="none" w="sm" len="sm"/>
+            <a:tailEnd type="none" w="sm" len="sm"/>
+          </a:ln>
+        </p:spPr>
+      </p:sp>
+      <p:sp>
+        <p:nvSpPr>
+          <p:cNvPr id="139" name="Google Shape;139;g98072d2428_1_34:notes"/>
+          <p:cNvSpPr txBox="1">
+            <a:spLocks noGrp="1"/>
+          </p:cNvSpPr>
+          <p:nvPr>
+            <p:ph type="body" idx="1"/>
+          </p:nvPr>
+        </p:nvSpPr>
+        <p:spPr>
+          <a:xfrm>
+            <a:off x="685800" y="4343400"/>
+            <a:ext cx="5486400" cy="4114800"/>
+          </a:xfrm>
+          <a:prstGeom prst="rect">
+            <a:avLst/>
+          </a:prstGeom>
+          <a:noFill/>
+          <a:ln>
+            <a:noFill/>
+          </a:ln>
+        </p:spPr>
+        <p:txBody>
+          <a:bodyPr spcFirstLastPara="1" wrap="square" lIns="91425" tIns="45700" rIns="91425" bIns="45700" anchor="t" anchorCtr="0">
+            <a:noAutofit/>
+          </a:bodyPr>
+          <a:lstStyle/>
+          <a:p>
+            <a:pPr marL="0" lvl="0" indent="0" algn="l" rtl="0">
+              <a:lnSpc>
+                <a:spcPct val="100000"/>
+              </a:lnSpc>
+              <a:spcBef>
+                <a:spcPts val="0"/>
+              </a:spcBef>
+              <a:spcAft>
+                <a:spcPts val="0"/>
+              </a:spcAft>
+              <a:buSzPts val="1400"/>
+              <a:buNone/>
+            </a:pPr>
+            <a:endParaRPr/>
+          </a:p>
+        </p:txBody>
+      </p:sp>
+    </p:spTree>
+  </p:cSld>
+  <p:clrMapOvr>
+    <a:masterClrMapping/>
+  </p:clrMapOvr>
+</p:notes>
+</file>
+
+<file path=ppt/notesSlides/notesSlide6.xml><?xml version="1.0" encoding="utf-8"?>
+<p:notes xmlns:a="http://schemas.openxmlformats.org/drawingml/2006/main" xmlns:r="http://schemas.openxmlformats.org/officeDocument/2006/relationships" xmlns:p="http://schemas.openxmlformats.org/presentationml/2006/main" showMasterSp="0" showMasterPhAnim="0">
+  <p:cSld>
+    <p:spTree>
+      <p:nvGrpSpPr>
+        <p:cNvPr id="1" name="Shape 218"/>
+        <p:cNvGrpSpPr/>
+        <p:nvPr/>
+      </p:nvGrpSpPr>
+      <p:grpSpPr>
+        <a:xfrm>
+          <a:off x="0" y="0"/>
+          <a:ext cx="0" cy="0"/>
+          <a:chOff x="0" y="0"/>
+          <a:chExt cx="0" cy="0"/>
+        </a:xfrm>
+      </p:grpSpPr>
+      <p:sp>
+        <p:nvSpPr>
+          <p:cNvPr id="219" name="Google Shape;219;g7ed7eb645d_0_695:notes"/>
+          <p:cNvSpPr>
+            <a:spLocks noGrp="1" noRot="1" noChangeAspect="1"/>
+          </p:cNvSpPr>
+          <p:nvPr>
+            <p:ph type="sldImg" idx="2"/>
+          </p:nvPr>
+        </p:nvSpPr>
+        <p:spPr>
+          <a:xfrm>
+            <a:off x="155575" y="685800"/>
+            <a:ext cx="6546850" cy="3429000"/>
+          </a:xfrm>
+          <a:custGeom>
+            <a:avLst/>
+            <a:gdLst/>
+            <a:ahLst/>
+            <a:cxnLst/>
+            <a:rect l="l" t="t" r="r" b="b"/>
+            <a:pathLst>
+              <a:path w="120000" h="120000" extrusionOk="0">
+                <a:moveTo>
+                  <a:pt x="0" y="0"/>
+                </a:moveTo>
+                <a:lnTo>
+                  <a:pt x="120000" y="0"/>
+                </a:lnTo>
+                <a:lnTo>
+                  <a:pt x="120000" y="120000"/>
+                </a:lnTo>
+                <a:lnTo>
+                  <a:pt x="0" y="120000"/>
+                </a:lnTo>
+                <a:close/>
+              </a:path>
+            </a:pathLst>
+          </a:custGeom>
+          <a:noFill/>
+          <a:ln w="12700" cap="flat" cmpd="sng">
+            <a:solidFill>
+              <a:srgbClr val="000000"/>
+            </a:solidFill>
+            <a:prstDash val="solid"/>
+            <a:round/>
+            <a:headEnd type="none" w="sm" len="sm"/>
+            <a:tailEnd type="none" w="sm" len="sm"/>
+          </a:ln>
+        </p:spPr>
+      </p:sp>
+      <p:sp>
+        <p:nvSpPr>
+          <p:cNvPr id="220" name="Google Shape;220;g7ed7eb645d_0_695:notes"/>
+          <p:cNvSpPr txBox="1">
+            <a:spLocks noGrp="1"/>
+          </p:cNvSpPr>
+          <p:nvPr>
+            <p:ph type="body" idx="1"/>
+          </p:nvPr>
+        </p:nvSpPr>
+        <p:spPr>
+          <a:xfrm>
+            <a:off x="685800" y="4343400"/>
+            <a:ext cx="5486400" cy="4114800"/>
+          </a:xfrm>
+          <a:prstGeom prst="rect">
+            <a:avLst/>
+          </a:prstGeom>
+          <a:noFill/>
+          <a:ln>
+            <a:noFill/>
+          </a:ln>
+        </p:spPr>
+        <p:txBody>
+          <a:bodyPr spcFirstLastPara="1" wrap="square" lIns="91425" tIns="45700" rIns="91425" bIns="45700" anchor="t" anchorCtr="0">
+            <a:noAutofit/>
+          </a:bodyPr>
+          <a:lstStyle/>
+          <a:p>
+            <a:pPr marL="0" lvl="0" indent="0" algn="l" rtl="0">
+              <a:lnSpc>
+                <a:spcPct val="100000"/>
+              </a:lnSpc>
+              <a:spcBef>
+                <a:spcPts val="0"/>
+              </a:spcBef>
+              <a:spcAft>
+                <a:spcPts val="0"/>
+              </a:spcAft>
+              <a:buSzPts val="1400"/>
+              <a:buNone/>
+            </a:pPr>
+            <a:r>
+              <a:rPr lang="es-MX" sz="1200" b="1">
+                <a:solidFill>
+                  <a:schemeClr val="dk1"/>
+                </a:solidFill>
+                <a:latin typeface="Montserrat"/>
+                <a:ea typeface="Montserrat"/>
+                <a:cs typeface="Montserrat"/>
+                <a:sym typeface="Montserrat"/>
+              </a:rPr>
+              <a:t>Separador #1 con ícono</a:t>
+            </a:r>
+            <a:br>
+              <a:rPr lang="es-MX" sz="1200" b="1">
+                <a:solidFill>
+                  <a:schemeClr val="dk1"/>
+                </a:solidFill>
+                <a:latin typeface="Montserrat"/>
+                <a:ea typeface="Montserrat"/>
+                <a:cs typeface="Montserrat"/>
+                <a:sym typeface="Montserrat"/>
+              </a:rPr>
+            </a:br>
+            <a:r>
+              <a:rPr lang="es-MX" sz="1200" b="1">
+                <a:solidFill>
+                  <a:schemeClr val="dk1"/>
+                </a:solidFill>
+                <a:latin typeface="Montserrat"/>
+                <a:ea typeface="Montserrat"/>
+                <a:cs typeface="Montserrat"/>
+                <a:sym typeface="Montserrat"/>
+              </a:rPr>
+              <a:t>(colocar ícono a la altura de la separación de las líneas)</a:t>
+            </a:r>
+            <a:endParaRPr sz="1200">
+              <a:solidFill>
+                <a:schemeClr val="dk1"/>
+              </a:solidFill>
+              <a:latin typeface="Montserrat"/>
+              <a:ea typeface="Montserrat"/>
+              <a:cs typeface="Montserrat"/>
+              <a:sym typeface="Montserrat"/>
+            </a:endParaRPr>
+          </a:p>
+          <a:p>
+            <a:pPr marL="0" lvl="0" indent="0" algn="l" rtl="0">
+              <a:lnSpc>
+                <a:spcPct val="100000"/>
+              </a:lnSpc>
+              <a:spcBef>
+                <a:spcPts val="0"/>
+              </a:spcBef>
+              <a:spcAft>
+                <a:spcPts val="0"/>
+              </a:spcAft>
+              <a:buClr>
+                <a:schemeClr val="dk1"/>
+              </a:buClr>
+              <a:buSzPts val="1100"/>
+              <a:buFont typeface="Arial"/>
+              <a:buNone/>
+            </a:pPr>
+            <a:endParaRPr sz="1200" b="1">
+              <a:solidFill>
+                <a:schemeClr val="dk1"/>
+              </a:solidFill>
+              <a:latin typeface="Montserrat"/>
+              <a:ea typeface="Montserrat"/>
+              <a:cs typeface="Montserrat"/>
+              <a:sym typeface="Montserrat"/>
+            </a:endParaRPr>
+          </a:p>
+        </p:txBody>
+      </p:sp>
+    </p:spTree>
+    <p:extLst>
+      <p:ext uri="{BB962C8B-B14F-4D97-AF65-F5344CB8AC3E}">
+        <p14:creationId xmlns:p14="http://schemas.microsoft.com/office/powerpoint/2010/main" val="3454588405"/>
+      </p:ext>
+    </p:extLst>
+  </p:cSld>
+  <p:clrMapOvr>
+    <a:masterClrMapping/>
+  </p:clrMapOvr>
+</p:notes>
+</file>
+
+<file path=ppt/notesSlides/notesSlide7.xml><?xml version="1.0" encoding="utf-8"?>
 <p:notes xmlns:a="http://schemas.openxmlformats.org/drawingml/2006/main" xmlns:r="http://schemas.openxmlformats.org/officeDocument/2006/relationships" xmlns:p="http://schemas.openxmlformats.org/presentationml/2006/main" showMasterSp="0" showMasterPhAnim="0">
   <p:cSld>
     <p:spTree>
@@ -2541,1071 +3439,6 @@
         </p:txBody>
       </p:sp>
     </p:spTree>
-    <p:extLst>
-      <p:ext uri="{BB962C8B-B14F-4D97-AF65-F5344CB8AC3E}">
-        <p14:creationId xmlns:p14="http://schemas.microsoft.com/office/powerpoint/2010/main" val="4040199331"/>
-      </p:ext>
-    </p:extLst>
-  </p:cSld>
-  <p:clrMapOvr>
-    <a:masterClrMapping/>
-  </p:clrMapOvr>
-</p:notes>
-</file>
-
-<file path=ppt/notesSlides/notesSlide15.xml><?xml version="1.0" encoding="utf-8"?>
-<p:notes xmlns:a="http://schemas.openxmlformats.org/drawingml/2006/main" xmlns:r="http://schemas.openxmlformats.org/officeDocument/2006/relationships" xmlns:p="http://schemas.openxmlformats.org/presentationml/2006/main" showMasterSp="0" showMasterPhAnim="0">
-  <p:cSld>
-    <p:spTree>
-      <p:nvGrpSpPr>
-        <p:cNvPr id="1" name="Shape 197"/>
-        <p:cNvGrpSpPr/>
-        <p:nvPr/>
-      </p:nvGrpSpPr>
-      <p:grpSpPr>
-        <a:xfrm>
-          <a:off x="0" y="0"/>
-          <a:ext cx="0" cy="0"/>
-          <a:chOff x="0" y="0"/>
-          <a:chExt cx="0" cy="0"/>
-        </a:xfrm>
-      </p:grpSpPr>
-      <p:sp>
-        <p:nvSpPr>
-          <p:cNvPr id="198" name="Google Shape;198;g7ed7eb645d_0_749:notes"/>
-          <p:cNvSpPr>
-            <a:spLocks noGrp="1" noRot="1" noChangeAspect="1"/>
-          </p:cNvSpPr>
-          <p:nvPr>
-            <p:ph type="sldImg" idx="2"/>
-          </p:nvPr>
-        </p:nvSpPr>
-        <p:spPr>
-          <a:xfrm>
-            <a:off x="155575" y="685800"/>
-            <a:ext cx="6546850" cy="3429000"/>
-          </a:xfrm>
-          <a:custGeom>
-            <a:avLst/>
-            <a:gdLst/>
-            <a:ahLst/>
-            <a:cxnLst/>
-            <a:rect l="l" t="t" r="r" b="b"/>
-            <a:pathLst>
-              <a:path w="120000" h="120000" extrusionOk="0">
-                <a:moveTo>
-                  <a:pt x="0" y="0"/>
-                </a:moveTo>
-                <a:lnTo>
-                  <a:pt x="120000" y="0"/>
-                </a:lnTo>
-                <a:lnTo>
-                  <a:pt x="120000" y="120000"/>
-                </a:lnTo>
-                <a:lnTo>
-                  <a:pt x="0" y="120000"/>
-                </a:lnTo>
-                <a:close/>
-              </a:path>
-            </a:pathLst>
-          </a:custGeom>
-          <a:noFill/>
-          <a:ln w="12700" cap="flat" cmpd="sng">
-            <a:solidFill>
-              <a:srgbClr val="000000"/>
-            </a:solidFill>
-            <a:prstDash val="solid"/>
-            <a:round/>
-            <a:headEnd type="none" w="sm" len="sm"/>
-            <a:tailEnd type="none" w="sm" len="sm"/>
-          </a:ln>
-        </p:spPr>
-      </p:sp>
-      <p:sp>
-        <p:nvSpPr>
-          <p:cNvPr id="199" name="Google Shape;199;g7ed7eb645d_0_749:notes"/>
-          <p:cNvSpPr txBox="1">
-            <a:spLocks noGrp="1"/>
-          </p:cNvSpPr>
-          <p:nvPr>
-            <p:ph type="body" idx="1"/>
-          </p:nvPr>
-        </p:nvSpPr>
-        <p:spPr>
-          <a:xfrm>
-            <a:off x="685800" y="4343400"/>
-            <a:ext cx="5486400" cy="4114800"/>
-          </a:xfrm>
-          <a:prstGeom prst="rect">
-            <a:avLst/>
-          </a:prstGeom>
-          <a:noFill/>
-          <a:ln>
-            <a:noFill/>
-          </a:ln>
-        </p:spPr>
-        <p:txBody>
-          <a:bodyPr spcFirstLastPara="1" wrap="square" lIns="91425" tIns="45700" rIns="91425" bIns="45700" anchor="t" anchorCtr="0">
-            <a:noAutofit/>
-          </a:bodyPr>
-          <a:lstStyle/>
-          <a:p>
-            <a:pPr marL="0" lvl="0" indent="0" algn="l" rtl="0">
-              <a:lnSpc>
-                <a:spcPct val="100000"/>
-              </a:lnSpc>
-              <a:spcBef>
-                <a:spcPts val="0"/>
-              </a:spcBef>
-              <a:spcAft>
-                <a:spcPts val="0"/>
-              </a:spcAft>
-              <a:buSzPts val="1400"/>
-              <a:buNone/>
-            </a:pPr>
-            <a:r>
-              <a:rPr lang="es-MX"/>
-              <a:t>Frase</a:t>
-            </a:r>
-            <a:endParaRPr/>
-          </a:p>
-          <a:p>
-            <a:pPr marL="0" lvl="0" indent="0" algn="l" rtl="0">
-              <a:lnSpc>
-                <a:spcPct val="100000"/>
-              </a:lnSpc>
-              <a:spcBef>
-                <a:spcPts val="0"/>
-              </a:spcBef>
-              <a:spcAft>
-                <a:spcPts val="0"/>
-              </a:spcAft>
-              <a:buSzPts val="1400"/>
-              <a:buNone/>
-            </a:pPr>
-            <a:endParaRPr/>
-          </a:p>
-        </p:txBody>
-      </p:sp>
-    </p:spTree>
-  </p:cSld>
-  <p:clrMapOvr>
-    <a:masterClrMapping/>
-  </p:clrMapOvr>
-</p:notes>
-</file>
-
-<file path=ppt/notesSlides/notesSlide2.xml><?xml version="1.0" encoding="utf-8"?>
-<p:notes xmlns:a="http://schemas.openxmlformats.org/drawingml/2006/main" xmlns:r="http://schemas.openxmlformats.org/officeDocument/2006/relationships" xmlns:p="http://schemas.openxmlformats.org/presentationml/2006/main" showMasterSp="0" showMasterPhAnim="0">
-  <p:cSld>
-    <p:spTree>
-      <p:nvGrpSpPr>
-        <p:cNvPr id="1" name="Shape 64"/>
-        <p:cNvGrpSpPr/>
-        <p:nvPr/>
-      </p:nvGrpSpPr>
-      <p:grpSpPr>
-        <a:xfrm>
-          <a:off x="0" y="0"/>
-          <a:ext cx="0" cy="0"/>
-          <a:chOff x="0" y="0"/>
-          <a:chExt cx="0" cy="0"/>
-        </a:xfrm>
-      </p:grpSpPr>
-      <p:sp>
-        <p:nvSpPr>
-          <p:cNvPr id="65" name="Google Shape;65;g7ed7eb645d_0_548:notes"/>
-          <p:cNvSpPr>
-            <a:spLocks noGrp="1" noRot="1" noChangeAspect="1"/>
-          </p:cNvSpPr>
-          <p:nvPr>
-            <p:ph type="sldImg" idx="2"/>
-          </p:nvPr>
-        </p:nvSpPr>
-        <p:spPr>
-          <a:xfrm>
-            <a:off x="155575" y="685800"/>
-            <a:ext cx="6546850" cy="3429000"/>
-          </a:xfrm>
-          <a:custGeom>
-            <a:avLst/>
-            <a:gdLst/>
-            <a:ahLst/>
-            <a:cxnLst/>
-            <a:rect l="l" t="t" r="r" b="b"/>
-            <a:pathLst>
-              <a:path w="120000" h="120000" extrusionOk="0">
-                <a:moveTo>
-                  <a:pt x="0" y="0"/>
-                </a:moveTo>
-                <a:lnTo>
-                  <a:pt x="120000" y="0"/>
-                </a:lnTo>
-                <a:lnTo>
-                  <a:pt x="120000" y="120000"/>
-                </a:lnTo>
-                <a:lnTo>
-                  <a:pt x="0" y="120000"/>
-                </a:lnTo>
-                <a:close/>
-              </a:path>
-            </a:pathLst>
-          </a:custGeom>
-          <a:noFill/>
-          <a:ln w="12700" cap="flat" cmpd="sng">
-            <a:solidFill>
-              <a:srgbClr val="000000"/>
-            </a:solidFill>
-            <a:prstDash val="solid"/>
-            <a:round/>
-            <a:headEnd type="none" w="sm" len="sm"/>
-            <a:tailEnd type="none" w="sm" len="sm"/>
-          </a:ln>
-        </p:spPr>
-      </p:sp>
-      <p:sp>
-        <p:nvSpPr>
-          <p:cNvPr id="66" name="Google Shape;66;g7ed7eb645d_0_548:notes"/>
-          <p:cNvSpPr txBox="1">
-            <a:spLocks noGrp="1"/>
-          </p:cNvSpPr>
-          <p:nvPr>
-            <p:ph type="body" idx="1"/>
-          </p:nvPr>
-        </p:nvSpPr>
-        <p:spPr>
-          <a:xfrm>
-            <a:off x="685800" y="4343400"/>
-            <a:ext cx="5486400" cy="4114800"/>
-          </a:xfrm>
-          <a:prstGeom prst="rect">
-            <a:avLst/>
-          </a:prstGeom>
-          <a:noFill/>
-          <a:ln>
-            <a:noFill/>
-          </a:ln>
-        </p:spPr>
-        <p:txBody>
-          <a:bodyPr spcFirstLastPara="1" wrap="square" lIns="91425" tIns="45700" rIns="91425" bIns="45700" anchor="t" anchorCtr="0">
-            <a:noAutofit/>
-          </a:bodyPr>
-          <a:lstStyle/>
-          <a:p>
-            <a:pPr marL="0" lvl="0" indent="0" algn="l" rtl="0">
-              <a:lnSpc>
-                <a:spcPct val="100000"/>
-              </a:lnSpc>
-              <a:spcBef>
-                <a:spcPts val="0"/>
-              </a:spcBef>
-              <a:spcAft>
-                <a:spcPts val="0"/>
-              </a:spcAft>
-              <a:buSzPts val="1400"/>
-              <a:buNone/>
-            </a:pPr>
-            <a:endParaRPr/>
-          </a:p>
-        </p:txBody>
-      </p:sp>
-    </p:spTree>
-  </p:cSld>
-  <p:clrMapOvr>
-    <a:masterClrMapping/>
-  </p:clrMapOvr>
-</p:notes>
-</file>
-
-<file path=ppt/notesSlides/notesSlide3.xml><?xml version="1.0" encoding="utf-8"?>
-<p:notes xmlns:a="http://schemas.openxmlformats.org/drawingml/2006/main" xmlns:r="http://schemas.openxmlformats.org/officeDocument/2006/relationships" xmlns:p="http://schemas.openxmlformats.org/presentationml/2006/main" showMasterSp="0" showMasterPhAnim="0">
-  <p:cSld>
-    <p:spTree>
-      <p:nvGrpSpPr>
-        <p:cNvPr id="1" name="Shape 206"/>
-        <p:cNvGrpSpPr/>
-        <p:nvPr/>
-      </p:nvGrpSpPr>
-      <p:grpSpPr>
-        <a:xfrm>
-          <a:off x="0" y="0"/>
-          <a:ext cx="0" cy="0"/>
-          <a:chOff x="0" y="0"/>
-          <a:chExt cx="0" cy="0"/>
-        </a:xfrm>
-      </p:grpSpPr>
-      <p:sp>
-        <p:nvSpPr>
-          <p:cNvPr id="207" name="Google Shape;207;g7ed7eb645d_0_566:notes"/>
-          <p:cNvSpPr>
-            <a:spLocks noGrp="1" noRot="1" noChangeAspect="1"/>
-          </p:cNvSpPr>
-          <p:nvPr>
-            <p:ph type="sldImg" idx="2"/>
-          </p:nvPr>
-        </p:nvSpPr>
-        <p:spPr>
-          <a:xfrm>
-            <a:off x="155575" y="685800"/>
-            <a:ext cx="6546850" cy="3429000"/>
-          </a:xfrm>
-          <a:custGeom>
-            <a:avLst/>
-            <a:gdLst/>
-            <a:ahLst/>
-            <a:cxnLst/>
-            <a:rect l="l" t="t" r="r" b="b"/>
-            <a:pathLst>
-              <a:path w="120000" h="120000" extrusionOk="0">
-                <a:moveTo>
-                  <a:pt x="0" y="0"/>
-                </a:moveTo>
-                <a:lnTo>
-                  <a:pt x="120000" y="0"/>
-                </a:lnTo>
-                <a:lnTo>
-                  <a:pt x="120000" y="120000"/>
-                </a:lnTo>
-                <a:lnTo>
-                  <a:pt x="0" y="120000"/>
-                </a:lnTo>
-                <a:close/>
-              </a:path>
-            </a:pathLst>
-          </a:custGeom>
-          <a:noFill/>
-          <a:ln w="12700" cap="flat" cmpd="sng">
-            <a:solidFill>
-              <a:srgbClr val="000000"/>
-            </a:solidFill>
-            <a:prstDash val="solid"/>
-            <a:round/>
-            <a:headEnd type="none" w="sm" len="sm"/>
-            <a:tailEnd type="none" w="sm" len="sm"/>
-          </a:ln>
-        </p:spPr>
-      </p:sp>
-      <p:sp>
-        <p:nvSpPr>
-          <p:cNvPr id="208" name="Google Shape;208;g7ed7eb645d_0_566:notes"/>
-          <p:cNvSpPr txBox="1">
-            <a:spLocks noGrp="1"/>
-          </p:cNvSpPr>
-          <p:nvPr>
-            <p:ph type="body" idx="1"/>
-          </p:nvPr>
-        </p:nvSpPr>
-        <p:spPr>
-          <a:xfrm>
-            <a:off x="685800" y="4343400"/>
-            <a:ext cx="5486400" cy="4114800"/>
-          </a:xfrm>
-          <a:prstGeom prst="rect">
-            <a:avLst/>
-          </a:prstGeom>
-          <a:noFill/>
-          <a:ln>
-            <a:noFill/>
-          </a:ln>
-        </p:spPr>
-        <p:txBody>
-          <a:bodyPr spcFirstLastPara="1" wrap="square" lIns="91425" tIns="45700" rIns="91425" bIns="45700" anchor="t" anchorCtr="0">
-            <a:noAutofit/>
-          </a:bodyPr>
-          <a:lstStyle/>
-          <a:p>
-            <a:pPr marL="0" lvl="0" indent="0" algn="l" rtl="0">
-              <a:lnSpc>
-                <a:spcPct val="100000"/>
-              </a:lnSpc>
-              <a:spcBef>
-                <a:spcPts val="0"/>
-              </a:spcBef>
-              <a:spcAft>
-                <a:spcPts val="0"/>
-              </a:spcAft>
-              <a:buClr>
-                <a:schemeClr val="dk1"/>
-              </a:buClr>
-              <a:buSzPts val="1100"/>
-              <a:buFont typeface="Arial"/>
-              <a:buNone/>
-            </a:pPr>
-            <a:r>
-              <a:rPr lang="es-MX" b="1">
-                <a:solidFill>
-                  <a:schemeClr val="dk1"/>
-                </a:solidFill>
-              </a:rPr>
-              <a:t>Bullet points</a:t>
-            </a:r>
-            <a:br>
-              <a:rPr lang="es-MX" b="1">
-                <a:solidFill>
-                  <a:schemeClr val="dk1"/>
-                </a:solidFill>
-              </a:rPr>
-            </a:br>
-            <a:r>
-              <a:rPr lang="es-MX" b="1">
-                <a:solidFill>
-                  <a:schemeClr val="dk1"/>
-                </a:solidFill>
-              </a:rPr>
-              <a:t>colocar </a:t>
-            </a:r>
-            <a:r>
-              <a:rPr lang="es-MX" b="1"/>
-              <a:t>icono</a:t>
-            </a:r>
-            <a:r>
-              <a:rPr lang="es-MX" b="1">
-                <a:solidFill>
-                  <a:schemeClr val="dk1"/>
-                </a:solidFill>
-              </a:rPr>
-              <a:t> acorde al tema al lado</a:t>
-            </a:r>
-            <a:endParaRPr/>
-          </a:p>
-        </p:txBody>
-      </p:sp>
-    </p:spTree>
-  </p:cSld>
-  <p:clrMapOvr>
-    <a:masterClrMapping/>
-  </p:clrMapOvr>
-</p:notes>
-</file>
-
-<file path=ppt/notesSlides/notesSlide4.xml><?xml version="1.0" encoding="utf-8"?>
-<p:notes xmlns:a="http://schemas.openxmlformats.org/drawingml/2006/main" xmlns:r="http://schemas.openxmlformats.org/officeDocument/2006/relationships" xmlns:p="http://schemas.openxmlformats.org/presentationml/2006/main" showMasterSp="0" showMasterPhAnim="0">
-  <p:cSld>
-    <p:spTree>
-      <p:nvGrpSpPr>
-        <p:cNvPr id="1" name="Shape 218"/>
-        <p:cNvGrpSpPr/>
-        <p:nvPr/>
-      </p:nvGrpSpPr>
-      <p:grpSpPr>
-        <a:xfrm>
-          <a:off x="0" y="0"/>
-          <a:ext cx="0" cy="0"/>
-          <a:chOff x="0" y="0"/>
-          <a:chExt cx="0" cy="0"/>
-        </a:xfrm>
-      </p:grpSpPr>
-      <p:sp>
-        <p:nvSpPr>
-          <p:cNvPr id="219" name="Google Shape;219;g7ed7eb645d_0_695:notes"/>
-          <p:cNvSpPr>
-            <a:spLocks noGrp="1" noRot="1" noChangeAspect="1"/>
-          </p:cNvSpPr>
-          <p:nvPr>
-            <p:ph type="sldImg" idx="2"/>
-          </p:nvPr>
-        </p:nvSpPr>
-        <p:spPr>
-          <a:xfrm>
-            <a:off x="155575" y="685800"/>
-            <a:ext cx="6546850" cy="3429000"/>
-          </a:xfrm>
-          <a:custGeom>
-            <a:avLst/>
-            <a:gdLst/>
-            <a:ahLst/>
-            <a:cxnLst/>
-            <a:rect l="l" t="t" r="r" b="b"/>
-            <a:pathLst>
-              <a:path w="120000" h="120000" extrusionOk="0">
-                <a:moveTo>
-                  <a:pt x="0" y="0"/>
-                </a:moveTo>
-                <a:lnTo>
-                  <a:pt x="120000" y="0"/>
-                </a:lnTo>
-                <a:lnTo>
-                  <a:pt x="120000" y="120000"/>
-                </a:lnTo>
-                <a:lnTo>
-                  <a:pt x="0" y="120000"/>
-                </a:lnTo>
-                <a:close/>
-              </a:path>
-            </a:pathLst>
-          </a:custGeom>
-          <a:noFill/>
-          <a:ln w="12700" cap="flat" cmpd="sng">
-            <a:solidFill>
-              <a:srgbClr val="000000"/>
-            </a:solidFill>
-            <a:prstDash val="solid"/>
-            <a:round/>
-            <a:headEnd type="none" w="sm" len="sm"/>
-            <a:tailEnd type="none" w="sm" len="sm"/>
-          </a:ln>
-        </p:spPr>
-      </p:sp>
-      <p:sp>
-        <p:nvSpPr>
-          <p:cNvPr id="220" name="Google Shape;220;g7ed7eb645d_0_695:notes"/>
-          <p:cNvSpPr txBox="1">
-            <a:spLocks noGrp="1"/>
-          </p:cNvSpPr>
-          <p:nvPr>
-            <p:ph type="body" idx="1"/>
-          </p:nvPr>
-        </p:nvSpPr>
-        <p:spPr>
-          <a:xfrm>
-            <a:off x="685800" y="4343400"/>
-            <a:ext cx="5486400" cy="4114800"/>
-          </a:xfrm>
-          <a:prstGeom prst="rect">
-            <a:avLst/>
-          </a:prstGeom>
-          <a:noFill/>
-          <a:ln>
-            <a:noFill/>
-          </a:ln>
-        </p:spPr>
-        <p:txBody>
-          <a:bodyPr spcFirstLastPara="1" wrap="square" lIns="91425" tIns="45700" rIns="91425" bIns="45700" anchor="t" anchorCtr="0">
-            <a:noAutofit/>
-          </a:bodyPr>
-          <a:lstStyle/>
-          <a:p>
-            <a:pPr marL="0" lvl="0" indent="0" algn="l" rtl="0">
-              <a:lnSpc>
-                <a:spcPct val="100000"/>
-              </a:lnSpc>
-              <a:spcBef>
-                <a:spcPts val="0"/>
-              </a:spcBef>
-              <a:spcAft>
-                <a:spcPts val="0"/>
-              </a:spcAft>
-              <a:buSzPts val="1400"/>
-              <a:buNone/>
-            </a:pPr>
-            <a:r>
-              <a:rPr lang="es-MX" sz="1200" b="1">
-                <a:solidFill>
-                  <a:schemeClr val="dk1"/>
-                </a:solidFill>
-                <a:latin typeface="Montserrat"/>
-                <a:ea typeface="Montserrat"/>
-                <a:cs typeface="Montserrat"/>
-                <a:sym typeface="Montserrat"/>
-              </a:rPr>
-              <a:t>Separador #1 con ícono</a:t>
-            </a:r>
-            <a:br>
-              <a:rPr lang="es-MX" sz="1200" b="1">
-                <a:solidFill>
-                  <a:schemeClr val="dk1"/>
-                </a:solidFill>
-                <a:latin typeface="Montserrat"/>
-                <a:ea typeface="Montserrat"/>
-                <a:cs typeface="Montserrat"/>
-                <a:sym typeface="Montserrat"/>
-              </a:rPr>
-            </a:br>
-            <a:r>
-              <a:rPr lang="es-MX" sz="1200" b="1">
-                <a:solidFill>
-                  <a:schemeClr val="dk1"/>
-                </a:solidFill>
-                <a:latin typeface="Montserrat"/>
-                <a:ea typeface="Montserrat"/>
-                <a:cs typeface="Montserrat"/>
-                <a:sym typeface="Montserrat"/>
-              </a:rPr>
-              <a:t>(colocar ícono a la altura de la separación de las líneas)</a:t>
-            </a:r>
-            <a:endParaRPr sz="1200">
-              <a:solidFill>
-                <a:schemeClr val="dk1"/>
-              </a:solidFill>
-              <a:latin typeface="Montserrat"/>
-              <a:ea typeface="Montserrat"/>
-              <a:cs typeface="Montserrat"/>
-              <a:sym typeface="Montserrat"/>
-            </a:endParaRPr>
-          </a:p>
-          <a:p>
-            <a:pPr marL="0" lvl="0" indent="0" algn="l" rtl="0">
-              <a:lnSpc>
-                <a:spcPct val="100000"/>
-              </a:lnSpc>
-              <a:spcBef>
-                <a:spcPts val="0"/>
-              </a:spcBef>
-              <a:spcAft>
-                <a:spcPts val="0"/>
-              </a:spcAft>
-              <a:buClr>
-                <a:schemeClr val="dk1"/>
-              </a:buClr>
-              <a:buSzPts val="1100"/>
-              <a:buFont typeface="Arial"/>
-              <a:buNone/>
-            </a:pPr>
-            <a:endParaRPr sz="1200" b="1">
-              <a:solidFill>
-                <a:schemeClr val="dk1"/>
-              </a:solidFill>
-              <a:latin typeface="Montserrat"/>
-              <a:ea typeface="Montserrat"/>
-              <a:cs typeface="Montserrat"/>
-              <a:sym typeface="Montserrat"/>
-            </a:endParaRPr>
-          </a:p>
-        </p:txBody>
-      </p:sp>
-    </p:spTree>
-  </p:cSld>
-  <p:clrMapOvr>
-    <a:masterClrMapping/>
-  </p:clrMapOvr>
-</p:notes>
-</file>
-
-<file path=ppt/notesSlides/notesSlide5.xml><?xml version="1.0" encoding="utf-8"?>
-<p:notes xmlns:a="http://schemas.openxmlformats.org/drawingml/2006/main" xmlns:r="http://schemas.openxmlformats.org/officeDocument/2006/relationships" xmlns:p="http://schemas.openxmlformats.org/presentationml/2006/main" showMasterSp="0" showMasterPhAnim="0">
-  <p:cSld>
-    <p:spTree>
-      <p:nvGrpSpPr>
-        <p:cNvPr id="1" name="Shape 111"/>
-        <p:cNvGrpSpPr/>
-        <p:nvPr/>
-      </p:nvGrpSpPr>
-      <p:grpSpPr>
-        <a:xfrm>
-          <a:off x="0" y="0"/>
-          <a:ext cx="0" cy="0"/>
-          <a:chOff x="0" y="0"/>
-          <a:chExt cx="0" cy="0"/>
-        </a:xfrm>
-      </p:grpSpPr>
-      <p:sp>
-        <p:nvSpPr>
-          <p:cNvPr id="112" name="Google Shape;112;g98072d2428_1_10:notes"/>
-          <p:cNvSpPr>
-            <a:spLocks noGrp="1" noRot="1" noChangeAspect="1"/>
-          </p:cNvSpPr>
-          <p:nvPr>
-            <p:ph type="sldImg" idx="2"/>
-          </p:nvPr>
-        </p:nvSpPr>
-        <p:spPr>
-          <a:xfrm>
-            <a:off x="155575" y="685800"/>
-            <a:ext cx="6546850" cy="3429000"/>
-          </a:xfrm>
-          <a:custGeom>
-            <a:avLst/>
-            <a:gdLst/>
-            <a:ahLst/>
-            <a:cxnLst/>
-            <a:rect l="l" t="t" r="r" b="b"/>
-            <a:pathLst>
-              <a:path w="120000" h="120000" extrusionOk="0">
-                <a:moveTo>
-                  <a:pt x="0" y="0"/>
-                </a:moveTo>
-                <a:lnTo>
-                  <a:pt x="120000" y="0"/>
-                </a:lnTo>
-                <a:lnTo>
-                  <a:pt x="120000" y="120000"/>
-                </a:lnTo>
-                <a:lnTo>
-                  <a:pt x="0" y="120000"/>
-                </a:lnTo>
-                <a:close/>
-              </a:path>
-            </a:pathLst>
-          </a:custGeom>
-          <a:noFill/>
-          <a:ln w="12700" cap="flat" cmpd="sng">
-            <a:solidFill>
-              <a:srgbClr val="000000"/>
-            </a:solidFill>
-            <a:prstDash val="solid"/>
-            <a:round/>
-            <a:headEnd type="none" w="sm" len="sm"/>
-            <a:tailEnd type="none" w="sm" len="sm"/>
-          </a:ln>
-        </p:spPr>
-      </p:sp>
-      <p:sp>
-        <p:nvSpPr>
-          <p:cNvPr id="113" name="Google Shape;113;g98072d2428_1_10:notes"/>
-          <p:cNvSpPr txBox="1">
-            <a:spLocks noGrp="1"/>
-          </p:cNvSpPr>
-          <p:nvPr>
-            <p:ph type="body" idx="1"/>
-          </p:nvPr>
-        </p:nvSpPr>
-        <p:spPr>
-          <a:xfrm>
-            <a:off x="685800" y="4343400"/>
-            <a:ext cx="5486400" cy="4114800"/>
-          </a:xfrm>
-          <a:prstGeom prst="rect">
-            <a:avLst/>
-          </a:prstGeom>
-          <a:noFill/>
-          <a:ln>
-            <a:noFill/>
-          </a:ln>
-        </p:spPr>
-        <p:txBody>
-          <a:bodyPr spcFirstLastPara="1" wrap="square" lIns="91425" tIns="45700" rIns="91425" bIns="45700" anchor="t" anchorCtr="0">
-            <a:noAutofit/>
-          </a:bodyPr>
-          <a:lstStyle/>
-          <a:p>
-            <a:pPr marL="0" lvl="0" indent="0" algn="l" rtl="0">
-              <a:lnSpc>
-                <a:spcPct val="100000"/>
-              </a:lnSpc>
-              <a:spcBef>
-                <a:spcPts val="0"/>
-              </a:spcBef>
-              <a:spcAft>
-                <a:spcPts val="0"/>
-              </a:spcAft>
-              <a:buSzPts val="1400"/>
-              <a:buNone/>
-            </a:pPr>
-            <a:endParaRPr/>
-          </a:p>
-        </p:txBody>
-      </p:sp>
-    </p:spTree>
-  </p:cSld>
-  <p:clrMapOvr>
-    <a:masterClrMapping/>
-  </p:clrMapOvr>
-</p:notes>
-</file>
-
-<file path=ppt/notesSlides/notesSlide6.xml><?xml version="1.0" encoding="utf-8"?>
-<p:notes xmlns:a="http://schemas.openxmlformats.org/drawingml/2006/main" xmlns:r="http://schemas.openxmlformats.org/officeDocument/2006/relationships" xmlns:p="http://schemas.openxmlformats.org/presentationml/2006/main" showMasterSp="0" showMasterPhAnim="0">
-  <p:cSld>
-    <p:spTree>
-      <p:nvGrpSpPr>
-        <p:cNvPr id="1" name="Shape 137"/>
-        <p:cNvGrpSpPr/>
-        <p:nvPr/>
-      </p:nvGrpSpPr>
-      <p:grpSpPr>
-        <a:xfrm>
-          <a:off x="0" y="0"/>
-          <a:ext cx="0" cy="0"/>
-          <a:chOff x="0" y="0"/>
-          <a:chExt cx="0" cy="0"/>
-        </a:xfrm>
-      </p:grpSpPr>
-      <p:sp>
-        <p:nvSpPr>
-          <p:cNvPr id="138" name="Google Shape;138;g98072d2428_1_34:notes"/>
-          <p:cNvSpPr>
-            <a:spLocks noGrp="1" noRot="1" noChangeAspect="1"/>
-          </p:cNvSpPr>
-          <p:nvPr>
-            <p:ph type="sldImg" idx="2"/>
-          </p:nvPr>
-        </p:nvSpPr>
-        <p:spPr>
-          <a:xfrm>
-            <a:off x="155575" y="685800"/>
-            <a:ext cx="6546850" cy="3429000"/>
-          </a:xfrm>
-          <a:custGeom>
-            <a:avLst/>
-            <a:gdLst/>
-            <a:ahLst/>
-            <a:cxnLst/>
-            <a:rect l="l" t="t" r="r" b="b"/>
-            <a:pathLst>
-              <a:path w="120000" h="120000" extrusionOk="0">
-                <a:moveTo>
-                  <a:pt x="0" y="0"/>
-                </a:moveTo>
-                <a:lnTo>
-                  <a:pt x="120000" y="0"/>
-                </a:lnTo>
-                <a:lnTo>
-                  <a:pt x="120000" y="120000"/>
-                </a:lnTo>
-                <a:lnTo>
-                  <a:pt x="0" y="120000"/>
-                </a:lnTo>
-                <a:close/>
-              </a:path>
-            </a:pathLst>
-          </a:custGeom>
-          <a:noFill/>
-          <a:ln w="12700" cap="flat" cmpd="sng">
-            <a:solidFill>
-              <a:srgbClr val="000000"/>
-            </a:solidFill>
-            <a:prstDash val="solid"/>
-            <a:round/>
-            <a:headEnd type="none" w="sm" len="sm"/>
-            <a:tailEnd type="none" w="sm" len="sm"/>
-          </a:ln>
-        </p:spPr>
-      </p:sp>
-      <p:sp>
-        <p:nvSpPr>
-          <p:cNvPr id="139" name="Google Shape;139;g98072d2428_1_34:notes"/>
-          <p:cNvSpPr txBox="1">
-            <a:spLocks noGrp="1"/>
-          </p:cNvSpPr>
-          <p:nvPr>
-            <p:ph type="body" idx="1"/>
-          </p:nvPr>
-        </p:nvSpPr>
-        <p:spPr>
-          <a:xfrm>
-            <a:off x="685800" y="4343400"/>
-            <a:ext cx="5486400" cy="4114800"/>
-          </a:xfrm>
-          <a:prstGeom prst="rect">
-            <a:avLst/>
-          </a:prstGeom>
-          <a:noFill/>
-          <a:ln>
-            <a:noFill/>
-          </a:ln>
-        </p:spPr>
-        <p:txBody>
-          <a:bodyPr spcFirstLastPara="1" wrap="square" lIns="91425" tIns="45700" rIns="91425" bIns="45700" anchor="t" anchorCtr="0">
-            <a:noAutofit/>
-          </a:bodyPr>
-          <a:lstStyle/>
-          <a:p>
-            <a:pPr marL="0" lvl="0" indent="0" algn="l" rtl="0">
-              <a:lnSpc>
-                <a:spcPct val="100000"/>
-              </a:lnSpc>
-              <a:spcBef>
-                <a:spcPts val="0"/>
-              </a:spcBef>
-              <a:spcAft>
-                <a:spcPts val="0"/>
-              </a:spcAft>
-              <a:buSzPts val="1400"/>
-              <a:buNone/>
-            </a:pPr>
-            <a:endParaRPr/>
-          </a:p>
-        </p:txBody>
-      </p:sp>
-    </p:spTree>
-  </p:cSld>
-  <p:clrMapOvr>
-    <a:masterClrMapping/>
-  </p:clrMapOvr>
-</p:notes>
-</file>
-
-<file path=ppt/notesSlides/notesSlide7.xml><?xml version="1.0" encoding="utf-8"?>
-<p:notes xmlns:a="http://schemas.openxmlformats.org/drawingml/2006/main" xmlns:r="http://schemas.openxmlformats.org/officeDocument/2006/relationships" xmlns:p="http://schemas.openxmlformats.org/presentationml/2006/main" showMasterSp="0" showMasterPhAnim="0">
-  <p:cSld>
-    <p:spTree>
-      <p:nvGrpSpPr>
-        <p:cNvPr id="1" name="Shape 218"/>
-        <p:cNvGrpSpPr/>
-        <p:nvPr/>
-      </p:nvGrpSpPr>
-      <p:grpSpPr>
-        <a:xfrm>
-          <a:off x="0" y="0"/>
-          <a:ext cx="0" cy="0"/>
-          <a:chOff x="0" y="0"/>
-          <a:chExt cx="0" cy="0"/>
-        </a:xfrm>
-      </p:grpSpPr>
-      <p:sp>
-        <p:nvSpPr>
-          <p:cNvPr id="219" name="Google Shape;219;g7ed7eb645d_0_695:notes"/>
-          <p:cNvSpPr>
-            <a:spLocks noGrp="1" noRot="1" noChangeAspect="1"/>
-          </p:cNvSpPr>
-          <p:nvPr>
-            <p:ph type="sldImg" idx="2"/>
-          </p:nvPr>
-        </p:nvSpPr>
-        <p:spPr>
-          <a:xfrm>
-            <a:off x="155575" y="685800"/>
-            <a:ext cx="6546850" cy="3429000"/>
-          </a:xfrm>
-          <a:custGeom>
-            <a:avLst/>
-            <a:gdLst/>
-            <a:ahLst/>
-            <a:cxnLst/>
-            <a:rect l="l" t="t" r="r" b="b"/>
-            <a:pathLst>
-              <a:path w="120000" h="120000" extrusionOk="0">
-                <a:moveTo>
-                  <a:pt x="0" y="0"/>
-                </a:moveTo>
-                <a:lnTo>
-                  <a:pt x="120000" y="0"/>
-                </a:lnTo>
-                <a:lnTo>
-                  <a:pt x="120000" y="120000"/>
-                </a:lnTo>
-                <a:lnTo>
-                  <a:pt x="0" y="120000"/>
-                </a:lnTo>
-                <a:close/>
-              </a:path>
-            </a:pathLst>
-          </a:custGeom>
-          <a:noFill/>
-          <a:ln w="12700" cap="flat" cmpd="sng">
-            <a:solidFill>
-              <a:srgbClr val="000000"/>
-            </a:solidFill>
-            <a:prstDash val="solid"/>
-            <a:round/>
-            <a:headEnd type="none" w="sm" len="sm"/>
-            <a:tailEnd type="none" w="sm" len="sm"/>
-          </a:ln>
-        </p:spPr>
-      </p:sp>
-      <p:sp>
-        <p:nvSpPr>
-          <p:cNvPr id="220" name="Google Shape;220;g7ed7eb645d_0_695:notes"/>
-          <p:cNvSpPr txBox="1">
-            <a:spLocks noGrp="1"/>
-          </p:cNvSpPr>
-          <p:nvPr>
-            <p:ph type="body" idx="1"/>
-          </p:nvPr>
-        </p:nvSpPr>
-        <p:spPr>
-          <a:xfrm>
-            <a:off x="685800" y="4343400"/>
-            <a:ext cx="5486400" cy="4114800"/>
-          </a:xfrm>
-          <a:prstGeom prst="rect">
-            <a:avLst/>
-          </a:prstGeom>
-          <a:noFill/>
-          <a:ln>
-            <a:noFill/>
-          </a:ln>
-        </p:spPr>
-        <p:txBody>
-          <a:bodyPr spcFirstLastPara="1" wrap="square" lIns="91425" tIns="45700" rIns="91425" bIns="45700" anchor="t" anchorCtr="0">
-            <a:noAutofit/>
-          </a:bodyPr>
-          <a:lstStyle/>
-          <a:p>
-            <a:pPr marL="0" lvl="0" indent="0" algn="l" rtl="0">
-              <a:lnSpc>
-                <a:spcPct val="100000"/>
-              </a:lnSpc>
-              <a:spcBef>
-                <a:spcPts val="0"/>
-              </a:spcBef>
-              <a:spcAft>
-                <a:spcPts val="0"/>
-              </a:spcAft>
-              <a:buSzPts val="1400"/>
-              <a:buNone/>
-            </a:pPr>
-            <a:r>
-              <a:rPr lang="es-MX" sz="1200" b="1">
-                <a:solidFill>
-                  <a:schemeClr val="dk1"/>
-                </a:solidFill>
-                <a:latin typeface="Montserrat"/>
-                <a:ea typeface="Montserrat"/>
-                <a:cs typeface="Montserrat"/>
-                <a:sym typeface="Montserrat"/>
-              </a:rPr>
-              <a:t>Separador #1 con ícono</a:t>
-            </a:r>
-            <a:br>
-              <a:rPr lang="es-MX" sz="1200" b="1">
-                <a:solidFill>
-                  <a:schemeClr val="dk1"/>
-                </a:solidFill>
-                <a:latin typeface="Montserrat"/>
-                <a:ea typeface="Montserrat"/>
-                <a:cs typeface="Montserrat"/>
-                <a:sym typeface="Montserrat"/>
-              </a:rPr>
-            </a:br>
-            <a:r>
-              <a:rPr lang="es-MX" sz="1200" b="1">
-                <a:solidFill>
-                  <a:schemeClr val="dk1"/>
-                </a:solidFill>
-                <a:latin typeface="Montserrat"/>
-                <a:ea typeface="Montserrat"/>
-                <a:cs typeface="Montserrat"/>
-                <a:sym typeface="Montserrat"/>
-              </a:rPr>
-              <a:t>(colocar ícono a la altura de la separación de las líneas)</a:t>
-            </a:r>
-            <a:endParaRPr sz="1200">
-              <a:solidFill>
-                <a:schemeClr val="dk1"/>
-              </a:solidFill>
-              <a:latin typeface="Montserrat"/>
-              <a:ea typeface="Montserrat"/>
-              <a:cs typeface="Montserrat"/>
-              <a:sym typeface="Montserrat"/>
-            </a:endParaRPr>
-          </a:p>
-          <a:p>
-            <a:pPr marL="0" lvl="0" indent="0" algn="l" rtl="0">
-              <a:lnSpc>
-                <a:spcPct val="100000"/>
-              </a:lnSpc>
-              <a:spcBef>
-                <a:spcPts val="0"/>
-              </a:spcBef>
-              <a:spcAft>
-                <a:spcPts val="0"/>
-              </a:spcAft>
-              <a:buClr>
-                <a:schemeClr val="dk1"/>
-              </a:buClr>
-              <a:buSzPts val="1100"/>
-              <a:buFont typeface="Arial"/>
-              <a:buNone/>
-            </a:pPr>
-            <a:endParaRPr sz="1200" b="1">
-              <a:solidFill>
-                <a:schemeClr val="dk1"/>
-              </a:solidFill>
-              <a:latin typeface="Montserrat"/>
-              <a:ea typeface="Montserrat"/>
-              <a:cs typeface="Montserrat"/>
-              <a:sym typeface="Montserrat"/>
-            </a:endParaRPr>
-          </a:p>
-        </p:txBody>
-      </p:sp>
-    </p:spTree>
-    <p:extLst>
-      <p:ext uri="{BB962C8B-B14F-4D97-AF65-F5344CB8AC3E}">
-        <p14:creationId xmlns:p14="http://schemas.microsoft.com/office/powerpoint/2010/main" val="3454588405"/>
-      </p:ext>
-    </p:extLst>
   </p:cSld>
   <p:clrMapOvr>
     <a:masterClrMapping/>
@@ -3728,6 +3561,11 @@
         </p:txBody>
       </p:sp>
     </p:spTree>
+    <p:extLst>
+      <p:ext uri="{BB962C8B-B14F-4D97-AF65-F5344CB8AC3E}">
+        <p14:creationId xmlns:p14="http://schemas.microsoft.com/office/powerpoint/2010/main" val="555245686"/>
+      </p:ext>
+    </p:extLst>
   </p:cSld>
   <p:clrMapOvr>
     <a:masterClrMapping/>
@@ -3852,7 +3690,7 @@
     </p:spTree>
     <p:extLst>
       <p:ext uri="{BB962C8B-B14F-4D97-AF65-F5344CB8AC3E}">
-        <p14:creationId xmlns:p14="http://schemas.microsoft.com/office/powerpoint/2010/main" val="555245686"/>
+        <p14:creationId xmlns:p14="http://schemas.microsoft.com/office/powerpoint/2010/main" val="3295133733"/>
       </p:ext>
     </p:extLst>
   </p:cSld>
@@ -11608,9 +11446,17 @@
 <file path=ppt/slides/slide1.xml><?xml version="1.0" encoding="utf-8"?>
 <p:sld xmlns:a="http://schemas.openxmlformats.org/drawingml/2006/main" xmlns:r="http://schemas.openxmlformats.org/officeDocument/2006/relationships" xmlns:p="http://schemas.openxmlformats.org/presentationml/2006/main">
   <p:cSld>
+    <p:bg>
+      <p:bgPr>
+        <a:solidFill>
+          <a:srgbClr val="4B22F4"/>
+        </a:solidFill>
+        <a:effectLst/>
+      </p:bgPr>
+    </p:bg>
     <p:spTree>
       <p:nvGrpSpPr>
-        <p:cNvPr id="1" name="Shape 90"/>
+        <p:cNvPr id="1" name="Shape 67"/>
         <p:cNvGrpSpPr/>
         <p:nvPr/>
       </p:nvGrpSpPr>
@@ -11622,456 +11468,23 @@
           <a:chExt cx="0" cy="0"/>
         </a:xfrm>
       </p:grpSpPr>
-      <p:sp>
-        <p:nvSpPr>
-          <p:cNvPr id="91" name="Google Shape;91;p16"/>
-          <p:cNvSpPr txBox="1"/>
-          <p:nvPr/>
-        </p:nvSpPr>
-        <p:spPr>
-          <a:xfrm>
-            <a:off x="4838325" y="1533850"/>
-            <a:ext cx="7149000" cy="5954400"/>
-          </a:xfrm>
-          <a:prstGeom prst="rect">
-            <a:avLst/>
-          </a:prstGeom>
-          <a:noFill/>
-          <a:ln>
-            <a:noFill/>
-          </a:ln>
-        </p:spPr>
-        <p:txBody>
-          <a:bodyPr spcFirstLastPara="1" wrap="square" lIns="147725" tIns="147725" rIns="147725" bIns="147725" anchor="t" anchorCtr="0">
-            <a:noAutofit/>
-          </a:bodyPr>
-          <a:lstStyle/>
-          <a:p>
-            <a:pPr marL="457200" marR="0" lvl="0" indent="-374650" algn="l" rtl="0">
-              <a:lnSpc>
-                <a:spcPct val="100000"/>
-              </a:lnSpc>
-              <a:spcBef>
-                <a:spcPts val="0"/>
-              </a:spcBef>
-              <a:spcAft>
-                <a:spcPts val="0"/>
-              </a:spcAft>
-              <a:buClr>
-                <a:srgbClr val="2B303C"/>
-              </a:buClr>
-              <a:buSzPts val="2300"/>
-              <a:buFont typeface="Montserrat Medium"/>
-              <a:buAutoNum type="arabicPeriod"/>
-            </a:pPr>
-            <a:r>
-              <a:rPr lang="es-MX" sz="2300">
-                <a:solidFill>
-                  <a:srgbClr val="2B303C"/>
-                </a:solidFill>
-                <a:latin typeface="Montserrat Medium"/>
-                <a:ea typeface="Montserrat Medium"/>
-                <a:cs typeface="Montserrat Medium"/>
-                <a:sym typeface="Montserrat Medium"/>
-              </a:rPr>
-              <a:t>Descripción del problema que se pretende solucionar.</a:t>
-            </a:r>
-            <a:endParaRPr sz="2300">
-              <a:solidFill>
-                <a:srgbClr val="2B303C"/>
-              </a:solidFill>
-              <a:latin typeface="Montserrat Medium"/>
-              <a:ea typeface="Montserrat Medium"/>
-              <a:cs typeface="Montserrat Medium"/>
-              <a:sym typeface="Montserrat Medium"/>
-            </a:endParaRPr>
-          </a:p>
-          <a:p>
-            <a:pPr marL="457200" marR="0" lvl="0" indent="-374650" algn="l" rtl="0">
-              <a:lnSpc>
-                <a:spcPct val="100000"/>
-              </a:lnSpc>
-              <a:spcBef>
-                <a:spcPts val="1000"/>
-              </a:spcBef>
-              <a:spcAft>
-                <a:spcPts val="0"/>
-              </a:spcAft>
-              <a:buClr>
-                <a:srgbClr val="2B303C"/>
-              </a:buClr>
-              <a:buSzPts val="2300"/>
-              <a:buFont typeface="Montserrat Medium"/>
-              <a:buAutoNum type="arabicPeriod"/>
-            </a:pPr>
-            <a:r>
-              <a:rPr lang="es-MX" sz="2300">
-                <a:solidFill>
-                  <a:srgbClr val="2B303C"/>
-                </a:solidFill>
-                <a:latin typeface="Montserrat Medium"/>
-                <a:ea typeface="Montserrat Medium"/>
-                <a:cs typeface="Montserrat Medium"/>
-                <a:sym typeface="Montserrat Medium"/>
-              </a:rPr>
-              <a:t>Descripción de la solución realizada.</a:t>
-            </a:r>
-            <a:endParaRPr sz="2300">
-              <a:solidFill>
-                <a:srgbClr val="2B303C"/>
-              </a:solidFill>
-              <a:latin typeface="Montserrat Medium"/>
-              <a:ea typeface="Montserrat Medium"/>
-              <a:cs typeface="Montserrat Medium"/>
-              <a:sym typeface="Montserrat Medium"/>
-            </a:endParaRPr>
-          </a:p>
-          <a:p>
-            <a:pPr marL="457200" marR="0" lvl="0" indent="-374650" algn="l" rtl="0">
-              <a:lnSpc>
-                <a:spcPct val="100000"/>
-              </a:lnSpc>
-              <a:spcBef>
-                <a:spcPts val="1000"/>
-              </a:spcBef>
-              <a:spcAft>
-                <a:spcPts val="0"/>
-              </a:spcAft>
-              <a:buClr>
-                <a:srgbClr val="2B303C"/>
-              </a:buClr>
-              <a:buSzPts val="2300"/>
-              <a:buFont typeface="Montserrat Medium"/>
-              <a:buAutoNum type="arabicPeriod"/>
-            </a:pPr>
-            <a:r>
-              <a:rPr lang="es-MX" sz="2300">
-                <a:solidFill>
-                  <a:srgbClr val="2B303C"/>
-                </a:solidFill>
-                <a:latin typeface="Montserrat Medium"/>
-                <a:ea typeface="Montserrat Medium"/>
-                <a:cs typeface="Montserrat Medium"/>
-                <a:sym typeface="Montserrat Medium"/>
-              </a:rPr>
-              <a:t>Pantallas, walkthrough de tu producto/solución.</a:t>
-            </a:r>
-            <a:endParaRPr sz="2300">
-              <a:solidFill>
-                <a:srgbClr val="2B303C"/>
-              </a:solidFill>
-              <a:latin typeface="Montserrat Medium"/>
-              <a:ea typeface="Montserrat Medium"/>
-              <a:cs typeface="Montserrat Medium"/>
-              <a:sym typeface="Montserrat Medium"/>
-            </a:endParaRPr>
-          </a:p>
-          <a:p>
-            <a:pPr marL="457200" marR="0" lvl="0" indent="-374650" algn="l" rtl="0">
-              <a:lnSpc>
-                <a:spcPct val="100000"/>
-              </a:lnSpc>
-              <a:spcBef>
-                <a:spcPts val="1000"/>
-              </a:spcBef>
-              <a:spcAft>
-                <a:spcPts val="0"/>
-              </a:spcAft>
-              <a:buClr>
-                <a:srgbClr val="2B303C"/>
-              </a:buClr>
-              <a:buSzPts val="2300"/>
-              <a:buFont typeface="Montserrat Medium"/>
-              <a:buAutoNum type="arabicPeriod"/>
-            </a:pPr>
-            <a:r>
-              <a:rPr lang="es-MX" sz="2300">
-                <a:solidFill>
-                  <a:srgbClr val="2B303C"/>
-                </a:solidFill>
-                <a:latin typeface="Montserrat Medium"/>
-                <a:ea typeface="Montserrat Medium"/>
-                <a:cs typeface="Montserrat Medium"/>
-                <a:sym typeface="Montserrat Medium"/>
-              </a:rPr>
-              <a:t>Demo de tu producto</a:t>
-            </a:r>
-            <a:endParaRPr sz="2300">
-              <a:solidFill>
-                <a:srgbClr val="2B303C"/>
-              </a:solidFill>
-              <a:latin typeface="Montserrat Medium"/>
-              <a:ea typeface="Montserrat Medium"/>
-              <a:cs typeface="Montserrat Medium"/>
-              <a:sym typeface="Montserrat Medium"/>
-            </a:endParaRPr>
-          </a:p>
-          <a:p>
-            <a:pPr marL="0" marR="0" lvl="0" indent="0" algn="l" rtl="0">
-              <a:lnSpc>
-                <a:spcPct val="100000"/>
-              </a:lnSpc>
-              <a:spcBef>
-                <a:spcPts val="1000"/>
-              </a:spcBef>
-              <a:spcAft>
-                <a:spcPts val="0"/>
-              </a:spcAft>
-              <a:buNone/>
-            </a:pPr>
-            <a:endParaRPr sz="2300">
-              <a:solidFill>
-                <a:srgbClr val="2B303C"/>
-              </a:solidFill>
-              <a:latin typeface="Montserrat Medium"/>
-              <a:ea typeface="Montserrat Medium"/>
-              <a:cs typeface="Montserrat Medium"/>
-              <a:sym typeface="Montserrat Medium"/>
-            </a:endParaRPr>
-          </a:p>
-          <a:p>
-            <a:pPr marL="0" marR="0" lvl="0" indent="0" algn="l" rtl="0">
-              <a:lnSpc>
-                <a:spcPct val="100000"/>
-              </a:lnSpc>
-              <a:spcBef>
-                <a:spcPts val="1000"/>
-              </a:spcBef>
-              <a:spcAft>
-                <a:spcPts val="0"/>
-              </a:spcAft>
-              <a:buNone/>
-            </a:pPr>
-            <a:r>
-              <a:rPr lang="es-MX" sz="2300">
-                <a:solidFill>
-                  <a:srgbClr val="2B303C"/>
-                </a:solidFill>
-                <a:latin typeface="Montserrat Medium"/>
-                <a:ea typeface="Montserrat Medium"/>
-                <a:cs typeface="Montserrat Medium"/>
-                <a:sym typeface="Montserrat Medium"/>
-              </a:rPr>
-              <a:t>Recuerda que todo lo anterior debe ser realizado en </a:t>
-            </a:r>
-            <a:r>
-              <a:rPr lang="es-MX" sz="2300" b="1">
-                <a:solidFill>
-                  <a:srgbClr val="2B303C"/>
-                </a:solidFill>
-                <a:latin typeface="Montserrat"/>
-                <a:ea typeface="Montserrat"/>
-                <a:cs typeface="Montserrat"/>
-                <a:sym typeface="Montserrat"/>
-              </a:rPr>
-              <a:t>5 minutos</a:t>
-            </a:r>
-            <a:r>
-              <a:rPr lang="es-MX" sz="2300">
-                <a:solidFill>
-                  <a:srgbClr val="2B303C"/>
-                </a:solidFill>
-                <a:latin typeface="Montserrat Medium"/>
-                <a:ea typeface="Montserrat Medium"/>
-                <a:cs typeface="Montserrat Medium"/>
-                <a:sym typeface="Montserrat Medium"/>
-              </a:rPr>
-              <a:t>. El </a:t>
-            </a:r>
-            <a:r>
-              <a:rPr lang="es-MX" sz="2300" b="1">
-                <a:solidFill>
-                  <a:srgbClr val="2B303C"/>
-                </a:solidFill>
-                <a:latin typeface="Montserrat"/>
-                <a:ea typeface="Montserrat"/>
-                <a:cs typeface="Montserrat"/>
-                <a:sym typeface="Montserrat"/>
-              </a:rPr>
-              <a:t>demo</a:t>
-            </a:r>
-            <a:r>
-              <a:rPr lang="es-MX" sz="2300">
-                <a:solidFill>
-                  <a:srgbClr val="2B303C"/>
-                </a:solidFill>
-                <a:latin typeface="Montserrat Medium"/>
-                <a:ea typeface="Montserrat Medium"/>
-                <a:cs typeface="Montserrat Medium"/>
-                <a:sym typeface="Montserrat Medium"/>
-              </a:rPr>
-              <a:t> de tu producto/solución es la parte más atractiva de la presentación.</a:t>
-            </a:r>
-            <a:endParaRPr sz="2300">
-              <a:solidFill>
-                <a:srgbClr val="2B303C"/>
-              </a:solidFill>
-              <a:latin typeface="Montserrat Medium"/>
-              <a:ea typeface="Montserrat Medium"/>
-              <a:cs typeface="Montserrat Medium"/>
-              <a:sym typeface="Montserrat Medium"/>
-            </a:endParaRPr>
-          </a:p>
-          <a:p>
-            <a:pPr marL="0" marR="0" lvl="0" indent="0" algn="l" rtl="0">
-              <a:lnSpc>
-                <a:spcPct val="100000"/>
-              </a:lnSpc>
-              <a:spcBef>
-                <a:spcPts val="1000"/>
-              </a:spcBef>
-              <a:spcAft>
-                <a:spcPts val="1000"/>
-              </a:spcAft>
-              <a:buNone/>
-            </a:pPr>
-            <a:r>
-              <a:rPr lang="es-MX" sz="2300">
-                <a:solidFill>
-                  <a:srgbClr val="2B303C"/>
-                </a:solidFill>
-                <a:latin typeface="Montserrat Medium"/>
-                <a:ea typeface="Montserrat Medium"/>
-                <a:cs typeface="Montserrat Medium"/>
-                <a:sym typeface="Montserrat Medium"/>
-              </a:rPr>
-              <a:t>Puedes ver, como ejemplo, el pitch deck de compañías como </a:t>
-            </a:r>
-            <a:r>
-              <a:rPr lang="es-MX" sz="2300" u="sng">
-                <a:solidFill>
-                  <a:schemeClr val="hlink"/>
-                </a:solidFill>
-                <a:latin typeface="Montserrat Medium"/>
-                <a:ea typeface="Montserrat Medium"/>
-                <a:cs typeface="Montserrat Medium"/>
-                <a:sym typeface="Montserrat Medium"/>
-                <a:hlinkClick r:id="rId3"/>
-              </a:rPr>
-              <a:t>AirBnB</a:t>
-            </a:r>
-            <a:r>
-              <a:rPr lang="es-MX" sz="2300">
-                <a:solidFill>
-                  <a:srgbClr val="2B303C"/>
-                </a:solidFill>
-                <a:latin typeface="Montserrat Medium"/>
-                <a:ea typeface="Montserrat Medium"/>
-                <a:cs typeface="Montserrat Medium"/>
-                <a:sym typeface="Montserrat Medium"/>
-              </a:rPr>
-              <a:t> o </a:t>
-            </a:r>
-            <a:r>
-              <a:rPr lang="es-MX" sz="2300" u="sng">
-                <a:solidFill>
-                  <a:schemeClr val="hlink"/>
-                </a:solidFill>
-                <a:latin typeface="Montserrat Medium"/>
-                <a:ea typeface="Montserrat Medium"/>
-                <a:cs typeface="Montserrat Medium"/>
-                <a:sym typeface="Montserrat Medium"/>
-                <a:hlinkClick r:id="rId4"/>
-              </a:rPr>
-              <a:t>Uber</a:t>
-            </a:r>
-            <a:r>
-              <a:rPr lang="es-MX" sz="2300">
-                <a:solidFill>
-                  <a:srgbClr val="2B303C"/>
-                </a:solidFill>
-                <a:latin typeface="Montserrat Medium"/>
-                <a:ea typeface="Montserrat Medium"/>
-                <a:cs typeface="Montserrat Medium"/>
-                <a:sym typeface="Montserrat Medium"/>
-              </a:rPr>
-              <a:t> para inspirarte.</a:t>
-            </a:r>
-            <a:endParaRPr sz="2300">
-              <a:solidFill>
-                <a:srgbClr val="2B303C"/>
-              </a:solidFill>
-              <a:latin typeface="Montserrat Medium"/>
-              <a:ea typeface="Montserrat Medium"/>
-              <a:cs typeface="Montserrat Medium"/>
-              <a:sym typeface="Montserrat Medium"/>
-            </a:endParaRPr>
-          </a:p>
-        </p:txBody>
-      </p:sp>
-      <p:sp>
-        <p:nvSpPr>
-          <p:cNvPr id="92" name="Google Shape;92;p16"/>
-          <p:cNvSpPr/>
-          <p:nvPr/>
-        </p:nvSpPr>
-        <p:spPr>
-          <a:xfrm>
-            <a:off x="0" y="7716827"/>
-            <a:ext cx="15122400" cy="205200"/>
-          </a:xfrm>
-          <a:prstGeom prst="rect">
-            <a:avLst/>
-          </a:prstGeom>
-          <a:solidFill>
-            <a:srgbClr val="1B1C1F"/>
-          </a:solidFill>
-          <a:ln>
-            <a:noFill/>
-          </a:ln>
-        </p:spPr>
-        <p:txBody>
-          <a:bodyPr spcFirstLastPara="1" wrap="square" lIns="147725" tIns="147725" rIns="147725" bIns="147725" anchor="ctr" anchorCtr="0">
-            <a:noAutofit/>
-          </a:bodyPr>
-          <a:lstStyle/>
-          <a:p>
-            <a:pPr marL="0" marR="0" lvl="0" indent="0" algn="l" rtl="0">
-              <a:lnSpc>
-                <a:spcPct val="100000"/>
-              </a:lnSpc>
-              <a:spcBef>
-                <a:spcPts val="0"/>
-              </a:spcBef>
-              <a:spcAft>
-                <a:spcPts val="0"/>
-              </a:spcAft>
-              <a:buClr>
-                <a:srgbClr val="000000"/>
-              </a:buClr>
-              <a:buSzPts val="1400"/>
-              <a:buFont typeface="Arial"/>
-              <a:buNone/>
-            </a:pPr>
-            <a:endParaRPr sz="1400" b="0" i="0" u="none" strike="noStrike" cap="none">
-              <a:solidFill>
-                <a:srgbClr val="000000"/>
-              </a:solidFill>
-              <a:latin typeface="Arial"/>
-              <a:ea typeface="Arial"/>
-              <a:cs typeface="Arial"/>
-              <a:sym typeface="Arial"/>
-            </a:endParaRPr>
-          </a:p>
-        </p:txBody>
-      </p:sp>
       <p:pic>
         <p:nvPicPr>
-          <p:cNvPr id="93" name="Google Shape;93;p16"/>
+          <p:cNvPr id="68" name="Google Shape;68;p14"/>
           <p:cNvPicPr preferRelativeResize="0"/>
           <p:nvPr/>
         </p:nvPicPr>
         <p:blipFill rotWithShape="1">
-          <a:blip r:embed="rId5">
+          <a:blip r:embed="rId3">
             <a:alphaModFix/>
           </a:blip>
-          <a:srcRect/>
+          <a:srcRect l="18" t="12445" r="9866" b="6948"/>
           <a:stretch/>
         </p:blipFill>
         <p:spPr>
           <a:xfrm>
-            <a:off x="498500" y="709642"/>
-            <a:ext cx="1430575" cy="126308"/>
+            <a:off x="5728925" y="0"/>
+            <a:ext cx="9393597" cy="7921626"/>
           </a:xfrm>
           <a:prstGeom prst="rect">
             <a:avLst/>
@@ -12084,14 +11497,14 @@
       </p:pic>
       <p:sp>
         <p:nvSpPr>
-          <p:cNvPr id="94" name="Google Shape;94;p16"/>
+          <p:cNvPr id="69" name="Google Shape;69;p14"/>
           <p:cNvSpPr txBox="1"/>
           <p:nvPr/>
         </p:nvSpPr>
         <p:spPr>
           <a:xfrm>
-            <a:off x="2295842" y="414450"/>
-            <a:ext cx="9218400" cy="716700"/>
+            <a:off x="1131995" y="3095997"/>
+            <a:ext cx="11401892" cy="1372800"/>
           </a:xfrm>
           <a:prstGeom prst="rect">
             <a:avLst/>
@@ -12120,78 +11533,43 @@
               <a:buClr>
                 <a:srgbClr val="000000"/>
               </a:buClr>
-              <a:buSzPts val="4000"/>
+              <a:buSzPts val="6500"/>
               <a:buFont typeface="Arial"/>
               <a:buNone/>
             </a:pPr>
             <a:r>
-              <a:rPr lang="es-MX" sz="4000" b="1">
-                <a:solidFill>
-                  <a:srgbClr val="16181C"/>
+              <a:rPr lang="es-ES" sz="5400" b="1" i="0" u="none" strike="noStrike" cap="none" dirty="0">
+                <a:solidFill>
+                  <a:schemeClr val="lt1"/>
                 </a:solidFill>
                 <a:latin typeface="Montserrat"/>
                 <a:ea typeface="Montserrat"/>
                 <a:cs typeface="Montserrat"/>
                 <a:sym typeface="Montserrat"/>
               </a:rPr>
-              <a:t>Componentes recomendados de un pitch de 5 minutos</a:t>
+              <a:t>Análisis de pobreza en México</a:t>
             </a:r>
-            <a:endParaRPr sz="4000" b="0" i="0" u="none" strike="noStrike" cap="none">
-              <a:solidFill>
-                <a:srgbClr val="16181C"/>
-              </a:solidFill>
-              <a:latin typeface="Montserrat"/>
-              <a:ea typeface="Montserrat"/>
-              <a:cs typeface="Montserrat"/>
-              <a:sym typeface="Montserrat"/>
-            </a:endParaRPr>
           </a:p>
         </p:txBody>
       </p:sp>
       <p:cxnSp>
         <p:nvCxnSpPr>
-          <p:cNvPr id="95" name="Google Shape;95;p16"/>
+          <p:cNvPr id="71" name="Google Shape;71;p14"/>
           <p:cNvCxnSpPr/>
           <p:nvPr/>
         </p:nvCxnSpPr>
         <p:spPr>
           <a:xfrm>
-            <a:off x="14475844" y="-11"/>
-            <a:ext cx="0" cy="3877500"/>
+            <a:off x="5655525" y="4722365"/>
+            <a:ext cx="1906200" cy="0"/>
           </a:xfrm>
           <a:prstGeom prst="straightConnector1">
             <a:avLst/>
           </a:prstGeom>
           <a:noFill/>
-          <a:ln w="19050" cap="flat" cmpd="sng">
+          <a:ln w="28575" cap="flat" cmpd="sng">
             <a:solidFill>
-              <a:srgbClr val="6349FC"/>
-            </a:solidFill>
-            <a:prstDash val="solid"/>
-            <a:round/>
-            <a:headEnd type="none" w="sm" len="sm"/>
-            <a:tailEnd type="none" w="sm" len="sm"/>
-          </a:ln>
-        </p:spPr>
-      </p:cxnSp>
-      <p:cxnSp>
-        <p:nvCxnSpPr>
-          <p:cNvPr id="96" name="Google Shape;96;p16"/>
-          <p:cNvCxnSpPr/>
-          <p:nvPr/>
-        </p:nvCxnSpPr>
-        <p:spPr>
-          <a:xfrm>
-            <a:off x="14475850" y="6859925"/>
-            <a:ext cx="0" cy="1061700"/>
-          </a:xfrm>
-          <a:prstGeom prst="straightConnector1">
-            <a:avLst/>
-          </a:prstGeom>
-          <a:noFill/>
-          <a:ln w="19050" cap="flat" cmpd="sng">
-            <a:solidFill>
-              <a:srgbClr val="6349FC"/>
+              <a:srgbClr val="4B22F4"/>
             </a:solidFill>
             <a:prstDash val="solid"/>
             <a:round/>
@@ -12202,14 +11580,14 @@
       </p:cxnSp>
       <p:sp>
         <p:nvSpPr>
-          <p:cNvPr id="97" name="Google Shape;97;p16"/>
+          <p:cNvPr id="72" name="Google Shape;72;p14"/>
           <p:cNvSpPr txBox="1"/>
           <p:nvPr/>
         </p:nvSpPr>
         <p:spPr>
-          <a:xfrm rot="-5400000">
-            <a:off x="12971200" y="5038125"/>
-            <a:ext cx="3009300" cy="657900"/>
+          <a:xfrm>
+            <a:off x="1131995" y="2283155"/>
+            <a:ext cx="8814900" cy="707700"/>
           </a:xfrm>
           <a:prstGeom prst="rect">
             <a:avLst/>
@@ -12225,64 +11603,55 @@
           </a:bodyPr>
           <a:lstStyle/>
           <a:p>
-            <a:pPr marL="0" marR="0" lvl="0" indent="0" algn="ctr" rtl="0">
-              <a:lnSpc>
-                <a:spcPct val="100000"/>
-              </a:lnSpc>
-              <a:spcBef>
-                <a:spcPts val="0"/>
-              </a:spcBef>
-              <a:spcAft>
-                <a:spcPts val="0"/>
-              </a:spcAft>
-              <a:buClr>
-                <a:srgbClr val="000000"/>
-              </a:buClr>
-              <a:buSzPts val="2300"/>
+            <a:pPr marL="0" marR="0" lvl="0" indent="0" algn="l" rtl="0">
+              <a:lnSpc>
+                <a:spcPct val="100000"/>
+              </a:lnSpc>
+              <a:spcBef>
+                <a:spcPts val="0"/>
+              </a:spcBef>
+              <a:spcAft>
+                <a:spcPts val="0"/>
+              </a:spcAft>
+              <a:buClr>
+                <a:srgbClr val="000000"/>
+              </a:buClr>
+              <a:buSzPts val="2900"/>
               <a:buFont typeface="Arial"/>
               <a:buNone/>
             </a:pPr>
             <a:r>
-              <a:rPr lang="es-MX" sz="2300" b="0" i="0" u="none" strike="noStrike" cap="none">
-                <a:solidFill>
-                  <a:srgbClr val="D8D8D8"/>
-                </a:solidFill>
-                <a:latin typeface="Montserrat"/>
-                <a:ea typeface="Montserrat"/>
-                <a:cs typeface="Montserrat"/>
-                <a:sym typeface="Montserrat"/>
+              <a:rPr lang="es-MX" sz="2900" b="0" i="0" u="none" strike="noStrike" cap="none" dirty="0">
+                <a:solidFill>
+                  <a:schemeClr val="lt1"/>
+                </a:solidFill>
+                <a:latin typeface="Montserrat SemiBold"/>
+                <a:ea typeface="Montserrat SemiBold"/>
+                <a:cs typeface="Montserrat SemiBold"/>
+                <a:sym typeface="Montserrat SemiBold"/>
               </a:rPr>
-              <a:t># pág o tema</a:t>
+              <a:t>Módulo: Módulo Data Analysis</a:t>
             </a:r>
-            <a:endParaRPr sz="2300" b="0" i="0" u="none" strike="noStrike" cap="none">
-              <a:solidFill>
-                <a:srgbClr val="D8D8D8"/>
-              </a:solidFill>
-              <a:latin typeface="Montserrat"/>
-              <a:ea typeface="Montserrat"/>
-              <a:cs typeface="Montserrat"/>
-              <a:sym typeface="Montserrat"/>
-            </a:endParaRPr>
           </a:p>
         </p:txBody>
       </p:sp>
       <p:pic>
         <p:nvPicPr>
-          <p:cNvPr id="98" name="Google Shape;98;p16"/>
+          <p:cNvPr id="73" name="Google Shape;73;p14"/>
           <p:cNvPicPr preferRelativeResize="0"/>
           <p:nvPr/>
         </p:nvPicPr>
         <p:blipFill rotWithShape="1">
-          <a:blip r:embed="rId6">
+          <a:blip r:embed="rId4">
             <a:alphaModFix/>
           </a:blip>
           <a:srcRect/>
           <a:stretch/>
         </p:blipFill>
         <p:spPr>
-          <a:xfrm>
-            <a:off x="498495" y="2556370"/>
-            <a:ext cx="3735225" cy="3735225"/>
+          <a:xfrm flipH="1">
+            <a:off x="607160" y="4925971"/>
+            <a:ext cx="182144" cy="2553202"/>
           </a:xfrm>
           <a:prstGeom prst="rect">
             <a:avLst/>
@@ -12293,6 +11662,59 @@
           </a:ln>
         </p:spPr>
       </p:pic>
+      <p:pic>
+        <p:nvPicPr>
+          <p:cNvPr id="74" name="Google Shape;74;p14"/>
+          <p:cNvPicPr preferRelativeResize="0"/>
+          <p:nvPr/>
+        </p:nvPicPr>
+        <p:blipFill rotWithShape="1">
+          <a:blip r:embed="rId5">
+            <a:alphaModFix/>
+          </a:blip>
+          <a:srcRect/>
+          <a:stretch/>
+        </p:blipFill>
+        <p:spPr>
+          <a:xfrm>
+            <a:off x="13362039" y="6850732"/>
+            <a:ext cx="1541818" cy="820170"/>
+          </a:xfrm>
+          <a:prstGeom prst="rect">
+            <a:avLst/>
+          </a:prstGeom>
+          <a:noFill/>
+          <a:ln>
+            <a:noFill/>
+          </a:ln>
+        </p:spPr>
+      </p:pic>
+      <p:cxnSp>
+        <p:nvCxnSpPr>
+          <p:cNvPr id="75" name="Google Shape;75;p14"/>
+          <p:cNvCxnSpPr/>
+          <p:nvPr/>
+        </p:nvCxnSpPr>
+        <p:spPr>
+          <a:xfrm>
+            <a:off x="1298678" y="4648152"/>
+            <a:ext cx="2896804" cy="0"/>
+          </a:xfrm>
+          <a:prstGeom prst="straightConnector1">
+            <a:avLst/>
+          </a:prstGeom>
+          <a:noFill/>
+          <a:ln w="28575" cap="flat" cmpd="sng">
+            <a:solidFill>
+              <a:schemeClr val="dk1"/>
+            </a:solidFill>
+            <a:prstDash val="solid"/>
+            <a:round/>
+            <a:headEnd type="none" w="sm" len="sm"/>
+            <a:tailEnd type="none" w="sm" len="sm"/>
+          </a:ln>
+        </p:spPr>
+      </p:cxnSp>
     </p:spTree>
   </p:cSld>
   <p:clrMapOvr>
@@ -12449,7 +11871,7 @@
                 <a:cs typeface="Montserrat"/>
                 <a:sym typeface="Montserrat"/>
               </a:rPr>
-              <a:t>Diagrama Entidad Relación </a:t>
+              <a:t>Evolución del Nivel de Pobreza</a:t>
             </a:r>
             <a:endParaRPr sz="4000" b="0" i="0" u="none" strike="noStrike" cap="none" dirty="0">
               <a:solidFill>
@@ -12517,40 +11939,905 @@
           </a:ln>
         </p:spPr>
       </p:pic>
-      <p:pic>
-        <p:nvPicPr>
-          <p:cNvPr id="4" name="Imagen 3">
+      <p:sp>
+        <p:nvSpPr>
+          <p:cNvPr id="5" name="Diagrama de flujo: conector 4">
             <a:extLst>
               <a:ext uri="{FF2B5EF4-FFF2-40B4-BE49-F238E27FC236}">
-                <a16:creationId xmlns:a16="http://schemas.microsoft.com/office/drawing/2014/main" id="{C919D9FB-09D9-409F-824F-377D4D11AD74}"/>
+                <a16:creationId xmlns:a16="http://schemas.microsoft.com/office/drawing/2014/main" id="{38424360-4ACE-4EC0-937B-8C436D9B4580}"/>
               </a:ext>
             </a:extLst>
           </p:cNvPr>
-          <p:cNvPicPr>
-            <a:picLocks noChangeAspect="1"/>
-          </p:cNvPicPr>
+          <p:cNvSpPr/>
           <p:nvPr/>
-        </p:nvPicPr>
-        <p:blipFill>
-          <a:blip r:embed="rId6"/>
-          <a:stretch>
-            <a:fillRect/>
-          </a:stretch>
-        </p:blipFill>
+        </p:nvSpPr>
         <p:spPr>
           <a:xfrm>
-            <a:off x="4730719" y="1457148"/>
-            <a:ext cx="8264324" cy="6262777"/>
+            <a:off x="3141562" y="1382467"/>
+            <a:ext cx="2210051" cy="1937317"/>
+          </a:xfrm>
+          <a:prstGeom prst="flowChartConnector">
+            <a:avLst/>
+          </a:prstGeom>
+          <a:solidFill>
+            <a:schemeClr val="bg1">
+              <a:lumMod val="85000"/>
+            </a:schemeClr>
+          </a:solidFill>
+          <a:ln>
+            <a:noFill/>
+          </a:ln>
+        </p:spPr>
+        <p:style>
+          <a:lnRef idx="2">
+            <a:schemeClr val="accent1">
+              <a:shade val="50000"/>
+            </a:schemeClr>
+          </a:lnRef>
+          <a:fillRef idx="1">
+            <a:schemeClr val="accent1"/>
+          </a:fillRef>
+          <a:effectRef idx="0">
+            <a:schemeClr val="accent1"/>
+          </a:effectRef>
+          <a:fontRef idx="minor">
+            <a:schemeClr val="lt1"/>
+          </a:fontRef>
+        </p:style>
+        <p:txBody>
+          <a:bodyPr rtlCol="0" anchor="ctr"/>
+          <a:lstStyle/>
+          <a:p>
+            <a:pPr algn="ctr"/>
+            <a:r>
+              <a:rPr lang="es-MX" sz="4400" b="1" dirty="0">
+                <a:solidFill>
+                  <a:srgbClr val="0D017F"/>
+                </a:solidFill>
+              </a:rPr>
+              <a:t>48%</a:t>
+            </a:r>
+          </a:p>
+        </p:txBody>
+      </p:sp>
+      <p:sp>
+        <p:nvSpPr>
+          <p:cNvPr id="6" name="Marcador de texto 7">
+            <a:extLst>
+              <a:ext uri="{FF2B5EF4-FFF2-40B4-BE49-F238E27FC236}">
+                <a16:creationId xmlns:a16="http://schemas.microsoft.com/office/drawing/2014/main" id="{BE4D530E-B65B-4991-8E68-16417B3088DB}"/>
+              </a:ext>
+            </a:extLst>
+          </p:cNvPr>
+          <p:cNvSpPr txBox="1">
+            <a:spLocks/>
+          </p:cNvSpPr>
+          <p:nvPr/>
+        </p:nvSpPr>
+        <p:spPr>
+          <a:xfrm>
+            <a:off x="8880283" y="1287656"/>
+            <a:ext cx="3996201" cy="716700"/>
           </a:xfrm>
           <a:prstGeom prst="rect">
             <a:avLst/>
           </a:prstGeom>
         </p:spPr>
+        <p:txBody>
+          <a:bodyPr rtlCol="0"/>
+          <a:lstStyle>
+            <a:defPPr marR="0" lvl="0" algn="l" rtl="0">
+              <a:lnSpc>
+                <a:spcPct val="100000"/>
+              </a:lnSpc>
+              <a:spcBef>
+                <a:spcPts val="0"/>
+              </a:spcBef>
+              <a:spcAft>
+                <a:spcPts val="0"/>
+              </a:spcAft>
+            </a:defPPr>
+            <a:lvl1pPr marR="0" lvl="0" algn="l" rtl="0">
+              <a:lnSpc>
+                <a:spcPct val="100000"/>
+              </a:lnSpc>
+              <a:spcBef>
+                <a:spcPts val="0"/>
+              </a:spcBef>
+              <a:spcAft>
+                <a:spcPts val="0"/>
+              </a:spcAft>
+              <a:buClr>
+                <a:srgbClr val="000000"/>
+              </a:buClr>
+              <a:buFont typeface="Arial"/>
+              <a:defRPr sz="1400" b="0" i="0" u="none" strike="noStrike" cap="none">
+                <a:solidFill>
+                  <a:srgbClr val="000000"/>
+                </a:solidFill>
+                <a:latin typeface="Arial"/>
+                <a:ea typeface="Arial"/>
+                <a:cs typeface="Arial"/>
+                <a:sym typeface="Arial"/>
+              </a:defRPr>
+            </a:lvl1pPr>
+            <a:lvl2pPr marR="0" lvl="1" algn="l" rtl="0">
+              <a:lnSpc>
+                <a:spcPct val="100000"/>
+              </a:lnSpc>
+              <a:spcBef>
+                <a:spcPts val="0"/>
+              </a:spcBef>
+              <a:spcAft>
+                <a:spcPts val="0"/>
+              </a:spcAft>
+              <a:buClr>
+                <a:srgbClr val="000000"/>
+              </a:buClr>
+              <a:buFont typeface="Arial"/>
+              <a:defRPr sz="1400" b="0" i="0" u="none" strike="noStrike" cap="none">
+                <a:solidFill>
+                  <a:srgbClr val="000000"/>
+                </a:solidFill>
+                <a:latin typeface="Arial"/>
+                <a:ea typeface="Arial"/>
+                <a:cs typeface="Arial"/>
+                <a:sym typeface="Arial"/>
+              </a:defRPr>
+            </a:lvl2pPr>
+            <a:lvl3pPr marR="0" lvl="2" algn="l" rtl="0">
+              <a:lnSpc>
+                <a:spcPct val="100000"/>
+              </a:lnSpc>
+              <a:spcBef>
+                <a:spcPts val="0"/>
+              </a:spcBef>
+              <a:spcAft>
+                <a:spcPts val="0"/>
+              </a:spcAft>
+              <a:buClr>
+                <a:srgbClr val="000000"/>
+              </a:buClr>
+              <a:buFont typeface="Arial"/>
+              <a:defRPr sz="1400" b="0" i="0" u="none" strike="noStrike" cap="none">
+                <a:solidFill>
+                  <a:srgbClr val="000000"/>
+                </a:solidFill>
+                <a:latin typeface="Arial"/>
+                <a:ea typeface="Arial"/>
+                <a:cs typeface="Arial"/>
+                <a:sym typeface="Arial"/>
+              </a:defRPr>
+            </a:lvl3pPr>
+            <a:lvl4pPr marR="0" lvl="3" algn="l" rtl="0">
+              <a:lnSpc>
+                <a:spcPct val="100000"/>
+              </a:lnSpc>
+              <a:spcBef>
+                <a:spcPts val="0"/>
+              </a:spcBef>
+              <a:spcAft>
+                <a:spcPts val="0"/>
+              </a:spcAft>
+              <a:buClr>
+                <a:srgbClr val="000000"/>
+              </a:buClr>
+              <a:buFont typeface="Arial"/>
+              <a:defRPr sz="1400" b="0" i="0" u="none" strike="noStrike" cap="none">
+                <a:solidFill>
+                  <a:srgbClr val="000000"/>
+                </a:solidFill>
+                <a:latin typeface="Arial"/>
+                <a:ea typeface="Arial"/>
+                <a:cs typeface="Arial"/>
+                <a:sym typeface="Arial"/>
+              </a:defRPr>
+            </a:lvl4pPr>
+            <a:lvl5pPr marR="0" lvl="4" algn="l" rtl="0">
+              <a:lnSpc>
+                <a:spcPct val="100000"/>
+              </a:lnSpc>
+              <a:spcBef>
+                <a:spcPts val="0"/>
+              </a:spcBef>
+              <a:spcAft>
+                <a:spcPts val="0"/>
+              </a:spcAft>
+              <a:buClr>
+                <a:srgbClr val="000000"/>
+              </a:buClr>
+              <a:buFont typeface="Arial"/>
+              <a:defRPr sz="1400" b="0" i="0" u="none" strike="noStrike" cap="none">
+                <a:solidFill>
+                  <a:srgbClr val="000000"/>
+                </a:solidFill>
+                <a:latin typeface="Arial"/>
+                <a:ea typeface="Arial"/>
+                <a:cs typeface="Arial"/>
+                <a:sym typeface="Arial"/>
+              </a:defRPr>
+            </a:lvl5pPr>
+            <a:lvl6pPr marR="0" lvl="5" algn="l" rtl="0">
+              <a:lnSpc>
+                <a:spcPct val="100000"/>
+              </a:lnSpc>
+              <a:spcBef>
+                <a:spcPts val="0"/>
+              </a:spcBef>
+              <a:spcAft>
+                <a:spcPts val="0"/>
+              </a:spcAft>
+              <a:buClr>
+                <a:srgbClr val="000000"/>
+              </a:buClr>
+              <a:buFont typeface="Arial"/>
+              <a:defRPr sz="1400" b="0" i="0" u="none" strike="noStrike" cap="none">
+                <a:solidFill>
+                  <a:srgbClr val="000000"/>
+                </a:solidFill>
+                <a:latin typeface="Arial"/>
+                <a:ea typeface="Arial"/>
+                <a:cs typeface="Arial"/>
+                <a:sym typeface="Arial"/>
+              </a:defRPr>
+            </a:lvl6pPr>
+            <a:lvl7pPr marR="0" lvl="6" algn="l" rtl="0">
+              <a:lnSpc>
+                <a:spcPct val="100000"/>
+              </a:lnSpc>
+              <a:spcBef>
+                <a:spcPts val="0"/>
+              </a:spcBef>
+              <a:spcAft>
+                <a:spcPts val="0"/>
+              </a:spcAft>
+              <a:buClr>
+                <a:srgbClr val="000000"/>
+              </a:buClr>
+              <a:buFont typeface="Arial"/>
+              <a:defRPr sz="1400" b="0" i="0" u="none" strike="noStrike" cap="none">
+                <a:solidFill>
+                  <a:srgbClr val="000000"/>
+                </a:solidFill>
+                <a:latin typeface="Arial"/>
+                <a:ea typeface="Arial"/>
+                <a:cs typeface="Arial"/>
+                <a:sym typeface="Arial"/>
+              </a:defRPr>
+            </a:lvl7pPr>
+            <a:lvl8pPr marR="0" lvl="7" algn="l" rtl="0">
+              <a:lnSpc>
+                <a:spcPct val="100000"/>
+              </a:lnSpc>
+              <a:spcBef>
+                <a:spcPts val="0"/>
+              </a:spcBef>
+              <a:spcAft>
+                <a:spcPts val="0"/>
+              </a:spcAft>
+              <a:buClr>
+                <a:srgbClr val="000000"/>
+              </a:buClr>
+              <a:buFont typeface="Arial"/>
+              <a:defRPr sz="1400" b="0" i="0" u="none" strike="noStrike" cap="none">
+                <a:solidFill>
+                  <a:srgbClr val="000000"/>
+                </a:solidFill>
+                <a:latin typeface="Arial"/>
+                <a:ea typeface="Arial"/>
+                <a:cs typeface="Arial"/>
+                <a:sym typeface="Arial"/>
+              </a:defRPr>
+            </a:lvl8pPr>
+            <a:lvl9pPr marR="0" lvl="8" algn="l" rtl="0">
+              <a:lnSpc>
+                <a:spcPct val="100000"/>
+              </a:lnSpc>
+              <a:spcBef>
+                <a:spcPts val="0"/>
+              </a:spcBef>
+              <a:spcAft>
+                <a:spcPts val="0"/>
+              </a:spcAft>
+              <a:buClr>
+                <a:srgbClr val="000000"/>
+              </a:buClr>
+              <a:buFont typeface="Arial"/>
+              <a:defRPr sz="1400" b="0" i="0" u="none" strike="noStrike" cap="none">
+                <a:solidFill>
+                  <a:srgbClr val="000000"/>
+                </a:solidFill>
+                <a:latin typeface="Arial"/>
+                <a:ea typeface="Arial"/>
+                <a:cs typeface="Arial"/>
+                <a:sym typeface="Arial"/>
+              </a:defRPr>
+            </a:lvl9pPr>
+          </a:lstStyle>
+          <a:p>
+            <a:pPr algn="ctr"/>
+            <a:r>
+              <a:rPr lang="es-ES" sz="1800" b="1" dirty="0"/>
+              <a:t>En el últimos 5 años a aumentado un 3% la desigualdad en México</a:t>
+            </a:r>
+          </a:p>
+        </p:txBody>
+      </p:sp>
+      <p:sp>
+        <p:nvSpPr>
+          <p:cNvPr id="7" name="Marcador de texto 7">
+            <a:extLst>
+              <a:ext uri="{FF2B5EF4-FFF2-40B4-BE49-F238E27FC236}">
+                <a16:creationId xmlns:a16="http://schemas.microsoft.com/office/drawing/2014/main" id="{864629AF-8462-4B8E-8D80-2FD8347EB66E}"/>
+              </a:ext>
+            </a:extLst>
+          </p:cNvPr>
+          <p:cNvSpPr txBox="1">
+            <a:spLocks/>
+          </p:cNvSpPr>
+          <p:nvPr/>
+        </p:nvSpPr>
+        <p:spPr>
+          <a:xfrm>
+            <a:off x="5923006" y="7003225"/>
+            <a:ext cx="8089552" cy="716700"/>
+          </a:xfrm>
+          <a:prstGeom prst="rect">
+            <a:avLst/>
+          </a:prstGeom>
+        </p:spPr>
+        <p:txBody>
+          <a:bodyPr rtlCol="0"/>
+          <a:lstStyle>
+            <a:defPPr marR="0" lvl="0" algn="l" rtl="0">
+              <a:lnSpc>
+                <a:spcPct val="100000"/>
+              </a:lnSpc>
+              <a:spcBef>
+                <a:spcPts val="0"/>
+              </a:spcBef>
+              <a:spcAft>
+                <a:spcPts val="0"/>
+              </a:spcAft>
+            </a:defPPr>
+            <a:lvl1pPr marR="0" lvl="0" algn="l" rtl="0">
+              <a:lnSpc>
+                <a:spcPct val="100000"/>
+              </a:lnSpc>
+              <a:spcBef>
+                <a:spcPts val="0"/>
+              </a:spcBef>
+              <a:spcAft>
+                <a:spcPts val="0"/>
+              </a:spcAft>
+              <a:buClr>
+                <a:srgbClr val="000000"/>
+              </a:buClr>
+              <a:buFont typeface="Arial"/>
+              <a:defRPr sz="1400" b="0" i="0" u="none" strike="noStrike" cap="none">
+                <a:solidFill>
+                  <a:srgbClr val="000000"/>
+                </a:solidFill>
+                <a:latin typeface="Arial"/>
+                <a:ea typeface="Arial"/>
+                <a:cs typeface="Arial"/>
+                <a:sym typeface="Arial"/>
+              </a:defRPr>
+            </a:lvl1pPr>
+            <a:lvl2pPr marR="0" lvl="1" algn="l" rtl="0">
+              <a:lnSpc>
+                <a:spcPct val="100000"/>
+              </a:lnSpc>
+              <a:spcBef>
+                <a:spcPts val="0"/>
+              </a:spcBef>
+              <a:spcAft>
+                <a:spcPts val="0"/>
+              </a:spcAft>
+              <a:buClr>
+                <a:srgbClr val="000000"/>
+              </a:buClr>
+              <a:buFont typeface="Arial"/>
+              <a:defRPr sz="1400" b="0" i="0" u="none" strike="noStrike" cap="none">
+                <a:solidFill>
+                  <a:srgbClr val="000000"/>
+                </a:solidFill>
+                <a:latin typeface="Arial"/>
+                <a:ea typeface="Arial"/>
+                <a:cs typeface="Arial"/>
+                <a:sym typeface="Arial"/>
+              </a:defRPr>
+            </a:lvl2pPr>
+            <a:lvl3pPr marR="0" lvl="2" algn="l" rtl="0">
+              <a:lnSpc>
+                <a:spcPct val="100000"/>
+              </a:lnSpc>
+              <a:spcBef>
+                <a:spcPts val="0"/>
+              </a:spcBef>
+              <a:spcAft>
+                <a:spcPts val="0"/>
+              </a:spcAft>
+              <a:buClr>
+                <a:srgbClr val="000000"/>
+              </a:buClr>
+              <a:buFont typeface="Arial"/>
+              <a:defRPr sz="1400" b="0" i="0" u="none" strike="noStrike" cap="none">
+                <a:solidFill>
+                  <a:srgbClr val="000000"/>
+                </a:solidFill>
+                <a:latin typeface="Arial"/>
+                <a:ea typeface="Arial"/>
+                <a:cs typeface="Arial"/>
+                <a:sym typeface="Arial"/>
+              </a:defRPr>
+            </a:lvl3pPr>
+            <a:lvl4pPr marR="0" lvl="3" algn="l" rtl="0">
+              <a:lnSpc>
+                <a:spcPct val="100000"/>
+              </a:lnSpc>
+              <a:spcBef>
+                <a:spcPts val="0"/>
+              </a:spcBef>
+              <a:spcAft>
+                <a:spcPts val="0"/>
+              </a:spcAft>
+              <a:buClr>
+                <a:srgbClr val="000000"/>
+              </a:buClr>
+              <a:buFont typeface="Arial"/>
+              <a:defRPr sz="1400" b="0" i="0" u="none" strike="noStrike" cap="none">
+                <a:solidFill>
+                  <a:srgbClr val="000000"/>
+                </a:solidFill>
+                <a:latin typeface="Arial"/>
+                <a:ea typeface="Arial"/>
+                <a:cs typeface="Arial"/>
+                <a:sym typeface="Arial"/>
+              </a:defRPr>
+            </a:lvl4pPr>
+            <a:lvl5pPr marR="0" lvl="4" algn="l" rtl="0">
+              <a:lnSpc>
+                <a:spcPct val="100000"/>
+              </a:lnSpc>
+              <a:spcBef>
+                <a:spcPts val="0"/>
+              </a:spcBef>
+              <a:spcAft>
+                <a:spcPts val="0"/>
+              </a:spcAft>
+              <a:buClr>
+                <a:srgbClr val="000000"/>
+              </a:buClr>
+              <a:buFont typeface="Arial"/>
+              <a:defRPr sz="1400" b="0" i="0" u="none" strike="noStrike" cap="none">
+                <a:solidFill>
+                  <a:srgbClr val="000000"/>
+                </a:solidFill>
+                <a:latin typeface="Arial"/>
+                <a:ea typeface="Arial"/>
+                <a:cs typeface="Arial"/>
+                <a:sym typeface="Arial"/>
+              </a:defRPr>
+            </a:lvl5pPr>
+            <a:lvl6pPr marR="0" lvl="5" algn="l" rtl="0">
+              <a:lnSpc>
+                <a:spcPct val="100000"/>
+              </a:lnSpc>
+              <a:spcBef>
+                <a:spcPts val="0"/>
+              </a:spcBef>
+              <a:spcAft>
+                <a:spcPts val="0"/>
+              </a:spcAft>
+              <a:buClr>
+                <a:srgbClr val="000000"/>
+              </a:buClr>
+              <a:buFont typeface="Arial"/>
+              <a:defRPr sz="1400" b="0" i="0" u="none" strike="noStrike" cap="none">
+                <a:solidFill>
+                  <a:srgbClr val="000000"/>
+                </a:solidFill>
+                <a:latin typeface="Arial"/>
+                <a:ea typeface="Arial"/>
+                <a:cs typeface="Arial"/>
+                <a:sym typeface="Arial"/>
+              </a:defRPr>
+            </a:lvl6pPr>
+            <a:lvl7pPr marR="0" lvl="6" algn="l" rtl="0">
+              <a:lnSpc>
+                <a:spcPct val="100000"/>
+              </a:lnSpc>
+              <a:spcBef>
+                <a:spcPts val="0"/>
+              </a:spcBef>
+              <a:spcAft>
+                <a:spcPts val="0"/>
+              </a:spcAft>
+              <a:buClr>
+                <a:srgbClr val="000000"/>
+              </a:buClr>
+              <a:buFont typeface="Arial"/>
+              <a:defRPr sz="1400" b="0" i="0" u="none" strike="noStrike" cap="none">
+                <a:solidFill>
+                  <a:srgbClr val="000000"/>
+                </a:solidFill>
+                <a:latin typeface="Arial"/>
+                <a:ea typeface="Arial"/>
+                <a:cs typeface="Arial"/>
+                <a:sym typeface="Arial"/>
+              </a:defRPr>
+            </a:lvl7pPr>
+            <a:lvl8pPr marR="0" lvl="7" algn="l" rtl="0">
+              <a:lnSpc>
+                <a:spcPct val="100000"/>
+              </a:lnSpc>
+              <a:spcBef>
+                <a:spcPts val="0"/>
+              </a:spcBef>
+              <a:spcAft>
+                <a:spcPts val="0"/>
+              </a:spcAft>
+              <a:buClr>
+                <a:srgbClr val="000000"/>
+              </a:buClr>
+              <a:buFont typeface="Arial"/>
+              <a:defRPr sz="1400" b="0" i="0" u="none" strike="noStrike" cap="none">
+                <a:solidFill>
+                  <a:srgbClr val="000000"/>
+                </a:solidFill>
+                <a:latin typeface="Arial"/>
+                <a:ea typeface="Arial"/>
+                <a:cs typeface="Arial"/>
+                <a:sym typeface="Arial"/>
+              </a:defRPr>
+            </a:lvl8pPr>
+            <a:lvl9pPr marR="0" lvl="8" algn="l" rtl="0">
+              <a:lnSpc>
+                <a:spcPct val="100000"/>
+              </a:lnSpc>
+              <a:spcBef>
+                <a:spcPts val="0"/>
+              </a:spcBef>
+              <a:spcAft>
+                <a:spcPts val="0"/>
+              </a:spcAft>
+              <a:buClr>
+                <a:srgbClr val="000000"/>
+              </a:buClr>
+              <a:buFont typeface="Arial"/>
+              <a:defRPr sz="1400" b="0" i="0" u="none" strike="noStrike" cap="none">
+                <a:solidFill>
+                  <a:srgbClr val="000000"/>
+                </a:solidFill>
+                <a:latin typeface="Arial"/>
+                <a:ea typeface="Arial"/>
+                <a:cs typeface="Arial"/>
+                <a:sym typeface="Arial"/>
+              </a:defRPr>
+            </a:lvl9pPr>
+          </a:lstStyle>
+          <a:p>
+            <a:pPr algn="ctr"/>
+            <a:r>
+              <a:rPr lang="es-ES" dirty="0"/>
+              <a:t>*El coeficiente de Gini compara la diferencia entre los extremos de la distribución de ingresos y compara el ingreso promedio de la población más vulnerable con la población de mayor ingreso</a:t>
+            </a:r>
+          </a:p>
+        </p:txBody>
+      </p:sp>
+      <p:pic>
+        <p:nvPicPr>
+          <p:cNvPr id="1033" name="Picture 9">
+            <a:extLst>
+              <a:ext uri="{FF2B5EF4-FFF2-40B4-BE49-F238E27FC236}">
+                <a16:creationId xmlns:a16="http://schemas.microsoft.com/office/drawing/2014/main" id="{C7238DE9-1126-450D-B31A-1858615C4441}"/>
+              </a:ext>
+            </a:extLst>
+          </p:cNvPr>
+          <p:cNvPicPr>
+            <a:picLocks noChangeAspect="1" noChangeArrowheads="1"/>
+          </p:cNvPicPr>
+          <p:nvPr/>
+        </p:nvPicPr>
+        <p:blipFill>
+          <a:blip r:embed="rId6">
+            <a:extLst>
+              <a:ext uri="{28A0092B-C50C-407E-A947-70E740481C1C}">
+                <a14:useLocalDpi xmlns:a14="http://schemas.microsoft.com/office/drawing/2010/main" val="0"/>
+              </a:ext>
+            </a:extLst>
+          </a:blip>
+          <a:srcRect/>
+          <a:stretch>
+            <a:fillRect/>
+          </a:stretch>
+        </p:blipFill>
+        <p:spPr bwMode="auto">
+          <a:xfrm>
+            <a:off x="7733899" y="2216822"/>
+            <a:ext cx="5736977" cy="3788570"/>
+          </a:xfrm>
+          <a:prstGeom prst="rect">
+            <a:avLst/>
+          </a:prstGeom>
+          <a:noFill/>
+          <a:extLst>
+            <a:ext uri="{909E8E84-426E-40DD-AFC4-6F175D3DCCD1}">
+              <a14:hiddenFill xmlns:a14="http://schemas.microsoft.com/office/drawing/2010/main">
+                <a:solidFill>
+                  <a:srgbClr val="FFFFFF"/>
+                </a:solidFill>
+              </a14:hiddenFill>
+            </a:ext>
+          </a:extLst>
+        </p:spPr>
+      </p:pic>
+      <p:sp>
+        <p:nvSpPr>
+          <p:cNvPr id="8" name="Diagrama de flujo: conector 7">
+            <a:extLst>
+              <a:ext uri="{FF2B5EF4-FFF2-40B4-BE49-F238E27FC236}">
+                <a16:creationId xmlns:a16="http://schemas.microsoft.com/office/drawing/2014/main" id="{7A131B83-1346-4876-9943-A69A8F05F07A}"/>
+              </a:ext>
+            </a:extLst>
+          </p:cNvPr>
+          <p:cNvSpPr/>
+          <p:nvPr/>
+        </p:nvSpPr>
+        <p:spPr>
+          <a:xfrm>
+            <a:off x="1522567" y="4353880"/>
+            <a:ext cx="2210051" cy="1937317"/>
+          </a:xfrm>
+          <a:prstGeom prst="flowChartConnector">
+            <a:avLst/>
+          </a:prstGeom>
+          <a:solidFill>
+            <a:schemeClr val="bg1">
+              <a:lumMod val="85000"/>
+            </a:schemeClr>
+          </a:solidFill>
+          <a:ln>
+            <a:noFill/>
+          </a:ln>
+        </p:spPr>
+        <p:style>
+          <a:lnRef idx="2">
+            <a:schemeClr val="accent1">
+              <a:shade val="50000"/>
+            </a:schemeClr>
+          </a:lnRef>
+          <a:fillRef idx="1">
+            <a:schemeClr val="accent1"/>
+          </a:fillRef>
+          <a:effectRef idx="0">
+            <a:schemeClr val="accent1"/>
+          </a:effectRef>
+          <a:fontRef idx="minor">
+            <a:schemeClr val="lt1"/>
+          </a:fontRef>
+        </p:style>
+        <p:txBody>
+          <a:bodyPr rtlCol="0" anchor="ctr"/>
+          <a:lstStyle/>
+          <a:p>
+            <a:pPr algn="ctr"/>
+            <a:r>
+              <a:rPr lang="es-MX" sz="4400" b="1" dirty="0">
+                <a:solidFill>
+                  <a:srgbClr val="0D017F"/>
+                </a:solidFill>
+              </a:rPr>
+              <a:t>41%</a:t>
+            </a:r>
+          </a:p>
+        </p:txBody>
+      </p:sp>
+      <p:sp>
+        <p:nvSpPr>
+          <p:cNvPr id="9" name="Diagrama de flujo: conector 8">
+            <a:extLst>
+              <a:ext uri="{FF2B5EF4-FFF2-40B4-BE49-F238E27FC236}">
+                <a16:creationId xmlns:a16="http://schemas.microsoft.com/office/drawing/2014/main" id="{CADD3414-8BF6-418C-B703-3347023A93C9}"/>
+              </a:ext>
+            </a:extLst>
+          </p:cNvPr>
+          <p:cNvSpPr/>
+          <p:nvPr/>
+        </p:nvSpPr>
+        <p:spPr>
+          <a:xfrm>
+            <a:off x="4751892" y="4333468"/>
+            <a:ext cx="2210051" cy="1937317"/>
+          </a:xfrm>
+          <a:prstGeom prst="flowChartConnector">
+            <a:avLst/>
+          </a:prstGeom>
+          <a:solidFill>
+            <a:schemeClr val="bg1">
+              <a:lumMod val="85000"/>
+            </a:schemeClr>
+          </a:solidFill>
+          <a:ln>
+            <a:noFill/>
+          </a:ln>
+        </p:spPr>
+        <p:style>
+          <a:lnRef idx="2">
+            <a:schemeClr val="accent1">
+              <a:shade val="50000"/>
+            </a:schemeClr>
+          </a:lnRef>
+          <a:fillRef idx="1">
+            <a:schemeClr val="accent1"/>
+          </a:fillRef>
+          <a:effectRef idx="0">
+            <a:schemeClr val="accent1"/>
+          </a:effectRef>
+          <a:fontRef idx="minor">
+            <a:schemeClr val="lt1"/>
+          </a:fontRef>
+        </p:style>
+        <p:txBody>
+          <a:bodyPr rtlCol="0" anchor="ctr"/>
+          <a:lstStyle/>
+          <a:p>
+            <a:pPr algn="ctr"/>
+            <a:r>
+              <a:rPr lang="es-MX" sz="4400" b="1" dirty="0">
+                <a:solidFill>
+                  <a:srgbClr val="0D017F"/>
+                </a:solidFill>
+              </a:rPr>
+              <a:t>53%</a:t>
+            </a:r>
+          </a:p>
+        </p:txBody>
+      </p:sp>
+      <p:pic>
+        <p:nvPicPr>
+          <p:cNvPr id="1035" name="Picture 11" descr="Bandera de México - Wikipedia, la enciclopedia libre">
+            <a:extLst>
+              <a:ext uri="{FF2B5EF4-FFF2-40B4-BE49-F238E27FC236}">
+                <a16:creationId xmlns:a16="http://schemas.microsoft.com/office/drawing/2014/main" id="{52E51A94-1746-49F1-B80E-92F102A381C4}"/>
+              </a:ext>
+            </a:extLst>
+          </p:cNvPr>
+          <p:cNvPicPr>
+            <a:picLocks noChangeAspect="1" noChangeArrowheads="1"/>
+          </p:cNvPicPr>
+          <p:nvPr/>
+        </p:nvPicPr>
+        <p:blipFill>
+          <a:blip r:embed="rId7">
+            <a:extLst>
+              <a:ext uri="{28A0092B-C50C-407E-A947-70E740481C1C}">
+                <a14:useLocalDpi xmlns:a14="http://schemas.microsoft.com/office/drawing/2010/main" val="0"/>
+              </a:ext>
+            </a:extLst>
+          </a:blip>
+          <a:srcRect/>
+          <a:stretch>
+            <a:fillRect/>
+          </a:stretch>
+        </p:blipFill>
+        <p:spPr bwMode="auto">
+          <a:xfrm>
+            <a:off x="1643747" y="1664954"/>
+            <a:ext cx="1430575" cy="818848"/>
+          </a:xfrm>
+          <a:prstGeom prst="rect">
+            <a:avLst/>
+          </a:prstGeom>
+          <a:noFill/>
+          <a:extLst>
+            <a:ext uri="{909E8E84-426E-40DD-AFC4-6F175D3DCCD1}">
+              <a14:hiddenFill xmlns:a14="http://schemas.microsoft.com/office/drawing/2010/main">
+                <a:solidFill>
+                  <a:srgbClr val="FFFFFF"/>
+                </a:solidFill>
+              </a14:hiddenFill>
+            </a:ext>
+          </a:extLst>
+        </p:spPr>
+      </p:pic>
+      <p:pic>
+        <p:nvPicPr>
+          <p:cNvPr id="1037" name="Picture 13" descr="Bandera de los Estados Unidos - Wikipedia, la enciclopedia libre">
+            <a:extLst>
+              <a:ext uri="{FF2B5EF4-FFF2-40B4-BE49-F238E27FC236}">
+                <a16:creationId xmlns:a16="http://schemas.microsoft.com/office/drawing/2014/main" id="{764657C0-4A7C-48D8-96C9-33160B3492C8}"/>
+              </a:ext>
+            </a:extLst>
+          </p:cNvPr>
+          <p:cNvPicPr>
+            <a:picLocks noChangeAspect="1" noChangeArrowheads="1"/>
+          </p:cNvPicPr>
+          <p:nvPr/>
+        </p:nvPicPr>
+        <p:blipFill>
+          <a:blip r:embed="rId8">
+            <a:extLst>
+              <a:ext uri="{28A0092B-C50C-407E-A947-70E740481C1C}">
+                <a14:useLocalDpi xmlns:a14="http://schemas.microsoft.com/office/drawing/2010/main" val="0"/>
+              </a:ext>
+            </a:extLst>
+          </a:blip>
+          <a:srcRect/>
+          <a:stretch>
+            <a:fillRect/>
+          </a:stretch>
+        </p:blipFill>
+        <p:spPr bwMode="auto">
+          <a:xfrm>
+            <a:off x="730809" y="3867267"/>
+            <a:ext cx="1309349" cy="688464"/>
+          </a:xfrm>
+          <a:prstGeom prst="rect">
+            <a:avLst/>
+          </a:prstGeom>
+          <a:noFill/>
+          <a:extLst>
+            <a:ext uri="{909E8E84-426E-40DD-AFC4-6F175D3DCCD1}">
+              <a14:hiddenFill xmlns:a14="http://schemas.microsoft.com/office/drawing/2010/main">
+                <a:solidFill>
+                  <a:srgbClr val="FFFFFF"/>
+                </a:solidFill>
+              </a14:hiddenFill>
+            </a:ext>
+          </a:extLst>
+        </p:spPr>
+      </p:pic>
+      <p:pic>
+        <p:nvPicPr>
+          <p:cNvPr id="1039" name="Picture 15" descr="Bandera de la República Federativa de Brasil en Raso de Alta Calidad">
+            <a:extLst>
+              <a:ext uri="{FF2B5EF4-FFF2-40B4-BE49-F238E27FC236}">
+                <a16:creationId xmlns:a16="http://schemas.microsoft.com/office/drawing/2014/main" id="{EEAA50EC-D885-49F9-9B33-60085C45DBBD}"/>
+              </a:ext>
+            </a:extLst>
+          </p:cNvPr>
+          <p:cNvPicPr>
+            <a:picLocks noChangeAspect="1" noChangeArrowheads="1"/>
+          </p:cNvPicPr>
+          <p:nvPr/>
+        </p:nvPicPr>
+        <p:blipFill rotWithShape="1">
+          <a:blip r:embed="rId9">
+            <a:extLst>
+              <a:ext uri="{28A0092B-C50C-407E-A947-70E740481C1C}">
+                <a14:useLocalDpi xmlns:a14="http://schemas.microsoft.com/office/drawing/2010/main" val="0"/>
+              </a:ext>
+            </a:extLst>
+          </a:blip>
+          <a:srcRect t="25791" r="1199" b="26837"/>
+          <a:stretch/>
+        </p:blipFill>
+        <p:spPr bwMode="auto">
+          <a:xfrm>
+            <a:off x="3992687" y="3623004"/>
+            <a:ext cx="1339291" cy="986276"/>
+          </a:xfrm>
+          <a:prstGeom prst="rect">
+            <a:avLst/>
+          </a:prstGeom>
+          <a:noFill/>
+          <a:extLst>
+            <a:ext uri="{909E8E84-426E-40DD-AFC4-6F175D3DCCD1}">
+              <a14:hiddenFill xmlns:a14="http://schemas.microsoft.com/office/drawing/2010/main">
+                <a:solidFill>
+                  <a:srgbClr val="FFFFFF"/>
+                </a:solidFill>
+              </a14:hiddenFill>
+            </a:ext>
+          </a:extLst>
+        </p:spPr>
       </p:pic>
     </p:spTree>
     <p:extLst>
       <p:ext uri="{BB962C8B-B14F-4D97-AF65-F5344CB8AC3E}">
-        <p14:creationId xmlns:p14="http://schemas.microsoft.com/office/powerpoint/2010/main" val="2769952534"/>
+        <p14:creationId xmlns:p14="http://schemas.microsoft.com/office/powerpoint/2010/main" val="3138455998"/>
       </p:ext>
     </p:extLst>
   </p:cSld>
@@ -12708,7 +12995,7 @@
                 <a:cs typeface="Montserrat"/>
                 <a:sym typeface="Montserrat"/>
               </a:rPr>
-              <a:t>Evolución del Nivel de Pobreza</a:t>
+              <a:t>Evolución nivel de Marginación</a:t>
             </a:r>
             <a:endParaRPr sz="4000" b="0" i="0" u="none" strike="noStrike" cap="none" dirty="0">
               <a:solidFill>
@@ -12776,10 +13063,584 @@
           </a:ln>
         </p:spPr>
       </p:pic>
+      <p:pic>
+        <p:nvPicPr>
+          <p:cNvPr id="2050" name="Picture 2">
+            <a:extLst>
+              <a:ext uri="{FF2B5EF4-FFF2-40B4-BE49-F238E27FC236}">
+                <a16:creationId xmlns:a16="http://schemas.microsoft.com/office/drawing/2014/main" id="{D5DFC015-356A-4788-B2C8-0EBA31DFB636}"/>
+              </a:ext>
+            </a:extLst>
+          </p:cNvPr>
+          <p:cNvPicPr>
+            <a:picLocks noChangeAspect="1" noChangeArrowheads="1"/>
+          </p:cNvPicPr>
+          <p:nvPr/>
+        </p:nvPicPr>
+        <p:blipFill>
+          <a:blip r:embed="rId6">
+            <a:extLst>
+              <a:ext uri="{28A0092B-C50C-407E-A947-70E740481C1C}">
+                <a14:useLocalDpi xmlns:a14="http://schemas.microsoft.com/office/drawing/2010/main" val="0"/>
+              </a:ext>
+            </a:extLst>
+          </a:blip>
+          <a:srcRect/>
+          <a:stretch>
+            <a:fillRect/>
+          </a:stretch>
+        </p:blipFill>
+        <p:spPr bwMode="auto">
+          <a:xfrm>
+            <a:off x="5926813" y="1549493"/>
+            <a:ext cx="6852310" cy="4822638"/>
+          </a:xfrm>
+          <a:prstGeom prst="rect">
+            <a:avLst/>
+          </a:prstGeom>
+          <a:noFill/>
+          <a:extLst>
+            <a:ext uri="{909E8E84-426E-40DD-AFC4-6F175D3DCCD1}">
+              <a14:hiddenFill xmlns:a14="http://schemas.microsoft.com/office/drawing/2010/main">
+                <a:solidFill>
+                  <a:srgbClr val="FFFFFF"/>
+                </a:solidFill>
+              </a14:hiddenFill>
+            </a:ext>
+          </a:extLst>
+        </p:spPr>
+      </p:pic>
+      <p:sp>
+        <p:nvSpPr>
+          <p:cNvPr id="2" name="Marcador de texto 7">
+            <a:extLst>
+              <a:ext uri="{FF2B5EF4-FFF2-40B4-BE49-F238E27FC236}">
+                <a16:creationId xmlns:a16="http://schemas.microsoft.com/office/drawing/2014/main" id="{312FC5E5-427B-4BA3-BD76-DDDA0E13B919}"/>
+              </a:ext>
+            </a:extLst>
+          </p:cNvPr>
+          <p:cNvSpPr txBox="1">
+            <a:spLocks/>
+          </p:cNvSpPr>
+          <p:nvPr/>
+        </p:nvSpPr>
+        <p:spPr>
+          <a:xfrm>
+            <a:off x="498500" y="2705850"/>
+            <a:ext cx="3996201" cy="716700"/>
+          </a:xfrm>
+          <a:prstGeom prst="rect">
+            <a:avLst/>
+          </a:prstGeom>
+        </p:spPr>
+        <p:txBody>
+          <a:bodyPr rtlCol="0"/>
+          <a:lstStyle>
+            <a:defPPr marR="0" lvl="0" algn="l" rtl="0">
+              <a:lnSpc>
+                <a:spcPct val="100000"/>
+              </a:lnSpc>
+              <a:spcBef>
+                <a:spcPts val="0"/>
+              </a:spcBef>
+              <a:spcAft>
+                <a:spcPts val="0"/>
+              </a:spcAft>
+            </a:defPPr>
+            <a:lvl1pPr marR="0" lvl="0" algn="l" rtl="0">
+              <a:lnSpc>
+                <a:spcPct val="100000"/>
+              </a:lnSpc>
+              <a:spcBef>
+                <a:spcPts val="0"/>
+              </a:spcBef>
+              <a:spcAft>
+                <a:spcPts val="0"/>
+              </a:spcAft>
+              <a:buClr>
+                <a:srgbClr val="000000"/>
+              </a:buClr>
+              <a:buFont typeface="Arial"/>
+              <a:defRPr sz="1400" b="0" i="0" u="none" strike="noStrike" cap="none">
+                <a:solidFill>
+                  <a:srgbClr val="000000"/>
+                </a:solidFill>
+                <a:latin typeface="Arial"/>
+                <a:ea typeface="Arial"/>
+                <a:cs typeface="Arial"/>
+                <a:sym typeface="Arial"/>
+              </a:defRPr>
+            </a:lvl1pPr>
+            <a:lvl2pPr marR="0" lvl="1" algn="l" rtl="0">
+              <a:lnSpc>
+                <a:spcPct val="100000"/>
+              </a:lnSpc>
+              <a:spcBef>
+                <a:spcPts val="0"/>
+              </a:spcBef>
+              <a:spcAft>
+                <a:spcPts val="0"/>
+              </a:spcAft>
+              <a:buClr>
+                <a:srgbClr val="000000"/>
+              </a:buClr>
+              <a:buFont typeface="Arial"/>
+              <a:defRPr sz="1400" b="0" i="0" u="none" strike="noStrike" cap="none">
+                <a:solidFill>
+                  <a:srgbClr val="000000"/>
+                </a:solidFill>
+                <a:latin typeface="Arial"/>
+                <a:ea typeface="Arial"/>
+                <a:cs typeface="Arial"/>
+                <a:sym typeface="Arial"/>
+              </a:defRPr>
+            </a:lvl2pPr>
+            <a:lvl3pPr marR="0" lvl="2" algn="l" rtl="0">
+              <a:lnSpc>
+                <a:spcPct val="100000"/>
+              </a:lnSpc>
+              <a:spcBef>
+                <a:spcPts val="0"/>
+              </a:spcBef>
+              <a:spcAft>
+                <a:spcPts val="0"/>
+              </a:spcAft>
+              <a:buClr>
+                <a:srgbClr val="000000"/>
+              </a:buClr>
+              <a:buFont typeface="Arial"/>
+              <a:defRPr sz="1400" b="0" i="0" u="none" strike="noStrike" cap="none">
+                <a:solidFill>
+                  <a:srgbClr val="000000"/>
+                </a:solidFill>
+                <a:latin typeface="Arial"/>
+                <a:ea typeface="Arial"/>
+                <a:cs typeface="Arial"/>
+                <a:sym typeface="Arial"/>
+              </a:defRPr>
+            </a:lvl3pPr>
+            <a:lvl4pPr marR="0" lvl="3" algn="l" rtl="0">
+              <a:lnSpc>
+                <a:spcPct val="100000"/>
+              </a:lnSpc>
+              <a:spcBef>
+                <a:spcPts val="0"/>
+              </a:spcBef>
+              <a:spcAft>
+                <a:spcPts val="0"/>
+              </a:spcAft>
+              <a:buClr>
+                <a:srgbClr val="000000"/>
+              </a:buClr>
+              <a:buFont typeface="Arial"/>
+              <a:defRPr sz="1400" b="0" i="0" u="none" strike="noStrike" cap="none">
+                <a:solidFill>
+                  <a:srgbClr val="000000"/>
+                </a:solidFill>
+                <a:latin typeface="Arial"/>
+                <a:ea typeface="Arial"/>
+                <a:cs typeface="Arial"/>
+                <a:sym typeface="Arial"/>
+              </a:defRPr>
+            </a:lvl4pPr>
+            <a:lvl5pPr marR="0" lvl="4" algn="l" rtl="0">
+              <a:lnSpc>
+                <a:spcPct val="100000"/>
+              </a:lnSpc>
+              <a:spcBef>
+                <a:spcPts val="0"/>
+              </a:spcBef>
+              <a:spcAft>
+                <a:spcPts val="0"/>
+              </a:spcAft>
+              <a:buClr>
+                <a:srgbClr val="000000"/>
+              </a:buClr>
+              <a:buFont typeface="Arial"/>
+              <a:defRPr sz="1400" b="0" i="0" u="none" strike="noStrike" cap="none">
+                <a:solidFill>
+                  <a:srgbClr val="000000"/>
+                </a:solidFill>
+                <a:latin typeface="Arial"/>
+                <a:ea typeface="Arial"/>
+                <a:cs typeface="Arial"/>
+                <a:sym typeface="Arial"/>
+              </a:defRPr>
+            </a:lvl5pPr>
+            <a:lvl6pPr marR="0" lvl="5" algn="l" rtl="0">
+              <a:lnSpc>
+                <a:spcPct val="100000"/>
+              </a:lnSpc>
+              <a:spcBef>
+                <a:spcPts val="0"/>
+              </a:spcBef>
+              <a:spcAft>
+                <a:spcPts val="0"/>
+              </a:spcAft>
+              <a:buClr>
+                <a:srgbClr val="000000"/>
+              </a:buClr>
+              <a:buFont typeface="Arial"/>
+              <a:defRPr sz="1400" b="0" i="0" u="none" strike="noStrike" cap="none">
+                <a:solidFill>
+                  <a:srgbClr val="000000"/>
+                </a:solidFill>
+                <a:latin typeface="Arial"/>
+                <a:ea typeface="Arial"/>
+                <a:cs typeface="Arial"/>
+                <a:sym typeface="Arial"/>
+              </a:defRPr>
+            </a:lvl6pPr>
+            <a:lvl7pPr marR="0" lvl="6" algn="l" rtl="0">
+              <a:lnSpc>
+                <a:spcPct val="100000"/>
+              </a:lnSpc>
+              <a:spcBef>
+                <a:spcPts val="0"/>
+              </a:spcBef>
+              <a:spcAft>
+                <a:spcPts val="0"/>
+              </a:spcAft>
+              <a:buClr>
+                <a:srgbClr val="000000"/>
+              </a:buClr>
+              <a:buFont typeface="Arial"/>
+              <a:defRPr sz="1400" b="0" i="0" u="none" strike="noStrike" cap="none">
+                <a:solidFill>
+                  <a:srgbClr val="000000"/>
+                </a:solidFill>
+                <a:latin typeface="Arial"/>
+                <a:ea typeface="Arial"/>
+                <a:cs typeface="Arial"/>
+                <a:sym typeface="Arial"/>
+              </a:defRPr>
+            </a:lvl7pPr>
+            <a:lvl8pPr marR="0" lvl="7" algn="l" rtl="0">
+              <a:lnSpc>
+                <a:spcPct val="100000"/>
+              </a:lnSpc>
+              <a:spcBef>
+                <a:spcPts val="0"/>
+              </a:spcBef>
+              <a:spcAft>
+                <a:spcPts val="0"/>
+              </a:spcAft>
+              <a:buClr>
+                <a:srgbClr val="000000"/>
+              </a:buClr>
+              <a:buFont typeface="Arial"/>
+              <a:defRPr sz="1400" b="0" i="0" u="none" strike="noStrike" cap="none">
+                <a:solidFill>
+                  <a:srgbClr val="000000"/>
+                </a:solidFill>
+                <a:latin typeface="Arial"/>
+                <a:ea typeface="Arial"/>
+                <a:cs typeface="Arial"/>
+                <a:sym typeface="Arial"/>
+              </a:defRPr>
+            </a:lvl8pPr>
+            <a:lvl9pPr marR="0" lvl="8" algn="l" rtl="0">
+              <a:lnSpc>
+                <a:spcPct val="100000"/>
+              </a:lnSpc>
+              <a:spcBef>
+                <a:spcPts val="0"/>
+              </a:spcBef>
+              <a:spcAft>
+                <a:spcPts val="0"/>
+              </a:spcAft>
+              <a:buClr>
+                <a:srgbClr val="000000"/>
+              </a:buClr>
+              <a:buFont typeface="Arial"/>
+              <a:defRPr sz="1400" b="0" i="0" u="none" strike="noStrike" cap="none">
+                <a:solidFill>
+                  <a:srgbClr val="000000"/>
+                </a:solidFill>
+                <a:latin typeface="Arial"/>
+                <a:ea typeface="Arial"/>
+                <a:cs typeface="Arial"/>
+                <a:sym typeface="Arial"/>
+              </a:defRPr>
+            </a:lvl9pPr>
+          </a:lstStyle>
+          <a:p>
+            <a:pPr algn="ctr"/>
+            <a:endParaRPr lang="es-ES" sz="1800" b="1" dirty="0"/>
+          </a:p>
+        </p:txBody>
+      </p:sp>
+      <p:sp>
+        <p:nvSpPr>
+          <p:cNvPr id="3" name="Marcador de texto 7">
+            <a:extLst>
+              <a:ext uri="{FF2B5EF4-FFF2-40B4-BE49-F238E27FC236}">
+                <a16:creationId xmlns:a16="http://schemas.microsoft.com/office/drawing/2014/main" id="{097837D9-4662-4F89-81B7-AEBAE1BC4138}"/>
+              </a:ext>
+            </a:extLst>
+          </p:cNvPr>
+          <p:cNvSpPr txBox="1">
+            <a:spLocks/>
+          </p:cNvSpPr>
+          <p:nvPr/>
+        </p:nvSpPr>
+        <p:spPr>
+          <a:xfrm>
+            <a:off x="745534" y="2236966"/>
+            <a:ext cx="3996201" cy="3027012"/>
+          </a:xfrm>
+          <a:prstGeom prst="rect">
+            <a:avLst/>
+          </a:prstGeom>
+        </p:spPr>
+        <p:txBody>
+          <a:bodyPr rtlCol="0"/>
+          <a:lstStyle>
+            <a:defPPr marR="0" lvl="0" algn="l" rtl="0">
+              <a:lnSpc>
+                <a:spcPct val="100000"/>
+              </a:lnSpc>
+              <a:spcBef>
+                <a:spcPts val="0"/>
+              </a:spcBef>
+              <a:spcAft>
+                <a:spcPts val="0"/>
+              </a:spcAft>
+            </a:defPPr>
+            <a:lvl1pPr marR="0" lvl="0" algn="l" rtl="0">
+              <a:lnSpc>
+                <a:spcPct val="100000"/>
+              </a:lnSpc>
+              <a:spcBef>
+                <a:spcPts val="0"/>
+              </a:spcBef>
+              <a:spcAft>
+                <a:spcPts val="0"/>
+              </a:spcAft>
+              <a:buClr>
+                <a:srgbClr val="000000"/>
+              </a:buClr>
+              <a:buFont typeface="Arial"/>
+              <a:defRPr sz="1400" b="0" i="0" u="none" strike="noStrike" cap="none">
+                <a:solidFill>
+                  <a:srgbClr val="000000"/>
+                </a:solidFill>
+                <a:latin typeface="Arial"/>
+                <a:ea typeface="Arial"/>
+                <a:cs typeface="Arial"/>
+                <a:sym typeface="Arial"/>
+              </a:defRPr>
+            </a:lvl1pPr>
+            <a:lvl2pPr marR="0" lvl="1" algn="l" rtl="0">
+              <a:lnSpc>
+                <a:spcPct val="100000"/>
+              </a:lnSpc>
+              <a:spcBef>
+                <a:spcPts val="0"/>
+              </a:spcBef>
+              <a:spcAft>
+                <a:spcPts val="0"/>
+              </a:spcAft>
+              <a:buClr>
+                <a:srgbClr val="000000"/>
+              </a:buClr>
+              <a:buFont typeface="Arial"/>
+              <a:defRPr sz="1400" b="0" i="0" u="none" strike="noStrike" cap="none">
+                <a:solidFill>
+                  <a:srgbClr val="000000"/>
+                </a:solidFill>
+                <a:latin typeface="Arial"/>
+                <a:ea typeface="Arial"/>
+                <a:cs typeface="Arial"/>
+                <a:sym typeface="Arial"/>
+              </a:defRPr>
+            </a:lvl2pPr>
+            <a:lvl3pPr marR="0" lvl="2" algn="l" rtl="0">
+              <a:lnSpc>
+                <a:spcPct val="100000"/>
+              </a:lnSpc>
+              <a:spcBef>
+                <a:spcPts val="0"/>
+              </a:spcBef>
+              <a:spcAft>
+                <a:spcPts val="0"/>
+              </a:spcAft>
+              <a:buClr>
+                <a:srgbClr val="000000"/>
+              </a:buClr>
+              <a:buFont typeface="Arial"/>
+              <a:defRPr sz="1400" b="0" i="0" u="none" strike="noStrike" cap="none">
+                <a:solidFill>
+                  <a:srgbClr val="000000"/>
+                </a:solidFill>
+                <a:latin typeface="Arial"/>
+                <a:ea typeface="Arial"/>
+                <a:cs typeface="Arial"/>
+                <a:sym typeface="Arial"/>
+              </a:defRPr>
+            </a:lvl3pPr>
+            <a:lvl4pPr marR="0" lvl="3" algn="l" rtl="0">
+              <a:lnSpc>
+                <a:spcPct val="100000"/>
+              </a:lnSpc>
+              <a:spcBef>
+                <a:spcPts val="0"/>
+              </a:spcBef>
+              <a:spcAft>
+                <a:spcPts val="0"/>
+              </a:spcAft>
+              <a:buClr>
+                <a:srgbClr val="000000"/>
+              </a:buClr>
+              <a:buFont typeface="Arial"/>
+              <a:defRPr sz="1400" b="0" i="0" u="none" strike="noStrike" cap="none">
+                <a:solidFill>
+                  <a:srgbClr val="000000"/>
+                </a:solidFill>
+                <a:latin typeface="Arial"/>
+                <a:ea typeface="Arial"/>
+                <a:cs typeface="Arial"/>
+                <a:sym typeface="Arial"/>
+              </a:defRPr>
+            </a:lvl4pPr>
+            <a:lvl5pPr marR="0" lvl="4" algn="l" rtl="0">
+              <a:lnSpc>
+                <a:spcPct val="100000"/>
+              </a:lnSpc>
+              <a:spcBef>
+                <a:spcPts val="0"/>
+              </a:spcBef>
+              <a:spcAft>
+                <a:spcPts val="0"/>
+              </a:spcAft>
+              <a:buClr>
+                <a:srgbClr val="000000"/>
+              </a:buClr>
+              <a:buFont typeface="Arial"/>
+              <a:defRPr sz="1400" b="0" i="0" u="none" strike="noStrike" cap="none">
+                <a:solidFill>
+                  <a:srgbClr val="000000"/>
+                </a:solidFill>
+                <a:latin typeface="Arial"/>
+                <a:ea typeface="Arial"/>
+                <a:cs typeface="Arial"/>
+                <a:sym typeface="Arial"/>
+              </a:defRPr>
+            </a:lvl5pPr>
+            <a:lvl6pPr marR="0" lvl="5" algn="l" rtl="0">
+              <a:lnSpc>
+                <a:spcPct val="100000"/>
+              </a:lnSpc>
+              <a:spcBef>
+                <a:spcPts val="0"/>
+              </a:spcBef>
+              <a:spcAft>
+                <a:spcPts val="0"/>
+              </a:spcAft>
+              <a:buClr>
+                <a:srgbClr val="000000"/>
+              </a:buClr>
+              <a:buFont typeface="Arial"/>
+              <a:defRPr sz="1400" b="0" i="0" u="none" strike="noStrike" cap="none">
+                <a:solidFill>
+                  <a:srgbClr val="000000"/>
+                </a:solidFill>
+                <a:latin typeface="Arial"/>
+                <a:ea typeface="Arial"/>
+                <a:cs typeface="Arial"/>
+                <a:sym typeface="Arial"/>
+              </a:defRPr>
+            </a:lvl6pPr>
+            <a:lvl7pPr marR="0" lvl="6" algn="l" rtl="0">
+              <a:lnSpc>
+                <a:spcPct val="100000"/>
+              </a:lnSpc>
+              <a:spcBef>
+                <a:spcPts val="0"/>
+              </a:spcBef>
+              <a:spcAft>
+                <a:spcPts val="0"/>
+              </a:spcAft>
+              <a:buClr>
+                <a:srgbClr val="000000"/>
+              </a:buClr>
+              <a:buFont typeface="Arial"/>
+              <a:defRPr sz="1400" b="0" i="0" u="none" strike="noStrike" cap="none">
+                <a:solidFill>
+                  <a:srgbClr val="000000"/>
+                </a:solidFill>
+                <a:latin typeface="Arial"/>
+                <a:ea typeface="Arial"/>
+                <a:cs typeface="Arial"/>
+                <a:sym typeface="Arial"/>
+              </a:defRPr>
+            </a:lvl7pPr>
+            <a:lvl8pPr marR="0" lvl="7" algn="l" rtl="0">
+              <a:lnSpc>
+                <a:spcPct val="100000"/>
+              </a:lnSpc>
+              <a:spcBef>
+                <a:spcPts val="0"/>
+              </a:spcBef>
+              <a:spcAft>
+                <a:spcPts val="0"/>
+              </a:spcAft>
+              <a:buClr>
+                <a:srgbClr val="000000"/>
+              </a:buClr>
+              <a:buFont typeface="Arial"/>
+              <a:defRPr sz="1400" b="0" i="0" u="none" strike="noStrike" cap="none">
+                <a:solidFill>
+                  <a:srgbClr val="000000"/>
+                </a:solidFill>
+                <a:latin typeface="Arial"/>
+                <a:ea typeface="Arial"/>
+                <a:cs typeface="Arial"/>
+                <a:sym typeface="Arial"/>
+              </a:defRPr>
+            </a:lvl8pPr>
+            <a:lvl9pPr marR="0" lvl="8" algn="l" rtl="0">
+              <a:lnSpc>
+                <a:spcPct val="100000"/>
+              </a:lnSpc>
+              <a:spcBef>
+                <a:spcPts val="0"/>
+              </a:spcBef>
+              <a:spcAft>
+                <a:spcPts val="0"/>
+              </a:spcAft>
+              <a:buClr>
+                <a:srgbClr val="000000"/>
+              </a:buClr>
+              <a:buFont typeface="Arial"/>
+              <a:defRPr sz="1400" b="0" i="0" u="none" strike="noStrike" cap="none">
+                <a:solidFill>
+                  <a:srgbClr val="000000"/>
+                </a:solidFill>
+                <a:latin typeface="Arial"/>
+                <a:ea typeface="Arial"/>
+                <a:cs typeface="Arial"/>
+                <a:sym typeface="Arial"/>
+              </a:defRPr>
+            </a:lvl9pPr>
+          </a:lstStyle>
+          <a:p>
+            <a:pPr algn="ctr">
+              <a:lnSpc>
+                <a:spcPct val="200000"/>
+              </a:lnSpc>
+            </a:pPr>
+            <a:r>
+              <a:rPr lang="es-ES" sz="1800" b="1" dirty="0"/>
+              <a:t>Los niveles de Marginación ha sido bastante variable en el paso del tiempo, siendo los de muy Alta y Media Marginación quien más a fluctuado.</a:t>
+            </a:r>
+          </a:p>
+        </p:txBody>
+      </p:sp>
     </p:spTree>
     <p:extLst>
       <p:ext uri="{BB962C8B-B14F-4D97-AF65-F5344CB8AC3E}">
-        <p14:creationId xmlns:p14="http://schemas.microsoft.com/office/powerpoint/2010/main" val="3138455998"/>
+        <p14:creationId xmlns:p14="http://schemas.microsoft.com/office/powerpoint/2010/main" val="2458675864"/>
       </p:ext>
     </p:extLst>
   </p:cSld>
@@ -12910,7 +13771,7 @@
           </a:bodyPr>
           <a:lstStyle/>
           <a:p>
-            <a:pPr marL="0" marR="0" lvl="0" indent="0" algn="l" rtl="0">
+            <a:pPr marL="0" marR="0" lvl="0" indent="0" algn="ctr" rtl="0">
               <a:lnSpc>
                 <a:spcPct val="100000"/>
               </a:lnSpc>
@@ -12937,7 +13798,7 @@
                 <a:cs typeface="Montserrat"/>
                 <a:sym typeface="Montserrat"/>
               </a:rPr>
-              <a:t>Evolución nivel de Marginación</a:t>
+              <a:t>Estados Más afectados</a:t>
             </a:r>
             <a:endParaRPr sz="4000" b="0" i="0" u="none" strike="noStrike" cap="none" dirty="0">
               <a:solidFill>
@@ -13005,10 +13866,286 @@
           </a:ln>
         </p:spPr>
       </p:pic>
+      <p:pic>
+        <p:nvPicPr>
+          <p:cNvPr id="2" name="Picture 4">
+            <a:extLst>
+              <a:ext uri="{FF2B5EF4-FFF2-40B4-BE49-F238E27FC236}">
+                <a16:creationId xmlns:a16="http://schemas.microsoft.com/office/drawing/2014/main" id="{3C3F1027-61BD-4B47-AACC-557376DE3FB2}"/>
+              </a:ext>
+            </a:extLst>
+          </p:cNvPr>
+          <p:cNvPicPr>
+            <a:picLocks noChangeAspect="1" noChangeArrowheads="1"/>
+          </p:cNvPicPr>
+          <p:nvPr/>
+        </p:nvPicPr>
+        <p:blipFill>
+          <a:blip r:embed="rId6">
+            <a:extLst>
+              <a:ext uri="{28A0092B-C50C-407E-A947-70E740481C1C}">
+                <a14:useLocalDpi xmlns:a14="http://schemas.microsoft.com/office/drawing/2010/main" val="0"/>
+              </a:ext>
+            </a:extLst>
+          </a:blip>
+          <a:srcRect/>
+          <a:stretch>
+            <a:fillRect/>
+          </a:stretch>
+        </p:blipFill>
+        <p:spPr bwMode="auto">
+          <a:xfrm>
+            <a:off x="1219015" y="1453387"/>
+            <a:ext cx="4825355" cy="3186555"/>
+          </a:xfrm>
+          <a:prstGeom prst="rect">
+            <a:avLst/>
+          </a:prstGeom>
+          <a:noFill/>
+          <a:extLst>
+            <a:ext uri="{909E8E84-426E-40DD-AFC4-6F175D3DCCD1}">
+              <a14:hiddenFill xmlns:a14="http://schemas.microsoft.com/office/drawing/2010/main">
+                <a:solidFill>
+                  <a:srgbClr val="FFFFFF"/>
+                </a:solidFill>
+              </a14:hiddenFill>
+            </a:ext>
+          </a:extLst>
+        </p:spPr>
+      </p:pic>
+      <p:pic>
+        <p:nvPicPr>
+          <p:cNvPr id="3" name="Picture 6">
+            <a:extLst>
+              <a:ext uri="{FF2B5EF4-FFF2-40B4-BE49-F238E27FC236}">
+                <a16:creationId xmlns:a16="http://schemas.microsoft.com/office/drawing/2014/main" id="{94F9AF28-026F-4D89-9457-F0A96B479005}"/>
+              </a:ext>
+            </a:extLst>
+          </p:cNvPr>
+          <p:cNvPicPr>
+            <a:picLocks noChangeAspect="1" noChangeArrowheads="1"/>
+          </p:cNvPicPr>
+          <p:nvPr/>
+        </p:nvPicPr>
+        <p:blipFill>
+          <a:blip r:embed="rId7">
+            <a:extLst>
+              <a:ext uri="{28A0092B-C50C-407E-A947-70E740481C1C}">
+                <a14:useLocalDpi xmlns:a14="http://schemas.microsoft.com/office/drawing/2010/main" val="0"/>
+              </a:ext>
+            </a:extLst>
+          </a:blip>
+          <a:srcRect/>
+          <a:stretch>
+            <a:fillRect/>
+          </a:stretch>
+        </p:blipFill>
+        <p:spPr bwMode="auto">
+          <a:xfrm>
+            <a:off x="9101564" y="1358259"/>
+            <a:ext cx="4825355" cy="3186555"/>
+          </a:xfrm>
+          <a:prstGeom prst="rect">
+            <a:avLst/>
+          </a:prstGeom>
+          <a:noFill/>
+          <a:extLst>
+            <a:ext uri="{909E8E84-426E-40DD-AFC4-6F175D3DCCD1}">
+              <a14:hiddenFill xmlns:a14="http://schemas.microsoft.com/office/drawing/2010/main">
+                <a:solidFill>
+                  <a:srgbClr val="FFFFFF"/>
+                </a:solidFill>
+              </a14:hiddenFill>
+            </a:ext>
+          </a:extLst>
+        </p:spPr>
+      </p:pic>
+      <p:pic>
+        <p:nvPicPr>
+          <p:cNvPr id="4" name="Picture 8">
+            <a:extLst>
+              <a:ext uri="{FF2B5EF4-FFF2-40B4-BE49-F238E27FC236}">
+                <a16:creationId xmlns:a16="http://schemas.microsoft.com/office/drawing/2014/main" id="{71E5D61A-0E5C-490A-81E2-4B5D4AC3085E}"/>
+              </a:ext>
+            </a:extLst>
+          </p:cNvPr>
+          <p:cNvPicPr>
+            <a:picLocks noChangeAspect="1" noChangeArrowheads="1"/>
+          </p:cNvPicPr>
+          <p:nvPr/>
+        </p:nvPicPr>
+        <p:blipFill>
+          <a:blip r:embed="rId8">
+            <a:extLst>
+              <a:ext uri="{28A0092B-C50C-407E-A947-70E740481C1C}">
+                <a14:useLocalDpi xmlns:a14="http://schemas.microsoft.com/office/drawing/2010/main" val="0"/>
+              </a:ext>
+            </a:extLst>
+          </a:blip>
+          <a:srcRect/>
+          <a:stretch>
+            <a:fillRect/>
+          </a:stretch>
+        </p:blipFill>
+        <p:spPr bwMode="auto">
+          <a:xfrm>
+            <a:off x="4681723" y="4735070"/>
+            <a:ext cx="4825355" cy="3186555"/>
+          </a:xfrm>
+          <a:prstGeom prst="rect">
+            <a:avLst/>
+          </a:prstGeom>
+          <a:noFill/>
+          <a:extLst>
+            <a:ext uri="{909E8E84-426E-40DD-AFC4-6F175D3DCCD1}">
+              <a14:hiddenFill xmlns:a14="http://schemas.microsoft.com/office/drawing/2010/main">
+                <a:solidFill>
+                  <a:srgbClr val="FFFFFF"/>
+                </a:solidFill>
+              </a14:hiddenFill>
+            </a:ext>
+          </a:extLst>
+        </p:spPr>
+      </p:pic>
+      <p:pic>
+        <p:nvPicPr>
+          <p:cNvPr id="5" name="Picture 2" descr="Para Peques: Los números">
+            <a:extLst>
+              <a:ext uri="{FF2B5EF4-FFF2-40B4-BE49-F238E27FC236}">
+                <a16:creationId xmlns:a16="http://schemas.microsoft.com/office/drawing/2014/main" id="{E842ECDC-E1E9-45BF-9EDF-16C4612BD3B5}"/>
+              </a:ext>
+            </a:extLst>
+          </p:cNvPr>
+          <p:cNvPicPr>
+            <a:picLocks noChangeAspect="1" noChangeArrowheads="1"/>
+          </p:cNvPicPr>
+          <p:nvPr/>
+        </p:nvPicPr>
+        <p:blipFill rotWithShape="1">
+          <a:blip r:embed="rId9">
+            <a:extLst>
+              <a:ext uri="{28A0092B-C50C-407E-A947-70E740481C1C}">
+                <a14:useLocalDpi xmlns:a14="http://schemas.microsoft.com/office/drawing/2010/main" val="0"/>
+              </a:ext>
+            </a:extLst>
+          </a:blip>
+          <a:srcRect l="25946" t="14161" r="59536" b="55763"/>
+          <a:stretch/>
+        </p:blipFill>
+        <p:spPr bwMode="auto">
+          <a:xfrm>
+            <a:off x="902223" y="1493181"/>
+            <a:ext cx="388422" cy="482411"/>
+          </a:xfrm>
+          <a:prstGeom prst="rect">
+            <a:avLst/>
+          </a:prstGeom>
+          <a:noFill/>
+          <a:extLst>
+            <a:ext uri="{909E8E84-426E-40DD-AFC4-6F175D3DCCD1}">
+              <a14:hiddenFill xmlns:a14="http://schemas.microsoft.com/office/drawing/2010/main">
+                <a:solidFill>
+                  <a:srgbClr val="FFFFFF"/>
+                </a:solidFill>
+              </a14:hiddenFill>
+            </a:ext>
+          </a:extLst>
+        </p:spPr>
+      </p:pic>
+      <p:pic>
+        <p:nvPicPr>
+          <p:cNvPr id="6" name="Picture 2" descr="Para Peques: Los números">
+            <a:extLst>
+              <a:ext uri="{FF2B5EF4-FFF2-40B4-BE49-F238E27FC236}">
+                <a16:creationId xmlns:a16="http://schemas.microsoft.com/office/drawing/2014/main" id="{BA52BD8B-7D1C-45A3-82F6-70B20781639D}"/>
+              </a:ext>
+            </a:extLst>
+          </p:cNvPr>
+          <p:cNvPicPr>
+            <a:picLocks noChangeAspect="1" noChangeArrowheads="1"/>
+          </p:cNvPicPr>
+          <p:nvPr/>
+        </p:nvPicPr>
+        <p:blipFill rotWithShape="1">
+          <a:blip r:embed="rId9">
+            <a:extLst>
+              <a:ext uri="{28A0092B-C50C-407E-A947-70E740481C1C}">
+                <a14:useLocalDpi xmlns:a14="http://schemas.microsoft.com/office/drawing/2010/main" val="0"/>
+              </a:ext>
+            </a:extLst>
+          </a:blip>
+          <a:srcRect l="41397" t="14161" r="40559" b="55763"/>
+          <a:stretch/>
+        </p:blipFill>
+        <p:spPr bwMode="auto">
+          <a:xfrm>
+            <a:off x="8774219" y="1512410"/>
+            <a:ext cx="463505" cy="463182"/>
+          </a:xfrm>
+          <a:prstGeom prst="rect">
+            <a:avLst/>
+          </a:prstGeom>
+          <a:noFill/>
+          <a:extLst>
+            <a:ext uri="{909E8E84-426E-40DD-AFC4-6F175D3DCCD1}">
+              <a14:hiddenFill xmlns:a14="http://schemas.microsoft.com/office/drawing/2010/main">
+                <a:solidFill>
+                  <a:srgbClr val="FFFFFF"/>
+                </a:solidFill>
+              </a14:hiddenFill>
+            </a:ext>
+          </a:extLst>
+        </p:spPr>
+      </p:pic>
+      <p:pic>
+        <p:nvPicPr>
+          <p:cNvPr id="7" name="Picture 2" descr="Para Peques: Los números">
+            <a:extLst>
+              <a:ext uri="{FF2B5EF4-FFF2-40B4-BE49-F238E27FC236}">
+                <a16:creationId xmlns:a16="http://schemas.microsoft.com/office/drawing/2014/main" id="{8DB0A9F7-4CA7-4AE8-A380-15698C7DF54A}"/>
+              </a:ext>
+            </a:extLst>
+          </p:cNvPr>
+          <p:cNvPicPr>
+            <a:picLocks noChangeAspect="1" noChangeArrowheads="1"/>
+          </p:cNvPicPr>
+          <p:nvPr/>
+        </p:nvPicPr>
+        <p:blipFill rotWithShape="1">
+          <a:blip r:embed="rId9">
+            <a:extLst>
+              <a:ext uri="{28A0092B-C50C-407E-A947-70E740481C1C}">
+                <a14:useLocalDpi xmlns:a14="http://schemas.microsoft.com/office/drawing/2010/main" val="0"/>
+              </a:ext>
+            </a:extLst>
+          </a:blip>
+          <a:srcRect l="60810" t="14709" r="22626" b="56244"/>
+          <a:stretch/>
+        </p:blipFill>
+        <p:spPr bwMode="auto">
+          <a:xfrm>
+            <a:off x="4178746" y="5118560"/>
+            <a:ext cx="502977" cy="528808"/>
+          </a:xfrm>
+          <a:prstGeom prst="rect">
+            <a:avLst/>
+          </a:prstGeom>
+          <a:noFill/>
+          <a:extLst>
+            <a:ext uri="{909E8E84-426E-40DD-AFC4-6F175D3DCCD1}">
+              <a14:hiddenFill xmlns:a14="http://schemas.microsoft.com/office/drawing/2010/main">
+                <a:solidFill>
+                  <a:srgbClr val="FFFFFF"/>
+                </a:solidFill>
+              </a14:hiddenFill>
+            </a:ext>
+          </a:extLst>
+        </p:spPr>
+      </p:pic>
     </p:spTree>
     <p:extLst>
       <p:ext uri="{BB962C8B-B14F-4D97-AF65-F5344CB8AC3E}">
-        <p14:creationId xmlns:p14="http://schemas.microsoft.com/office/powerpoint/2010/main" val="2458675864"/>
+        <p14:creationId xmlns:p14="http://schemas.microsoft.com/office/powerpoint/2010/main" val="2501697544"/>
       </p:ext>
     </p:extLst>
   </p:cSld>
@@ -13157,282 +14294,6 @@
               <a:buNone/>
             </a:pPr>
             <a:r>
-              <a:rPr lang="es-MX" sz="4000" b="1" dirty="0">
-                <a:solidFill>
-                  <a:srgbClr val="16181C"/>
-                </a:solidFill>
-                <a:latin typeface="Montserrat"/>
-                <a:ea typeface="Montserrat"/>
-                <a:cs typeface="Montserrat"/>
-                <a:sym typeface="Montserrat"/>
-              </a:rPr>
-              <a:t>Estados Más afectados</a:t>
-            </a:r>
-            <a:endParaRPr sz="4000" b="0" i="0" u="none" strike="noStrike" cap="none" dirty="0">
-              <a:solidFill>
-                <a:srgbClr val="16181C"/>
-              </a:solidFill>
-              <a:latin typeface="Montserrat"/>
-              <a:ea typeface="Montserrat"/>
-              <a:cs typeface="Montserrat"/>
-              <a:sym typeface="Montserrat"/>
-            </a:endParaRPr>
-          </a:p>
-        </p:txBody>
-      </p:sp>
-      <p:pic>
-        <p:nvPicPr>
-          <p:cNvPr id="161" name="Google Shape;161;p21"/>
-          <p:cNvPicPr preferRelativeResize="0"/>
-          <p:nvPr/>
-        </p:nvPicPr>
-        <p:blipFill rotWithShape="1">
-          <a:blip r:embed="rId4">
-            <a:alphaModFix/>
-          </a:blip>
-          <a:srcRect/>
-          <a:stretch/>
-        </p:blipFill>
-        <p:spPr>
-          <a:xfrm>
-            <a:off x="575050" y="6725850"/>
-            <a:ext cx="3996201" cy="994075"/>
-          </a:xfrm>
-          <a:prstGeom prst="rect">
-            <a:avLst/>
-          </a:prstGeom>
-          <a:noFill/>
-          <a:ln>
-            <a:noFill/>
-          </a:ln>
-        </p:spPr>
-      </p:pic>
-      <p:pic>
-        <p:nvPicPr>
-          <p:cNvPr id="162" name="Google Shape;162;p21"/>
-          <p:cNvPicPr preferRelativeResize="0"/>
-          <p:nvPr/>
-        </p:nvPicPr>
-        <p:blipFill rotWithShape="1">
-          <a:blip r:embed="rId5">
-            <a:alphaModFix/>
-          </a:blip>
-          <a:srcRect/>
-          <a:stretch/>
-        </p:blipFill>
-        <p:spPr>
-          <a:xfrm>
-            <a:off x="10878384" y="531488"/>
-            <a:ext cx="2165348" cy="482600"/>
-          </a:xfrm>
-          <a:prstGeom prst="rect">
-            <a:avLst/>
-          </a:prstGeom>
-          <a:noFill/>
-          <a:ln>
-            <a:noFill/>
-          </a:ln>
-        </p:spPr>
-      </p:pic>
-      <p:pic>
-        <p:nvPicPr>
-          <p:cNvPr id="3074" name="Picture 2">
-            <a:extLst>
-              <a:ext uri="{FF2B5EF4-FFF2-40B4-BE49-F238E27FC236}">
-                <a16:creationId xmlns:a16="http://schemas.microsoft.com/office/drawing/2014/main" id="{84389EAB-932D-4C50-A17D-CD2353F4D39B}"/>
-              </a:ext>
-            </a:extLst>
-          </p:cNvPr>
-          <p:cNvPicPr>
-            <a:picLocks noChangeAspect="1" noChangeArrowheads="1"/>
-          </p:cNvPicPr>
-          <p:nvPr/>
-        </p:nvPicPr>
-        <p:blipFill>
-          <a:blip r:embed="rId6">
-            <a:extLst>
-              <a:ext uri="{28A0092B-C50C-407E-A947-70E740481C1C}">
-                <a14:useLocalDpi xmlns:a14="http://schemas.microsoft.com/office/drawing/2010/main" val="0"/>
-              </a:ext>
-            </a:extLst>
-          </a:blip>
-          <a:srcRect/>
-          <a:stretch>
-            <a:fillRect/>
-          </a:stretch>
-        </p:blipFill>
-        <p:spPr bwMode="auto">
-          <a:xfrm>
-            <a:off x="4025191" y="1593359"/>
-            <a:ext cx="7072141" cy="4670282"/>
-          </a:xfrm>
-          <a:prstGeom prst="rect">
-            <a:avLst/>
-          </a:prstGeom>
-          <a:noFill/>
-          <a:extLst>
-            <a:ext uri="{909E8E84-426E-40DD-AFC4-6F175D3DCCD1}">
-              <a14:hiddenFill xmlns:a14="http://schemas.microsoft.com/office/drawing/2010/main">
-                <a:solidFill>
-                  <a:srgbClr val="FFFFFF"/>
-                </a:solidFill>
-              </a14:hiddenFill>
-            </a:ext>
-          </a:extLst>
-        </p:spPr>
-      </p:pic>
-    </p:spTree>
-    <p:extLst>
-      <p:ext uri="{BB962C8B-B14F-4D97-AF65-F5344CB8AC3E}">
-        <p14:creationId xmlns:p14="http://schemas.microsoft.com/office/powerpoint/2010/main" val="2501697544"/>
-      </p:ext>
-    </p:extLst>
-  </p:cSld>
-  <p:clrMapOvr>
-    <a:masterClrMapping/>
-  </p:clrMapOvr>
-</p:sld>
-</file>
-
-<file path=ppt/slides/slide14.xml><?xml version="1.0" encoding="utf-8"?>
-<p:sld xmlns:a="http://schemas.openxmlformats.org/drawingml/2006/main" xmlns:r="http://schemas.openxmlformats.org/officeDocument/2006/relationships" xmlns:p="http://schemas.openxmlformats.org/presentationml/2006/main">
-  <p:cSld>
-    <p:spTree>
-      <p:nvGrpSpPr>
-        <p:cNvPr id="1" name="Shape 153"/>
-        <p:cNvGrpSpPr/>
-        <p:nvPr/>
-      </p:nvGrpSpPr>
-      <p:grpSpPr>
-        <a:xfrm>
-          <a:off x="0" y="0"/>
-          <a:ext cx="0" cy="0"/>
-          <a:chOff x="0" y="0"/>
-          <a:chExt cx="0" cy="0"/>
-        </a:xfrm>
-      </p:grpSpPr>
-      <p:cxnSp>
-        <p:nvCxnSpPr>
-          <p:cNvPr id="154" name="Google Shape;154;p21"/>
-          <p:cNvCxnSpPr/>
-          <p:nvPr/>
-        </p:nvCxnSpPr>
-        <p:spPr>
-          <a:xfrm>
-            <a:off x="14475844" y="-11"/>
-            <a:ext cx="0" cy="3877500"/>
-          </a:xfrm>
-          <a:prstGeom prst="straightConnector1">
-            <a:avLst/>
-          </a:prstGeom>
-          <a:noFill/>
-          <a:ln w="19050" cap="flat" cmpd="sng">
-            <a:solidFill>
-              <a:srgbClr val="4B22F4"/>
-            </a:solidFill>
-            <a:prstDash val="solid"/>
-            <a:round/>
-            <a:headEnd type="none" w="sm" len="sm"/>
-            <a:tailEnd type="none" w="sm" len="sm"/>
-          </a:ln>
-        </p:spPr>
-      </p:cxnSp>
-      <p:cxnSp>
-        <p:nvCxnSpPr>
-          <p:cNvPr id="155" name="Google Shape;155;p21"/>
-          <p:cNvCxnSpPr/>
-          <p:nvPr/>
-        </p:nvCxnSpPr>
-        <p:spPr>
-          <a:xfrm>
-            <a:off x="14475850" y="6859925"/>
-            <a:ext cx="0" cy="1061700"/>
-          </a:xfrm>
-          <a:prstGeom prst="straightConnector1">
-            <a:avLst/>
-          </a:prstGeom>
-          <a:noFill/>
-          <a:ln w="19050" cap="flat" cmpd="sng">
-            <a:solidFill>
-              <a:srgbClr val="4B22F4"/>
-            </a:solidFill>
-            <a:prstDash val="solid"/>
-            <a:round/>
-            <a:headEnd type="none" w="sm" len="sm"/>
-            <a:tailEnd type="none" w="sm" len="sm"/>
-          </a:ln>
-        </p:spPr>
-      </p:cxnSp>
-      <p:pic>
-        <p:nvPicPr>
-          <p:cNvPr id="156" name="Google Shape;156;p21"/>
-          <p:cNvPicPr preferRelativeResize="0"/>
-          <p:nvPr/>
-        </p:nvPicPr>
-        <p:blipFill rotWithShape="1">
-          <a:blip r:embed="rId3">
-            <a:alphaModFix/>
-          </a:blip>
-          <a:srcRect/>
-          <a:stretch/>
-        </p:blipFill>
-        <p:spPr>
-          <a:xfrm>
-            <a:off x="498500" y="709642"/>
-            <a:ext cx="1430575" cy="126308"/>
-          </a:xfrm>
-          <a:prstGeom prst="rect">
-            <a:avLst/>
-          </a:prstGeom>
-          <a:noFill/>
-          <a:ln>
-            <a:noFill/>
-          </a:ln>
-        </p:spPr>
-      </p:pic>
-      <p:sp>
-        <p:nvSpPr>
-          <p:cNvPr id="159" name="Google Shape;159;p21"/>
-          <p:cNvSpPr txBox="1"/>
-          <p:nvPr/>
-        </p:nvSpPr>
-        <p:spPr>
-          <a:xfrm>
-            <a:off x="2295842" y="414450"/>
-            <a:ext cx="9218400" cy="716700"/>
-          </a:xfrm>
-          <a:prstGeom prst="rect">
-            <a:avLst/>
-          </a:prstGeom>
-          <a:noFill/>
-          <a:ln>
-            <a:noFill/>
-          </a:ln>
-        </p:spPr>
-        <p:txBody>
-          <a:bodyPr spcFirstLastPara="1" wrap="square" lIns="147725" tIns="147725" rIns="147725" bIns="147725" anchor="ctr" anchorCtr="0">
-            <a:noAutofit/>
-          </a:bodyPr>
-          <a:lstStyle/>
-          <a:p>
-            <a:pPr marL="0" marR="0" lvl="0" indent="0" algn="ctr" rtl="0">
-              <a:lnSpc>
-                <a:spcPct val="100000"/>
-              </a:lnSpc>
-              <a:spcBef>
-                <a:spcPts val="0"/>
-              </a:spcBef>
-              <a:spcAft>
-                <a:spcPts val="0"/>
-              </a:spcAft>
-              <a:buClr>
-                <a:srgbClr val="000000"/>
-              </a:buClr>
-              <a:buSzPts val="4000"/>
-              <a:buFont typeface="Arial"/>
-              <a:buNone/>
-            </a:pPr>
-            <a:r>
               <a:rPr lang="es-MX" sz="4000" b="1" i="0" u="none" strike="noStrike" cap="none" dirty="0">
                 <a:solidFill>
                   <a:srgbClr val="16181C"/>
@@ -13510,6 +14371,302 @@
           </a:ln>
         </p:spPr>
       </p:pic>
+      <p:pic>
+        <p:nvPicPr>
+          <p:cNvPr id="5" name="Imagen 4">
+            <a:extLst>
+              <a:ext uri="{FF2B5EF4-FFF2-40B4-BE49-F238E27FC236}">
+                <a16:creationId xmlns:a16="http://schemas.microsoft.com/office/drawing/2014/main" id="{ED983470-E26D-42D7-B83C-A1D2DD3AAF39}"/>
+              </a:ext>
+            </a:extLst>
+          </p:cNvPr>
+          <p:cNvPicPr>
+            <a:picLocks noChangeAspect="1"/>
+          </p:cNvPicPr>
+          <p:nvPr/>
+        </p:nvPicPr>
+        <p:blipFill rotWithShape="1">
+          <a:blip r:embed="rId6"/>
+          <a:srcRect l="392" t="2546" r="900" b="8958"/>
+          <a:stretch/>
+        </p:blipFill>
+        <p:spPr>
+          <a:xfrm>
+            <a:off x="4533300" y="1405121"/>
+            <a:ext cx="9804989" cy="4944736"/>
+          </a:xfrm>
+          <a:prstGeom prst="rect">
+            <a:avLst/>
+          </a:prstGeom>
+        </p:spPr>
+      </p:pic>
+      <p:sp>
+        <p:nvSpPr>
+          <p:cNvPr id="6" name="Marcador de texto 7">
+            <a:extLst>
+              <a:ext uri="{FF2B5EF4-FFF2-40B4-BE49-F238E27FC236}">
+                <a16:creationId xmlns:a16="http://schemas.microsoft.com/office/drawing/2014/main" id="{0A6B26B4-6EED-4C69-9E8C-77BD3D24EAF8}"/>
+              </a:ext>
+            </a:extLst>
+          </p:cNvPr>
+          <p:cNvSpPr txBox="1">
+            <a:spLocks/>
+          </p:cNvSpPr>
+          <p:nvPr/>
+        </p:nvSpPr>
+        <p:spPr>
+          <a:xfrm>
+            <a:off x="297741" y="2919720"/>
+            <a:ext cx="3996201" cy="2082184"/>
+          </a:xfrm>
+          <a:prstGeom prst="rect">
+            <a:avLst/>
+          </a:prstGeom>
+        </p:spPr>
+        <p:txBody>
+          <a:bodyPr rtlCol="0"/>
+          <a:lstStyle>
+            <a:defPPr marR="0" lvl="0" algn="l" rtl="0">
+              <a:lnSpc>
+                <a:spcPct val="100000"/>
+              </a:lnSpc>
+              <a:spcBef>
+                <a:spcPts val="0"/>
+              </a:spcBef>
+              <a:spcAft>
+                <a:spcPts val="0"/>
+              </a:spcAft>
+            </a:defPPr>
+            <a:lvl1pPr marR="0" lvl="0" algn="l" rtl="0">
+              <a:lnSpc>
+                <a:spcPct val="100000"/>
+              </a:lnSpc>
+              <a:spcBef>
+                <a:spcPts val="0"/>
+              </a:spcBef>
+              <a:spcAft>
+                <a:spcPts val="0"/>
+              </a:spcAft>
+              <a:buClr>
+                <a:srgbClr val="000000"/>
+              </a:buClr>
+              <a:buFont typeface="Arial"/>
+              <a:defRPr sz="1400" b="0" i="0" u="none" strike="noStrike" cap="none">
+                <a:solidFill>
+                  <a:srgbClr val="000000"/>
+                </a:solidFill>
+                <a:latin typeface="Arial"/>
+                <a:ea typeface="Arial"/>
+                <a:cs typeface="Arial"/>
+                <a:sym typeface="Arial"/>
+              </a:defRPr>
+            </a:lvl1pPr>
+            <a:lvl2pPr marR="0" lvl="1" algn="l" rtl="0">
+              <a:lnSpc>
+                <a:spcPct val="100000"/>
+              </a:lnSpc>
+              <a:spcBef>
+                <a:spcPts val="0"/>
+              </a:spcBef>
+              <a:spcAft>
+                <a:spcPts val="0"/>
+              </a:spcAft>
+              <a:buClr>
+                <a:srgbClr val="000000"/>
+              </a:buClr>
+              <a:buFont typeface="Arial"/>
+              <a:defRPr sz="1400" b="0" i="0" u="none" strike="noStrike" cap="none">
+                <a:solidFill>
+                  <a:srgbClr val="000000"/>
+                </a:solidFill>
+                <a:latin typeface="Arial"/>
+                <a:ea typeface="Arial"/>
+                <a:cs typeface="Arial"/>
+                <a:sym typeface="Arial"/>
+              </a:defRPr>
+            </a:lvl2pPr>
+            <a:lvl3pPr marR="0" lvl="2" algn="l" rtl="0">
+              <a:lnSpc>
+                <a:spcPct val="100000"/>
+              </a:lnSpc>
+              <a:spcBef>
+                <a:spcPts val="0"/>
+              </a:spcBef>
+              <a:spcAft>
+                <a:spcPts val="0"/>
+              </a:spcAft>
+              <a:buClr>
+                <a:srgbClr val="000000"/>
+              </a:buClr>
+              <a:buFont typeface="Arial"/>
+              <a:defRPr sz="1400" b="0" i="0" u="none" strike="noStrike" cap="none">
+                <a:solidFill>
+                  <a:srgbClr val="000000"/>
+                </a:solidFill>
+                <a:latin typeface="Arial"/>
+                <a:ea typeface="Arial"/>
+                <a:cs typeface="Arial"/>
+                <a:sym typeface="Arial"/>
+              </a:defRPr>
+            </a:lvl3pPr>
+            <a:lvl4pPr marR="0" lvl="3" algn="l" rtl="0">
+              <a:lnSpc>
+                <a:spcPct val="100000"/>
+              </a:lnSpc>
+              <a:spcBef>
+                <a:spcPts val="0"/>
+              </a:spcBef>
+              <a:spcAft>
+                <a:spcPts val="0"/>
+              </a:spcAft>
+              <a:buClr>
+                <a:srgbClr val="000000"/>
+              </a:buClr>
+              <a:buFont typeface="Arial"/>
+              <a:defRPr sz="1400" b="0" i="0" u="none" strike="noStrike" cap="none">
+                <a:solidFill>
+                  <a:srgbClr val="000000"/>
+                </a:solidFill>
+                <a:latin typeface="Arial"/>
+                <a:ea typeface="Arial"/>
+                <a:cs typeface="Arial"/>
+                <a:sym typeface="Arial"/>
+              </a:defRPr>
+            </a:lvl4pPr>
+            <a:lvl5pPr marR="0" lvl="4" algn="l" rtl="0">
+              <a:lnSpc>
+                <a:spcPct val="100000"/>
+              </a:lnSpc>
+              <a:spcBef>
+                <a:spcPts val="0"/>
+              </a:spcBef>
+              <a:spcAft>
+                <a:spcPts val="0"/>
+              </a:spcAft>
+              <a:buClr>
+                <a:srgbClr val="000000"/>
+              </a:buClr>
+              <a:buFont typeface="Arial"/>
+              <a:defRPr sz="1400" b="0" i="0" u="none" strike="noStrike" cap="none">
+                <a:solidFill>
+                  <a:srgbClr val="000000"/>
+                </a:solidFill>
+                <a:latin typeface="Arial"/>
+                <a:ea typeface="Arial"/>
+                <a:cs typeface="Arial"/>
+                <a:sym typeface="Arial"/>
+              </a:defRPr>
+            </a:lvl5pPr>
+            <a:lvl6pPr marR="0" lvl="5" algn="l" rtl="0">
+              <a:lnSpc>
+                <a:spcPct val="100000"/>
+              </a:lnSpc>
+              <a:spcBef>
+                <a:spcPts val="0"/>
+              </a:spcBef>
+              <a:spcAft>
+                <a:spcPts val="0"/>
+              </a:spcAft>
+              <a:buClr>
+                <a:srgbClr val="000000"/>
+              </a:buClr>
+              <a:buFont typeface="Arial"/>
+              <a:defRPr sz="1400" b="0" i="0" u="none" strike="noStrike" cap="none">
+                <a:solidFill>
+                  <a:srgbClr val="000000"/>
+                </a:solidFill>
+                <a:latin typeface="Arial"/>
+                <a:ea typeface="Arial"/>
+                <a:cs typeface="Arial"/>
+                <a:sym typeface="Arial"/>
+              </a:defRPr>
+            </a:lvl6pPr>
+            <a:lvl7pPr marR="0" lvl="6" algn="l" rtl="0">
+              <a:lnSpc>
+                <a:spcPct val="100000"/>
+              </a:lnSpc>
+              <a:spcBef>
+                <a:spcPts val="0"/>
+              </a:spcBef>
+              <a:spcAft>
+                <a:spcPts val="0"/>
+              </a:spcAft>
+              <a:buClr>
+                <a:srgbClr val="000000"/>
+              </a:buClr>
+              <a:buFont typeface="Arial"/>
+              <a:defRPr sz="1400" b="0" i="0" u="none" strike="noStrike" cap="none">
+                <a:solidFill>
+                  <a:srgbClr val="000000"/>
+                </a:solidFill>
+                <a:latin typeface="Arial"/>
+                <a:ea typeface="Arial"/>
+                <a:cs typeface="Arial"/>
+                <a:sym typeface="Arial"/>
+              </a:defRPr>
+            </a:lvl7pPr>
+            <a:lvl8pPr marR="0" lvl="7" algn="l" rtl="0">
+              <a:lnSpc>
+                <a:spcPct val="100000"/>
+              </a:lnSpc>
+              <a:spcBef>
+                <a:spcPts val="0"/>
+              </a:spcBef>
+              <a:spcAft>
+                <a:spcPts val="0"/>
+              </a:spcAft>
+              <a:buClr>
+                <a:srgbClr val="000000"/>
+              </a:buClr>
+              <a:buFont typeface="Arial"/>
+              <a:defRPr sz="1400" b="0" i="0" u="none" strike="noStrike" cap="none">
+                <a:solidFill>
+                  <a:srgbClr val="000000"/>
+                </a:solidFill>
+                <a:latin typeface="Arial"/>
+                <a:ea typeface="Arial"/>
+                <a:cs typeface="Arial"/>
+                <a:sym typeface="Arial"/>
+              </a:defRPr>
+            </a:lvl8pPr>
+            <a:lvl9pPr marR="0" lvl="8" algn="l" rtl="0">
+              <a:lnSpc>
+                <a:spcPct val="100000"/>
+              </a:lnSpc>
+              <a:spcBef>
+                <a:spcPts val="0"/>
+              </a:spcBef>
+              <a:spcAft>
+                <a:spcPts val="0"/>
+              </a:spcAft>
+              <a:buClr>
+                <a:srgbClr val="000000"/>
+              </a:buClr>
+              <a:buFont typeface="Arial"/>
+              <a:defRPr sz="1400" b="0" i="0" u="none" strike="noStrike" cap="none">
+                <a:solidFill>
+                  <a:srgbClr val="000000"/>
+                </a:solidFill>
+                <a:latin typeface="Arial"/>
+                <a:ea typeface="Arial"/>
+                <a:cs typeface="Arial"/>
+                <a:sym typeface="Arial"/>
+              </a:defRPr>
+            </a:lvl9pPr>
+          </a:lstStyle>
+          <a:p>
+            <a:pPr algn="ctr">
+              <a:lnSpc>
+                <a:spcPct val="200000"/>
+              </a:lnSpc>
+            </a:pPr>
+            <a:r>
+              <a:rPr lang="es-ES" sz="1800" b="1" dirty="0"/>
+              <a:t>Se identificaron tres tipos se segmentación de niveles de Pobreza </a:t>
+            </a:r>
+          </a:p>
+        </p:txBody>
+      </p:sp>
     </p:spTree>
     <p:extLst>
       <p:ext uri="{BB962C8B-B14F-4D97-AF65-F5344CB8AC3E}">
@@ -13523,7 +14680,7 @@
 </p:sld>
 </file>
 
-<file path=ppt/slides/slide15.xml><?xml version="1.0" encoding="utf-8"?>
+<file path=ppt/slides/slide14.xml><?xml version="1.0" encoding="utf-8"?>
 <p:sld xmlns:a="http://schemas.openxmlformats.org/drawingml/2006/main" xmlns:r="http://schemas.openxmlformats.org/officeDocument/2006/relationships" xmlns:p="http://schemas.openxmlformats.org/presentationml/2006/main">
   <p:cSld>
     <p:bg>
@@ -13782,286 +14939,6 @@
 </file>
 
 <file path=ppt/slides/slide2.xml><?xml version="1.0" encoding="utf-8"?>
-<p:sld xmlns:a="http://schemas.openxmlformats.org/drawingml/2006/main" xmlns:r="http://schemas.openxmlformats.org/officeDocument/2006/relationships" xmlns:p="http://schemas.openxmlformats.org/presentationml/2006/main">
-  <p:cSld>
-    <p:bg>
-      <p:bgPr>
-        <a:solidFill>
-          <a:srgbClr val="4B22F4"/>
-        </a:solidFill>
-        <a:effectLst/>
-      </p:bgPr>
-    </p:bg>
-    <p:spTree>
-      <p:nvGrpSpPr>
-        <p:cNvPr id="1" name="Shape 67"/>
-        <p:cNvGrpSpPr/>
-        <p:nvPr/>
-      </p:nvGrpSpPr>
-      <p:grpSpPr>
-        <a:xfrm>
-          <a:off x="0" y="0"/>
-          <a:ext cx="0" cy="0"/>
-          <a:chOff x="0" y="0"/>
-          <a:chExt cx="0" cy="0"/>
-        </a:xfrm>
-      </p:grpSpPr>
-      <p:pic>
-        <p:nvPicPr>
-          <p:cNvPr id="68" name="Google Shape;68;p14"/>
-          <p:cNvPicPr preferRelativeResize="0"/>
-          <p:nvPr/>
-        </p:nvPicPr>
-        <p:blipFill rotWithShape="1">
-          <a:blip r:embed="rId3">
-            <a:alphaModFix/>
-          </a:blip>
-          <a:srcRect l="18" t="12445" r="9866" b="6948"/>
-          <a:stretch/>
-        </p:blipFill>
-        <p:spPr>
-          <a:xfrm>
-            <a:off x="5728925" y="0"/>
-            <a:ext cx="9393597" cy="7921626"/>
-          </a:xfrm>
-          <a:prstGeom prst="rect">
-            <a:avLst/>
-          </a:prstGeom>
-          <a:noFill/>
-          <a:ln>
-            <a:noFill/>
-          </a:ln>
-        </p:spPr>
-      </p:pic>
-      <p:sp>
-        <p:nvSpPr>
-          <p:cNvPr id="69" name="Google Shape;69;p14"/>
-          <p:cNvSpPr txBox="1"/>
-          <p:nvPr/>
-        </p:nvSpPr>
-        <p:spPr>
-          <a:xfrm>
-            <a:off x="1131995" y="3095997"/>
-            <a:ext cx="11401892" cy="1372800"/>
-          </a:xfrm>
-          <a:prstGeom prst="rect">
-            <a:avLst/>
-          </a:prstGeom>
-          <a:noFill/>
-          <a:ln>
-            <a:noFill/>
-          </a:ln>
-        </p:spPr>
-        <p:txBody>
-          <a:bodyPr spcFirstLastPara="1" wrap="square" lIns="147725" tIns="147725" rIns="147725" bIns="147725" anchor="ctr" anchorCtr="0">
-            <a:noAutofit/>
-          </a:bodyPr>
-          <a:lstStyle/>
-          <a:p>
-            <a:pPr marL="0" marR="0" lvl="0" indent="0" algn="l" rtl="0">
-              <a:lnSpc>
-                <a:spcPct val="100000"/>
-              </a:lnSpc>
-              <a:spcBef>
-                <a:spcPts val="0"/>
-              </a:spcBef>
-              <a:spcAft>
-                <a:spcPts val="0"/>
-              </a:spcAft>
-              <a:buClr>
-                <a:srgbClr val="000000"/>
-              </a:buClr>
-              <a:buSzPts val="6500"/>
-              <a:buFont typeface="Arial"/>
-              <a:buNone/>
-            </a:pPr>
-            <a:r>
-              <a:rPr lang="es-ES" sz="5400" b="1" i="0" u="none" strike="noStrike" cap="none" dirty="0">
-                <a:solidFill>
-                  <a:schemeClr val="lt1"/>
-                </a:solidFill>
-                <a:latin typeface="Montserrat"/>
-                <a:ea typeface="Montserrat"/>
-                <a:cs typeface="Montserrat"/>
-                <a:sym typeface="Montserrat"/>
-              </a:rPr>
-              <a:t>Análisis de pobreza en México</a:t>
-            </a:r>
-          </a:p>
-        </p:txBody>
-      </p:sp>
-      <p:cxnSp>
-        <p:nvCxnSpPr>
-          <p:cNvPr id="71" name="Google Shape;71;p14"/>
-          <p:cNvCxnSpPr/>
-          <p:nvPr/>
-        </p:nvCxnSpPr>
-        <p:spPr>
-          <a:xfrm>
-            <a:off x="5655525" y="4722365"/>
-            <a:ext cx="1906200" cy="0"/>
-          </a:xfrm>
-          <a:prstGeom prst="straightConnector1">
-            <a:avLst/>
-          </a:prstGeom>
-          <a:noFill/>
-          <a:ln w="28575" cap="flat" cmpd="sng">
-            <a:solidFill>
-              <a:srgbClr val="4B22F4"/>
-            </a:solidFill>
-            <a:prstDash val="solid"/>
-            <a:round/>
-            <a:headEnd type="none" w="sm" len="sm"/>
-            <a:tailEnd type="none" w="sm" len="sm"/>
-          </a:ln>
-        </p:spPr>
-      </p:cxnSp>
-      <p:sp>
-        <p:nvSpPr>
-          <p:cNvPr id="72" name="Google Shape;72;p14"/>
-          <p:cNvSpPr txBox="1"/>
-          <p:nvPr/>
-        </p:nvSpPr>
-        <p:spPr>
-          <a:xfrm>
-            <a:off x="1131995" y="2283155"/>
-            <a:ext cx="8814900" cy="707700"/>
-          </a:xfrm>
-          <a:prstGeom prst="rect">
-            <a:avLst/>
-          </a:prstGeom>
-          <a:noFill/>
-          <a:ln>
-            <a:noFill/>
-          </a:ln>
-        </p:spPr>
-        <p:txBody>
-          <a:bodyPr spcFirstLastPara="1" wrap="square" lIns="147725" tIns="147725" rIns="147725" bIns="147725" anchor="t" anchorCtr="0">
-            <a:noAutofit/>
-          </a:bodyPr>
-          <a:lstStyle/>
-          <a:p>
-            <a:pPr marL="0" marR="0" lvl="0" indent="0" algn="l" rtl="0">
-              <a:lnSpc>
-                <a:spcPct val="100000"/>
-              </a:lnSpc>
-              <a:spcBef>
-                <a:spcPts val="0"/>
-              </a:spcBef>
-              <a:spcAft>
-                <a:spcPts val="0"/>
-              </a:spcAft>
-              <a:buClr>
-                <a:srgbClr val="000000"/>
-              </a:buClr>
-              <a:buSzPts val="2900"/>
-              <a:buFont typeface="Arial"/>
-              <a:buNone/>
-            </a:pPr>
-            <a:r>
-              <a:rPr lang="es-MX" sz="2900" b="0" i="0" u="none" strike="noStrike" cap="none" dirty="0">
-                <a:solidFill>
-                  <a:schemeClr val="lt1"/>
-                </a:solidFill>
-                <a:latin typeface="Montserrat SemiBold"/>
-                <a:ea typeface="Montserrat SemiBold"/>
-                <a:cs typeface="Montserrat SemiBold"/>
-                <a:sym typeface="Montserrat SemiBold"/>
-              </a:rPr>
-              <a:t>Módulo: Módulo Data Analysis</a:t>
-            </a:r>
-          </a:p>
-        </p:txBody>
-      </p:sp>
-      <p:pic>
-        <p:nvPicPr>
-          <p:cNvPr id="73" name="Google Shape;73;p14"/>
-          <p:cNvPicPr preferRelativeResize="0"/>
-          <p:nvPr/>
-        </p:nvPicPr>
-        <p:blipFill rotWithShape="1">
-          <a:blip r:embed="rId4">
-            <a:alphaModFix/>
-          </a:blip>
-          <a:srcRect/>
-          <a:stretch/>
-        </p:blipFill>
-        <p:spPr>
-          <a:xfrm flipH="1">
-            <a:off x="607160" y="4925971"/>
-            <a:ext cx="182144" cy="2553202"/>
-          </a:xfrm>
-          <a:prstGeom prst="rect">
-            <a:avLst/>
-          </a:prstGeom>
-          <a:noFill/>
-          <a:ln>
-            <a:noFill/>
-          </a:ln>
-        </p:spPr>
-      </p:pic>
-      <p:pic>
-        <p:nvPicPr>
-          <p:cNvPr id="74" name="Google Shape;74;p14"/>
-          <p:cNvPicPr preferRelativeResize="0"/>
-          <p:nvPr/>
-        </p:nvPicPr>
-        <p:blipFill rotWithShape="1">
-          <a:blip r:embed="rId5">
-            <a:alphaModFix/>
-          </a:blip>
-          <a:srcRect/>
-          <a:stretch/>
-        </p:blipFill>
-        <p:spPr>
-          <a:xfrm>
-            <a:off x="13362039" y="6850732"/>
-            <a:ext cx="1541818" cy="820170"/>
-          </a:xfrm>
-          <a:prstGeom prst="rect">
-            <a:avLst/>
-          </a:prstGeom>
-          <a:noFill/>
-          <a:ln>
-            <a:noFill/>
-          </a:ln>
-        </p:spPr>
-      </p:pic>
-      <p:cxnSp>
-        <p:nvCxnSpPr>
-          <p:cNvPr id="75" name="Google Shape;75;p14"/>
-          <p:cNvCxnSpPr/>
-          <p:nvPr/>
-        </p:nvCxnSpPr>
-        <p:spPr>
-          <a:xfrm>
-            <a:off x="1298678" y="4648152"/>
-            <a:ext cx="2896804" cy="0"/>
-          </a:xfrm>
-          <a:prstGeom prst="straightConnector1">
-            <a:avLst/>
-          </a:prstGeom>
-          <a:noFill/>
-          <a:ln w="28575" cap="flat" cmpd="sng">
-            <a:solidFill>
-              <a:schemeClr val="dk1"/>
-            </a:solidFill>
-            <a:prstDash val="solid"/>
-            <a:round/>
-            <a:headEnd type="none" w="sm" len="sm"/>
-            <a:tailEnd type="none" w="sm" len="sm"/>
-          </a:ln>
-        </p:spPr>
-      </p:cxnSp>
-    </p:spTree>
-  </p:cSld>
-  <p:clrMapOvr>
-    <a:masterClrMapping/>
-  </p:clrMapOvr>
-</p:sld>
-</file>
-
-<file path=ppt/slides/slide3.xml><?xml version="1.0" encoding="utf-8"?>
 <p:sld xmlns:a="http://schemas.openxmlformats.org/drawingml/2006/main" xmlns:r="http://schemas.openxmlformats.org/officeDocument/2006/relationships" xmlns:p="http://schemas.openxmlformats.org/presentationml/2006/main">
   <p:cSld>
     <p:spTree>
@@ -14686,7 +15563,7 @@
 </p:sld>
 </file>
 
-<file path=ppt/slides/slide4.xml><?xml version="1.0" encoding="utf-8"?>
+<file path=ppt/slides/slide3.xml><?xml version="1.0" encoding="utf-8"?>
 <p:sld xmlns:a="http://schemas.openxmlformats.org/drawingml/2006/main" xmlns:r="http://schemas.openxmlformats.org/officeDocument/2006/relationships" xmlns:p="http://schemas.openxmlformats.org/presentationml/2006/main">
   <p:cSld>
     <p:bg>
@@ -14980,7 +15857,7 @@
 </p:sld>
 </file>
 
-<file path=ppt/slides/slide5.xml><?xml version="1.0" encoding="utf-8"?>
+<file path=ppt/slides/slide4.xml><?xml version="1.0" encoding="utf-8"?>
 <p:sld xmlns:a="http://schemas.openxmlformats.org/drawingml/2006/main" xmlns:r="http://schemas.openxmlformats.org/officeDocument/2006/relationships" xmlns:p="http://schemas.openxmlformats.org/presentationml/2006/main">
   <p:cSld>
     <p:spTree>
@@ -15416,7 +16293,7 @@
 </p:sld>
 </file>
 
-<file path=ppt/slides/slide6.xml><?xml version="1.0" encoding="utf-8"?>
+<file path=ppt/slides/slide5.xml><?xml version="1.0" encoding="utf-8"?>
 <p:sld xmlns:a="http://schemas.openxmlformats.org/drawingml/2006/main" xmlns:r="http://schemas.openxmlformats.org/officeDocument/2006/relationships" xmlns:p="http://schemas.openxmlformats.org/presentationml/2006/main">
   <p:cSld>
     <p:spTree>
@@ -16911,7 +17788,7 @@
 </p:sld>
 </file>
 
-<file path=ppt/slides/slide7.xml><?xml version="1.0" encoding="utf-8"?>
+<file path=ppt/slides/slide6.xml><?xml version="1.0" encoding="utf-8"?>
 <p:sld xmlns:a="http://schemas.openxmlformats.org/drawingml/2006/main" xmlns:r="http://schemas.openxmlformats.org/officeDocument/2006/relationships" xmlns:p="http://schemas.openxmlformats.org/presentationml/2006/main">
   <p:cSld>
     <p:bg>
@@ -17210,7 +18087,7 @@
 </p:sld>
 </file>
 
-<file path=ppt/slides/slide8.xml><?xml version="1.0" encoding="utf-8"?>
+<file path=ppt/slides/slide7.xml><?xml version="1.0" encoding="utf-8"?>
 <p:sld xmlns:a="http://schemas.openxmlformats.org/drawingml/2006/main" xmlns:r="http://schemas.openxmlformats.org/officeDocument/2006/relationships" xmlns:p="http://schemas.openxmlformats.org/presentationml/2006/main">
   <p:cSld>
     <p:spTree>
@@ -18658,7 +19535,7 @@
 </p:sld>
 </file>
 
-<file path=ppt/slides/slide9.xml><?xml version="1.0" encoding="utf-8"?>
+<file path=ppt/slides/slide8.xml><?xml version="1.0" encoding="utf-8"?>
 <p:sld xmlns:a="http://schemas.openxmlformats.org/drawingml/2006/main" xmlns:r="http://schemas.openxmlformats.org/officeDocument/2006/relationships" xmlns:p="http://schemas.openxmlformats.org/presentationml/2006/main">
   <p:cSld>
     <p:spTree>
@@ -21672,7 +22549,7 @@
           <a:p>
             <a:r>
               <a:rPr lang="es-ES" sz="1600" dirty="0"/>
-              <a:t>Por medio de R analizar la información y dar resultados del análisis</a:t>
+              <a:t>Por medio de R y Python analizar la información y dar resultados del análisis</a:t>
             </a:r>
           </a:p>
         </p:txBody>
@@ -21681,6 +22558,265 @@
     <p:extLst>
       <p:ext uri="{BB962C8B-B14F-4D97-AF65-F5344CB8AC3E}">
         <p14:creationId xmlns:p14="http://schemas.microsoft.com/office/powerpoint/2010/main" val="511779989"/>
+      </p:ext>
+    </p:extLst>
+  </p:cSld>
+  <p:clrMapOvr>
+    <a:masterClrMapping/>
+  </p:clrMapOvr>
+</p:sld>
+</file>
+
+<file path=ppt/slides/slide9.xml><?xml version="1.0" encoding="utf-8"?>
+<p:sld xmlns:a="http://schemas.openxmlformats.org/drawingml/2006/main" xmlns:r="http://schemas.openxmlformats.org/officeDocument/2006/relationships" xmlns:p="http://schemas.openxmlformats.org/presentationml/2006/main">
+  <p:cSld>
+    <p:spTree>
+      <p:nvGrpSpPr>
+        <p:cNvPr id="1" name="Shape 153"/>
+        <p:cNvGrpSpPr/>
+        <p:nvPr/>
+      </p:nvGrpSpPr>
+      <p:grpSpPr>
+        <a:xfrm>
+          <a:off x="0" y="0"/>
+          <a:ext cx="0" cy="0"/>
+          <a:chOff x="0" y="0"/>
+          <a:chExt cx="0" cy="0"/>
+        </a:xfrm>
+      </p:grpSpPr>
+      <p:cxnSp>
+        <p:nvCxnSpPr>
+          <p:cNvPr id="154" name="Google Shape;154;p21"/>
+          <p:cNvCxnSpPr/>
+          <p:nvPr/>
+        </p:nvCxnSpPr>
+        <p:spPr>
+          <a:xfrm>
+            <a:off x="14475844" y="-11"/>
+            <a:ext cx="0" cy="3877500"/>
+          </a:xfrm>
+          <a:prstGeom prst="straightConnector1">
+            <a:avLst/>
+          </a:prstGeom>
+          <a:noFill/>
+          <a:ln w="19050" cap="flat" cmpd="sng">
+            <a:solidFill>
+              <a:srgbClr val="4B22F4"/>
+            </a:solidFill>
+            <a:prstDash val="solid"/>
+            <a:round/>
+            <a:headEnd type="none" w="sm" len="sm"/>
+            <a:tailEnd type="none" w="sm" len="sm"/>
+          </a:ln>
+        </p:spPr>
+      </p:cxnSp>
+      <p:cxnSp>
+        <p:nvCxnSpPr>
+          <p:cNvPr id="155" name="Google Shape;155;p21"/>
+          <p:cNvCxnSpPr/>
+          <p:nvPr/>
+        </p:nvCxnSpPr>
+        <p:spPr>
+          <a:xfrm>
+            <a:off x="14475850" y="6859925"/>
+            <a:ext cx="0" cy="1061700"/>
+          </a:xfrm>
+          <a:prstGeom prst="straightConnector1">
+            <a:avLst/>
+          </a:prstGeom>
+          <a:noFill/>
+          <a:ln w="19050" cap="flat" cmpd="sng">
+            <a:solidFill>
+              <a:srgbClr val="4B22F4"/>
+            </a:solidFill>
+            <a:prstDash val="solid"/>
+            <a:round/>
+            <a:headEnd type="none" w="sm" len="sm"/>
+            <a:tailEnd type="none" w="sm" len="sm"/>
+          </a:ln>
+        </p:spPr>
+      </p:cxnSp>
+      <p:pic>
+        <p:nvPicPr>
+          <p:cNvPr id="156" name="Google Shape;156;p21"/>
+          <p:cNvPicPr preferRelativeResize="0"/>
+          <p:nvPr/>
+        </p:nvPicPr>
+        <p:blipFill rotWithShape="1">
+          <a:blip r:embed="rId3">
+            <a:alphaModFix/>
+          </a:blip>
+          <a:srcRect/>
+          <a:stretch/>
+        </p:blipFill>
+        <p:spPr>
+          <a:xfrm>
+            <a:off x="498500" y="709642"/>
+            <a:ext cx="1430575" cy="126308"/>
+          </a:xfrm>
+          <a:prstGeom prst="rect">
+            <a:avLst/>
+          </a:prstGeom>
+          <a:noFill/>
+          <a:ln>
+            <a:noFill/>
+          </a:ln>
+        </p:spPr>
+      </p:pic>
+      <p:sp>
+        <p:nvSpPr>
+          <p:cNvPr id="159" name="Google Shape;159;p21"/>
+          <p:cNvSpPr txBox="1"/>
+          <p:nvPr/>
+        </p:nvSpPr>
+        <p:spPr>
+          <a:xfrm>
+            <a:off x="2295842" y="414450"/>
+            <a:ext cx="9218400" cy="716700"/>
+          </a:xfrm>
+          <a:prstGeom prst="rect">
+            <a:avLst/>
+          </a:prstGeom>
+          <a:noFill/>
+          <a:ln>
+            <a:noFill/>
+          </a:ln>
+        </p:spPr>
+        <p:txBody>
+          <a:bodyPr spcFirstLastPara="1" wrap="square" lIns="147725" tIns="147725" rIns="147725" bIns="147725" anchor="ctr" anchorCtr="0">
+            <a:noAutofit/>
+          </a:bodyPr>
+          <a:lstStyle/>
+          <a:p>
+            <a:pPr marL="0" marR="0" lvl="0" indent="0" algn="l" rtl="0">
+              <a:lnSpc>
+                <a:spcPct val="100000"/>
+              </a:lnSpc>
+              <a:spcBef>
+                <a:spcPts val="0"/>
+              </a:spcBef>
+              <a:spcAft>
+                <a:spcPts val="0"/>
+              </a:spcAft>
+              <a:buClr>
+                <a:srgbClr val="000000"/>
+              </a:buClr>
+              <a:buSzPts val="4000"/>
+              <a:buFont typeface="Arial"/>
+              <a:buNone/>
+            </a:pPr>
+            <a:r>
+              <a:rPr lang="es-MX" sz="4000" b="1" dirty="0">
+                <a:solidFill>
+                  <a:srgbClr val="16181C"/>
+                </a:solidFill>
+                <a:latin typeface="Montserrat"/>
+                <a:ea typeface="Montserrat"/>
+                <a:cs typeface="Montserrat"/>
+                <a:sym typeface="Montserrat"/>
+              </a:rPr>
+              <a:t>Diagrama Entidad Relación </a:t>
+            </a:r>
+            <a:endParaRPr sz="4000" b="0" i="0" u="none" strike="noStrike" cap="none" dirty="0">
+              <a:solidFill>
+                <a:srgbClr val="16181C"/>
+              </a:solidFill>
+              <a:latin typeface="Montserrat"/>
+              <a:ea typeface="Montserrat"/>
+              <a:cs typeface="Montserrat"/>
+              <a:sym typeface="Montserrat"/>
+            </a:endParaRPr>
+          </a:p>
+        </p:txBody>
+      </p:sp>
+      <p:pic>
+        <p:nvPicPr>
+          <p:cNvPr id="161" name="Google Shape;161;p21"/>
+          <p:cNvPicPr preferRelativeResize="0"/>
+          <p:nvPr/>
+        </p:nvPicPr>
+        <p:blipFill rotWithShape="1">
+          <a:blip r:embed="rId4">
+            <a:alphaModFix/>
+          </a:blip>
+          <a:srcRect/>
+          <a:stretch/>
+        </p:blipFill>
+        <p:spPr>
+          <a:xfrm>
+            <a:off x="575050" y="6725850"/>
+            <a:ext cx="3996201" cy="994075"/>
+          </a:xfrm>
+          <a:prstGeom prst="rect">
+            <a:avLst/>
+          </a:prstGeom>
+          <a:noFill/>
+          <a:ln>
+            <a:noFill/>
+          </a:ln>
+        </p:spPr>
+      </p:pic>
+      <p:pic>
+        <p:nvPicPr>
+          <p:cNvPr id="162" name="Google Shape;162;p21"/>
+          <p:cNvPicPr preferRelativeResize="0"/>
+          <p:nvPr/>
+        </p:nvPicPr>
+        <p:blipFill rotWithShape="1">
+          <a:blip r:embed="rId5">
+            <a:alphaModFix/>
+          </a:blip>
+          <a:srcRect/>
+          <a:stretch/>
+        </p:blipFill>
+        <p:spPr>
+          <a:xfrm>
+            <a:off x="10878384" y="531488"/>
+            <a:ext cx="2165348" cy="482600"/>
+          </a:xfrm>
+          <a:prstGeom prst="rect">
+            <a:avLst/>
+          </a:prstGeom>
+          <a:noFill/>
+          <a:ln>
+            <a:noFill/>
+          </a:ln>
+        </p:spPr>
+      </p:pic>
+      <p:pic>
+        <p:nvPicPr>
+          <p:cNvPr id="4" name="Imagen 3">
+            <a:extLst>
+              <a:ext uri="{FF2B5EF4-FFF2-40B4-BE49-F238E27FC236}">
+                <a16:creationId xmlns:a16="http://schemas.microsoft.com/office/drawing/2014/main" id="{C919D9FB-09D9-409F-824F-377D4D11AD74}"/>
+              </a:ext>
+            </a:extLst>
+          </p:cNvPr>
+          <p:cNvPicPr>
+            <a:picLocks noChangeAspect="1"/>
+          </p:cNvPicPr>
+          <p:nvPr/>
+        </p:nvPicPr>
+        <p:blipFill>
+          <a:blip r:embed="rId6"/>
+          <a:stretch>
+            <a:fillRect/>
+          </a:stretch>
+        </p:blipFill>
+        <p:spPr>
+          <a:xfrm>
+            <a:off x="3249918" y="1248188"/>
+            <a:ext cx="8540066" cy="6471737"/>
+          </a:xfrm>
+          <a:prstGeom prst="rect">
+            <a:avLst/>
+          </a:prstGeom>
+        </p:spPr>
+      </p:pic>
+    </p:spTree>
+    <p:extLst>
+      <p:ext uri="{BB962C8B-B14F-4D97-AF65-F5344CB8AC3E}">
+        <p14:creationId xmlns:p14="http://schemas.microsoft.com/office/powerpoint/2010/main" val="2769952534"/>
       </p:ext>
     </p:extLst>
   </p:cSld>
